--- a/大三上/C++ 李宗辉/session_6_Class_and_object.pptx
+++ b/大三上/C++ 李宗辉/session_6_Class_and_object.pptx
@@ -2,92 +2,88 @@
 <file path=ppt/presentation.xml><?xml version="1.0" encoding="utf-8"?>
 <p:presentation xmlns:a="http://schemas.openxmlformats.org/drawingml/2006/main" xmlns:r="http://schemas.openxmlformats.org/officeDocument/2006/relationships" xmlns:p="http://schemas.openxmlformats.org/presentationml/2006/main" strictFirstAndLastChars="0" embedTrueTypeFonts="1" saveSubsetFonts="1" autoCompressPictures="0">
   <p:sldMasterIdLst>
-    <p:sldMasterId id="2147483659" r:id="rId1"/>
+    <p:sldMasterId id="2147483648" r:id="rId1"/>
   </p:sldMasterIdLst>
   <p:notesMasterIdLst>
-    <p:notesMasterId r:id="rId54"/>
+    <p:notesMasterId r:id="rId4"/>
   </p:notesMasterIdLst>
   <p:sldIdLst>
-    <p:sldId id="256" r:id="rId2"/>
-    <p:sldId id="398" r:id="rId3"/>
-    <p:sldId id="492" r:id="rId4"/>
-    <p:sldId id="493" r:id="rId5"/>
-    <p:sldId id="436" r:id="rId6"/>
-    <p:sldId id="437" r:id="rId7"/>
-    <p:sldId id="418" r:id="rId8"/>
-    <p:sldId id="439" r:id="rId9"/>
-    <p:sldId id="440" r:id="rId10"/>
-    <p:sldId id="438" r:id="rId11"/>
-    <p:sldId id="444" r:id="rId12"/>
-    <p:sldId id="494" r:id="rId13"/>
-    <p:sldId id="451" r:id="rId14"/>
-    <p:sldId id="450" r:id="rId15"/>
-    <p:sldId id="449" r:id="rId16"/>
-    <p:sldId id="448" r:id="rId17"/>
-    <p:sldId id="445" r:id="rId18"/>
-    <p:sldId id="478" r:id="rId19"/>
-    <p:sldId id="441" r:id="rId20"/>
-    <p:sldId id="452" r:id="rId21"/>
-    <p:sldId id="442" r:id="rId22"/>
-    <p:sldId id="453" r:id="rId23"/>
-    <p:sldId id="458" r:id="rId24"/>
-    <p:sldId id="454" r:id="rId25"/>
-    <p:sldId id="459" r:id="rId26"/>
-    <p:sldId id="489" r:id="rId27"/>
-    <p:sldId id="460" r:id="rId28"/>
-    <p:sldId id="461" r:id="rId29"/>
-    <p:sldId id="455" r:id="rId30"/>
-    <p:sldId id="464" r:id="rId31"/>
-    <p:sldId id="491" r:id="rId32"/>
-    <p:sldId id="490" r:id="rId33"/>
-    <p:sldId id="462" r:id="rId34"/>
-    <p:sldId id="463" r:id="rId35"/>
-    <p:sldId id="465" r:id="rId36"/>
-    <p:sldId id="466" r:id="rId37"/>
-    <p:sldId id="467" r:id="rId38"/>
-    <p:sldId id="496" r:id="rId39"/>
-    <p:sldId id="495" r:id="rId40"/>
-    <p:sldId id="468" r:id="rId41"/>
-    <p:sldId id="474" r:id="rId42"/>
-    <p:sldId id="470" r:id="rId43"/>
-    <p:sldId id="469" r:id="rId44"/>
-    <p:sldId id="487" r:id="rId45"/>
-    <p:sldId id="485" r:id="rId46"/>
-    <p:sldId id="488" r:id="rId47"/>
-    <p:sldId id="471" r:id="rId48"/>
-    <p:sldId id="475" r:id="rId49"/>
-    <p:sldId id="477" r:id="rId50"/>
-    <p:sldId id="476" r:id="rId51"/>
-    <p:sldId id="479" r:id="rId52"/>
-    <p:sldId id="480" r:id="rId53"/>
+    <p:sldId id="256" r:id="rId3"/>
+    <p:sldId id="398" r:id="rId5"/>
+    <p:sldId id="492" r:id="rId6"/>
+    <p:sldId id="493" r:id="rId7"/>
+    <p:sldId id="436" r:id="rId8"/>
+    <p:sldId id="437" r:id="rId9"/>
+    <p:sldId id="418" r:id="rId10"/>
+    <p:sldId id="439" r:id="rId11"/>
+    <p:sldId id="440" r:id="rId12"/>
+    <p:sldId id="438" r:id="rId13"/>
+    <p:sldId id="444" r:id="rId14"/>
+    <p:sldId id="494" r:id="rId15"/>
+    <p:sldId id="451" r:id="rId16"/>
+    <p:sldId id="450" r:id="rId17"/>
+    <p:sldId id="449" r:id="rId18"/>
+    <p:sldId id="448" r:id="rId19"/>
+    <p:sldId id="445" r:id="rId20"/>
+    <p:sldId id="478" r:id="rId21"/>
+    <p:sldId id="441" r:id="rId22"/>
+    <p:sldId id="452" r:id="rId23"/>
+    <p:sldId id="442" r:id="rId24"/>
+    <p:sldId id="453" r:id="rId25"/>
+    <p:sldId id="458" r:id="rId26"/>
+    <p:sldId id="454" r:id="rId27"/>
+    <p:sldId id="459" r:id="rId28"/>
+    <p:sldId id="489" r:id="rId29"/>
+    <p:sldId id="460" r:id="rId30"/>
+    <p:sldId id="461" r:id="rId31"/>
+    <p:sldId id="455" r:id="rId32"/>
+    <p:sldId id="464" r:id="rId33"/>
+    <p:sldId id="491" r:id="rId34"/>
+    <p:sldId id="490" r:id="rId35"/>
+    <p:sldId id="462" r:id="rId36"/>
+    <p:sldId id="463" r:id="rId37"/>
+    <p:sldId id="465" r:id="rId38"/>
+    <p:sldId id="466" r:id="rId39"/>
+    <p:sldId id="467" r:id="rId40"/>
+    <p:sldId id="496" r:id="rId41"/>
+    <p:sldId id="495" r:id="rId42"/>
+    <p:sldId id="468" r:id="rId43"/>
+    <p:sldId id="474" r:id="rId44"/>
+    <p:sldId id="470" r:id="rId45"/>
+    <p:sldId id="469" r:id="rId46"/>
+    <p:sldId id="487" r:id="rId47"/>
+    <p:sldId id="485" r:id="rId48"/>
+    <p:sldId id="488" r:id="rId49"/>
+    <p:sldId id="471" r:id="rId50"/>
+    <p:sldId id="475" r:id="rId51"/>
+    <p:sldId id="477" r:id="rId52"/>
+    <p:sldId id="476" r:id="rId53"/>
+    <p:sldId id="479" r:id="rId54"/>
+    <p:sldId id="480" r:id="rId55"/>
   </p:sldIdLst>
   <p:sldSz cx="6858000" cy="5143500"/>
   <p:notesSz cx="6858000" cy="9144000"/>
   <p:embeddedFontLst>
     <p:embeddedFont>
-      <p:font typeface="Montserrat" panose="02010600030101010101" charset="0"/>
-      <p:regular r:id="rId55"/>
-      <p:bold r:id="rId56"/>
-      <p:italic r:id="rId57"/>
-      <p:boldItalic r:id="rId58"/>
+      <p:font typeface="Montserrat" panose="00000500000000000000"/>
+      <p:regular r:id="rId59"/>
     </p:embeddedFont>
     <p:embeddedFont>
-      <p:font typeface="Lato" panose="02010600030101010101" charset="0"/>
-      <p:regular r:id="rId59"/>
-      <p:bold r:id="rId60"/>
-      <p:italic r:id="rId61"/>
-      <p:boldItalic r:id="rId62"/>
+      <p:font typeface="Lato" panose="020F0502020204030203"/>
+      <p:regular r:id="rId60"/>
+    </p:embeddedFont>
+    <p:embeddedFont>
+      <p:font typeface="微软雅黑" panose="020B0503020204020204" pitchFamily="34" charset="-122"/>
+      <p:regular r:id="rId61"/>
     </p:embeddedFont>
     <p:embeddedFont>
       <p:font typeface="Arial Black" panose="020B0A04020102020204" pitchFamily="34" charset="0"/>
-      <p:bold r:id="rId63"/>
-    </p:embeddedFont>
-    <p:embeddedFont>
-      <p:font typeface="微软雅黑" panose="020B0503020204020204" pitchFamily="34" charset="-122"/>
-      <p:regular r:id="rId64"/>
-      <p:bold r:id="rId65"/>
+      <p:bold r:id="rId62"/>
     </p:embeddedFont>
   </p:embeddedFontLst>
+  <p:custDataLst>
+    <p:tags r:id="rId63"/>
+  </p:custDataLst>
   <p:defaultTextStyle>
     <a:defPPr marR="0" lvl="0" algn="l" rtl="0">
       <a:lnSpc>
@@ -113,15 +109,15 @@
       <a:buClr>
         <a:srgbClr val="000000"/>
       </a:buClr>
-      <a:buFont typeface="Arial"/>
+      <a:buFont typeface="Arial" panose="020B0604020202020204"/>
       <a:defRPr sz="1400" b="0" i="0" u="none" strike="noStrike" cap="none">
         <a:solidFill>
           <a:srgbClr val="000000"/>
         </a:solidFill>
-        <a:latin typeface="Arial"/>
-        <a:ea typeface="Arial"/>
-        <a:cs typeface="Arial"/>
-        <a:sym typeface="Arial"/>
+        <a:latin typeface="Arial" panose="020B0604020202020204"/>
+        <a:ea typeface="Arial" panose="020B0604020202020204"/>
+        <a:cs typeface="Arial" panose="020B0604020202020204"/>
+        <a:sym typeface="Arial" panose="020B0604020202020204"/>
       </a:defRPr>
     </a:lvl1pPr>
     <a:lvl2pPr marR="0" lvl="1" algn="l" rtl="0">
@@ -137,15 +133,15 @@
       <a:buClr>
         <a:srgbClr val="000000"/>
       </a:buClr>
-      <a:buFont typeface="Arial"/>
+      <a:buFont typeface="Arial" panose="020B0604020202020204"/>
       <a:defRPr sz="1400" b="0" i="0" u="none" strike="noStrike" cap="none">
         <a:solidFill>
           <a:srgbClr val="000000"/>
         </a:solidFill>
-        <a:latin typeface="Arial"/>
-        <a:ea typeface="Arial"/>
-        <a:cs typeface="Arial"/>
-        <a:sym typeface="Arial"/>
+        <a:latin typeface="Arial" panose="020B0604020202020204"/>
+        <a:ea typeface="Arial" panose="020B0604020202020204"/>
+        <a:cs typeface="Arial" panose="020B0604020202020204"/>
+        <a:sym typeface="Arial" panose="020B0604020202020204"/>
       </a:defRPr>
     </a:lvl2pPr>
     <a:lvl3pPr marR="0" lvl="2" algn="l" rtl="0">
@@ -161,15 +157,15 @@
       <a:buClr>
         <a:srgbClr val="000000"/>
       </a:buClr>
-      <a:buFont typeface="Arial"/>
+      <a:buFont typeface="Arial" panose="020B0604020202020204"/>
       <a:defRPr sz="1400" b="0" i="0" u="none" strike="noStrike" cap="none">
         <a:solidFill>
           <a:srgbClr val="000000"/>
         </a:solidFill>
-        <a:latin typeface="Arial"/>
-        <a:ea typeface="Arial"/>
-        <a:cs typeface="Arial"/>
-        <a:sym typeface="Arial"/>
+        <a:latin typeface="Arial" panose="020B0604020202020204"/>
+        <a:ea typeface="Arial" panose="020B0604020202020204"/>
+        <a:cs typeface="Arial" panose="020B0604020202020204"/>
+        <a:sym typeface="Arial" panose="020B0604020202020204"/>
       </a:defRPr>
     </a:lvl3pPr>
     <a:lvl4pPr marR="0" lvl="3" algn="l" rtl="0">
@@ -185,15 +181,15 @@
       <a:buClr>
         <a:srgbClr val="000000"/>
       </a:buClr>
-      <a:buFont typeface="Arial"/>
+      <a:buFont typeface="Arial" panose="020B0604020202020204"/>
       <a:defRPr sz="1400" b="0" i="0" u="none" strike="noStrike" cap="none">
         <a:solidFill>
           <a:srgbClr val="000000"/>
         </a:solidFill>
-        <a:latin typeface="Arial"/>
-        <a:ea typeface="Arial"/>
-        <a:cs typeface="Arial"/>
-        <a:sym typeface="Arial"/>
+        <a:latin typeface="Arial" panose="020B0604020202020204"/>
+        <a:ea typeface="Arial" panose="020B0604020202020204"/>
+        <a:cs typeface="Arial" panose="020B0604020202020204"/>
+        <a:sym typeface="Arial" panose="020B0604020202020204"/>
       </a:defRPr>
     </a:lvl4pPr>
     <a:lvl5pPr marR="0" lvl="4" algn="l" rtl="0">
@@ -209,15 +205,15 @@
       <a:buClr>
         <a:srgbClr val="000000"/>
       </a:buClr>
-      <a:buFont typeface="Arial"/>
+      <a:buFont typeface="Arial" panose="020B0604020202020204"/>
       <a:defRPr sz="1400" b="0" i="0" u="none" strike="noStrike" cap="none">
         <a:solidFill>
           <a:srgbClr val="000000"/>
         </a:solidFill>
-        <a:latin typeface="Arial"/>
-        <a:ea typeface="Arial"/>
-        <a:cs typeface="Arial"/>
-        <a:sym typeface="Arial"/>
+        <a:latin typeface="Arial" panose="020B0604020202020204"/>
+        <a:ea typeface="Arial" panose="020B0604020202020204"/>
+        <a:cs typeface="Arial" panose="020B0604020202020204"/>
+        <a:sym typeface="Arial" panose="020B0604020202020204"/>
       </a:defRPr>
     </a:lvl5pPr>
     <a:lvl6pPr marR="0" lvl="5" algn="l" rtl="0">
@@ -233,15 +229,15 @@
       <a:buClr>
         <a:srgbClr val="000000"/>
       </a:buClr>
-      <a:buFont typeface="Arial"/>
+      <a:buFont typeface="Arial" panose="020B0604020202020204"/>
       <a:defRPr sz="1400" b="0" i="0" u="none" strike="noStrike" cap="none">
         <a:solidFill>
           <a:srgbClr val="000000"/>
         </a:solidFill>
-        <a:latin typeface="Arial"/>
-        <a:ea typeface="Arial"/>
-        <a:cs typeface="Arial"/>
-        <a:sym typeface="Arial"/>
+        <a:latin typeface="Arial" panose="020B0604020202020204"/>
+        <a:ea typeface="Arial" panose="020B0604020202020204"/>
+        <a:cs typeface="Arial" panose="020B0604020202020204"/>
+        <a:sym typeface="Arial" panose="020B0604020202020204"/>
       </a:defRPr>
     </a:lvl6pPr>
     <a:lvl7pPr marR="0" lvl="6" algn="l" rtl="0">
@@ -257,15 +253,15 @@
       <a:buClr>
         <a:srgbClr val="000000"/>
       </a:buClr>
-      <a:buFont typeface="Arial"/>
+      <a:buFont typeface="Arial" panose="020B0604020202020204"/>
       <a:defRPr sz="1400" b="0" i="0" u="none" strike="noStrike" cap="none">
         <a:solidFill>
           <a:srgbClr val="000000"/>
         </a:solidFill>
-        <a:latin typeface="Arial"/>
-        <a:ea typeface="Arial"/>
-        <a:cs typeface="Arial"/>
-        <a:sym typeface="Arial"/>
+        <a:latin typeface="Arial" panose="020B0604020202020204"/>
+        <a:ea typeface="Arial" panose="020B0604020202020204"/>
+        <a:cs typeface="Arial" panose="020B0604020202020204"/>
+        <a:sym typeface="Arial" panose="020B0604020202020204"/>
       </a:defRPr>
     </a:lvl7pPr>
     <a:lvl8pPr marR="0" lvl="7" algn="l" rtl="0">
@@ -281,15 +277,15 @@
       <a:buClr>
         <a:srgbClr val="000000"/>
       </a:buClr>
-      <a:buFont typeface="Arial"/>
+      <a:buFont typeface="Arial" panose="020B0604020202020204"/>
       <a:defRPr sz="1400" b="0" i="0" u="none" strike="noStrike" cap="none">
         <a:solidFill>
           <a:srgbClr val="000000"/>
         </a:solidFill>
-        <a:latin typeface="Arial"/>
-        <a:ea typeface="Arial"/>
-        <a:cs typeface="Arial"/>
-        <a:sym typeface="Arial"/>
+        <a:latin typeface="Arial" panose="020B0604020202020204"/>
+        <a:ea typeface="Arial" panose="020B0604020202020204"/>
+        <a:cs typeface="Arial" panose="020B0604020202020204"/>
+        <a:sym typeface="Arial" panose="020B0604020202020204"/>
       </a:defRPr>
     </a:lvl8pPr>
     <a:lvl9pPr marR="0" lvl="8" algn="l" rtl="0">
@@ -305,23 +301,18 @@
       <a:buClr>
         <a:srgbClr val="000000"/>
       </a:buClr>
-      <a:buFont typeface="Arial"/>
+      <a:buFont typeface="Arial" panose="020B0604020202020204"/>
       <a:defRPr sz="1400" b="0" i="0" u="none" strike="noStrike" cap="none">
         <a:solidFill>
           <a:srgbClr val="000000"/>
         </a:solidFill>
-        <a:latin typeface="Arial"/>
-        <a:ea typeface="Arial"/>
-        <a:cs typeface="Arial"/>
-        <a:sym typeface="Arial"/>
+        <a:latin typeface="Arial" panose="020B0604020202020204"/>
+        <a:ea typeface="Arial" panose="020B0604020202020204"/>
+        <a:cs typeface="Arial" panose="020B0604020202020204"/>
+        <a:sym typeface="Arial" panose="020B0604020202020204"/>
       </a:defRPr>
     </a:lvl9pPr>
   </p:defaultTextStyle>
-  <p:extLst>
-    <p:ext uri="{EFAFB233-063F-42B5-8137-9DF3F51BA10A}">
-      <p15:sldGuideLst xmlns:p15="http://schemas.microsoft.com/office/powerpoint/2012/main"/>
-    </p:ext>
-  </p:extLst>
 </p:presentation>
 </file>
 
@@ -524,9 +515,7 @@
               <a:defRPr sz="1100"/>
             </a:lvl9pPr>
           </a:lstStyle>
-          <a:p>
-            <a:endParaRPr/>
-          </a:p>
+          <a:p/>
         </p:txBody>
       </p:sp>
     </p:spTree>
@@ -557,15 +546,15 @@
       <a:buClr>
         <a:srgbClr val="000000"/>
       </a:buClr>
-      <a:buFont typeface="Arial"/>
+      <a:buFont typeface="Arial" panose="020B0604020202020204"/>
       <a:defRPr sz="1400" b="0" i="0" u="none" strike="noStrike" cap="none">
         <a:solidFill>
           <a:srgbClr val="000000"/>
         </a:solidFill>
-        <a:latin typeface="Arial"/>
-        <a:ea typeface="Arial"/>
-        <a:cs typeface="Arial"/>
-        <a:sym typeface="Arial"/>
+        <a:latin typeface="Arial" panose="020B0604020202020204"/>
+        <a:ea typeface="Arial" panose="020B0604020202020204"/>
+        <a:cs typeface="Arial" panose="020B0604020202020204"/>
+        <a:sym typeface="Arial" panose="020B0604020202020204"/>
       </a:defRPr>
     </a:lvl1pPr>
     <a:lvl2pPr marR="0" lvl="1" algn="l" rtl="0">
@@ -581,15 +570,15 @@
       <a:buClr>
         <a:srgbClr val="000000"/>
       </a:buClr>
-      <a:buFont typeface="Arial"/>
+      <a:buFont typeface="Arial" panose="020B0604020202020204"/>
       <a:defRPr sz="1400" b="0" i="0" u="none" strike="noStrike" cap="none">
         <a:solidFill>
           <a:srgbClr val="000000"/>
         </a:solidFill>
-        <a:latin typeface="Arial"/>
-        <a:ea typeface="Arial"/>
-        <a:cs typeface="Arial"/>
-        <a:sym typeface="Arial"/>
+        <a:latin typeface="Arial" panose="020B0604020202020204"/>
+        <a:ea typeface="Arial" panose="020B0604020202020204"/>
+        <a:cs typeface="Arial" panose="020B0604020202020204"/>
+        <a:sym typeface="Arial" panose="020B0604020202020204"/>
       </a:defRPr>
     </a:lvl2pPr>
     <a:lvl3pPr marR="0" lvl="2" algn="l" rtl="0">
@@ -605,15 +594,15 @@
       <a:buClr>
         <a:srgbClr val="000000"/>
       </a:buClr>
-      <a:buFont typeface="Arial"/>
+      <a:buFont typeface="Arial" panose="020B0604020202020204"/>
       <a:defRPr sz="1400" b="0" i="0" u="none" strike="noStrike" cap="none">
         <a:solidFill>
           <a:srgbClr val="000000"/>
         </a:solidFill>
-        <a:latin typeface="Arial"/>
-        <a:ea typeface="Arial"/>
-        <a:cs typeface="Arial"/>
-        <a:sym typeface="Arial"/>
+        <a:latin typeface="Arial" panose="020B0604020202020204"/>
+        <a:ea typeface="Arial" panose="020B0604020202020204"/>
+        <a:cs typeface="Arial" panose="020B0604020202020204"/>
+        <a:sym typeface="Arial" panose="020B0604020202020204"/>
       </a:defRPr>
     </a:lvl3pPr>
     <a:lvl4pPr marR="0" lvl="3" algn="l" rtl="0">
@@ -629,15 +618,15 @@
       <a:buClr>
         <a:srgbClr val="000000"/>
       </a:buClr>
-      <a:buFont typeface="Arial"/>
+      <a:buFont typeface="Arial" panose="020B0604020202020204"/>
       <a:defRPr sz="1400" b="0" i="0" u="none" strike="noStrike" cap="none">
         <a:solidFill>
           <a:srgbClr val="000000"/>
         </a:solidFill>
-        <a:latin typeface="Arial"/>
-        <a:ea typeface="Arial"/>
-        <a:cs typeface="Arial"/>
-        <a:sym typeface="Arial"/>
+        <a:latin typeface="Arial" panose="020B0604020202020204"/>
+        <a:ea typeface="Arial" panose="020B0604020202020204"/>
+        <a:cs typeface="Arial" panose="020B0604020202020204"/>
+        <a:sym typeface="Arial" panose="020B0604020202020204"/>
       </a:defRPr>
     </a:lvl4pPr>
     <a:lvl5pPr marR="0" lvl="4" algn="l" rtl="0">
@@ -653,15 +642,15 @@
       <a:buClr>
         <a:srgbClr val="000000"/>
       </a:buClr>
-      <a:buFont typeface="Arial"/>
+      <a:buFont typeface="Arial" panose="020B0604020202020204"/>
       <a:defRPr sz="1400" b="0" i="0" u="none" strike="noStrike" cap="none">
         <a:solidFill>
           <a:srgbClr val="000000"/>
         </a:solidFill>
-        <a:latin typeface="Arial"/>
-        <a:ea typeface="Arial"/>
-        <a:cs typeface="Arial"/>
-        <a:sym typeface="Arial"/>
+        <a:latin typeface="Arial" panose="020B0604020202020204"/>
+        <a:ea typeface="Arial" panose="020B0604020202020204"/>
+        <a:cs typeface="Arial" panose="020B0604020202020204"/>
+        <a:sym typeface="Arial" panose="020B0604020202020204"/>
       </a:defRPr>
     </a:lvl5pPr>
     <a:lvl6pPr marR="0" lvl="5" algn="l" rtl="0">
@@ -677,15 +666,15 @@
       <a:buClr>
         <a:srgbClr val="000000"/>
       </a:buClr>
-      <a:buFont typeface="Arial"/>
+      <a:buFont typeface="Arial" panose="020B0604020202020204"/>
       <a:defRPr sz="1400" b="0" i="0" u="none" strike="noStrike" cap="none">
         <a:solidFill>
           <a:srgbClr val="000000"/>
         </a:solidFill>
-        <a:latin typeface="Arial"/>
-        <a:ea typeface="Arial"/>
-        <a:cs typeface="Arial"/>
-        <a:sym typeface="Arial"/>
+        <a:latin typeface="Arial" panose="020B0604020202020204"/>
+        <a:ea typeface="Arial" panose="020B0604020202020204"/>
+        <a:cs typeface="Arial" panose="020B0604020202020204"/>
+        <a:sym typeface="Arial" panose="020B0604020202020204"/>
       </a:defRPr>
     </a:lvl6pPr>
     <a:lvl7pPr marR="0" lvl="6" algn="l" rtl="0">
@@ -701,15 +690,15 @@
       <a:buClr>
         <a:srgbClr val="000000"/>
       </a:buClr>
-      <a:buFont typeface="Arial"/>
+      <a:buFont typeface="Arial" panose="020B0604020202020204"/>
       <a:defRPr sz="1400" b="0" i="0" u="none" strike="noStrike" cap="none">
         <a:solidFill>
           <a:srgbClr val="000000"/>
         </a:solidFill>
-        <a:latin typeface="Arial"/>
-        <a:ea typeface="Arial"/>
-        <a:cs typeface="Arial"/>
-        <a:sym typeface="Arial"/>
+        <a:latin typeface="Arial" panose="020B0604020202020204"/>
+        <a:ea typeface="Arial" panose="020B0604020202020204"/>
+        <a:cs typeface="Arial" panose="020B0604020202020204"/>
+        <a:sym typeface="Arial" panose="020B0604020202020204"/>
       </a:defRPr>
     </a:lvl7pPr>
     <a:lvl8pPr marR="0" lvl="7" algn="l" rtl="0">
@@ -725,15 +714,15 @@
       <a:buClr>
         <a:srgbClr val="000000"/>
       </a:buClr>
-      <a:buFont typeface="Arial"/>
+      <a:buFont typeface="Arial" panose="020B0604020202020204"/>
       <a:defRPr sz="1400" b="0" i="0" u="none" strike="noStrike" cap="none">
         <a:solidFill>
           <a:srgbClr val="000000"/>
         </a:solidFill>
-        <a:latin typeface="Arial"/>
-        <a:ea typeface="Arial"/>
-        <a:cs typeface="Arial"/>
-        <a:sym typeface="Arial"/>
+        <a:latin typeface="Arial" panose="020B0604020202020204"/>
+        <a:ea typeface="Arial" panose="020B0604020202020204"/>
+        <a:cs typeface="Arial" panose="020B0604020202020204"/>
+        <a:sym typeface="Arial" panose="020B0604020202020204"/>
       </a:defRPr>
     </a:lvl8pPr>
     <a:lvl9pPr marR="0" lvl="8" algn="l" rtl="0">
@@ -749,15 +738,15 @@
       <a:buClr>
         <a:srgbClr val="000000"/>
       </a:buClr>
-      <a:buFont typeface="Arial"/>
+      <a:buFont typeface="Arial" panose="020B0604020202020204"/>
       <a:defRPr sz="1400" b="0" i="0" u="none" strike="noStrike" cap="none">
         <a:solidFill>
           <a:srgbClr val="000000"/>
         </a:solidFill>
-        <a:latin typeface="Arial"/>
-        <a:ea typeface="Arial"/>
-        <a:cs typeface="Arial"/>
-        <a:sym typeface="Arial"/>
+        <a:latin typeface="Arial" panose="020B0604020202020204"/>
+        <a:ea typeface="Arial" panose="020B0604020202020204"/>
+        <a:cs typeface="Arial" panose="020B0604020202020204"/>
+        <a:sym typeface="Arial" panose="020B0604020202020204"/>
       </a:defRPr>
     </a:lvl9pPr>
   </p:notesStyle>
@@ -765,7 +754,7 @@
 </file>
 
 <file path=ppt/notesSlides/notesSlide1.xml><?xml version="1.0" encoding="utf-8"?>
-<p:notes xmlns:a="http://schemas.openxmlformats.org/drawingml/2006/main" xmlns:r="http://schemas.openxmlformats.org/officeDocument/2006/relationships" xmlns:p="http://schemas.openxmlformats.org/presentationml/2006/main" showMasterSp="0" showMasterPhAnim="0">
+<p:notes xmlns:a="http://schemas.openxmlformats.org/drawingml/2006/main" xmlns:r="http://schemas.openxmlformats.org/officeDocument/2006/relationships" xmlns:p="http://schemas.openxmlformats.org/presentationml/2006/main" showMasterPhAnim="0" showMasterSp="0">
   <p:cSld>
     <p:spTree>
       <p:nvGrpSpPr>
@@ -856,7 +845,6 @@
               </a:spcAft>
               <a:buNone/>
             </a:pPr>
-            <a:endParaRPr/>
           </a:p>
         </p:txBody>
       </p:sp>
@@ -869,7 +857,7 @@
 </file>
 
 <file path=ppt/notesSlides/notesSlide2.xml><?xml version="1.0" encoding="utf-8"?>
-<p:notes xmlns:a="http://schemas.openxmlformats.org/drawingml/2006/main" xmlns:r="http://schemas.openxmlformats.org/officeDocument/2006/relationships" xmlns:p="http://schemas.openxmlformats.org/presentationml/2006/main" showMasterSp="0" showMasterPhAnim="0">
+<p:notes xmlns:a="http://schemas.openxmlformats.org/drawingml/2006/main" xmlns:r="http://schemas.openxmlformats.org/officeDocument/2006/relationships" xmlns:p="http://schemas.openxmlformats.org/presentationml/2006/main" showMasterPhAnim="0" showMasterSp="0">
   <p:cSld>
     <p:spTree>
       <p:nvGrpSpPr>
@@ -960,16 +948,10 @@
               </a:spcAft>
               <a:buNone/>
             </a:pPr>
-            <a:endParaRPr/>
           </a:p>
         </p:txBody>
       </p:sp>
     </p:spTree>
-    <p:extLst>
-      <p:ext uri="{BB962C8B-B14F-4D97-AF65-F5344CB8AC3E}">
-        <p14:creationId xmlns:p14="http://schemas.microsoft.com/office/powerpoint/2010/main" val="3568198641"/>
-      </p:ext>
-    </p:extLst>
   </p:cSld>
   <p:clrMapOvr>
     <a:masterClrMapping/>
@@ -1026,11 +1008,6 @@
         </p:txBody>
       </p:sp>
     </p:spTree>
-    <p:extLst>
-      <p:ext uri="{BB962C8B-B14F-4D97-AF65-F5344CB8AC3E}">
-        <p14:creationId xmlns:p14="http://schemas.microsoft.com/office/powerpoint/2010/main" val="2340659721"/>
-      </p:ext>
-    </p:extLst>
   </p:cSld>
   <p:clrMapOvr>
     <a:masterClrMapping/>
@@ -1039,7 +1016,7 @@
 </file>
 
 <file path=ppt/slideLayouts/slideLayout1.xml><?xml version="1.0" encoding="utf-8"?>
-<p:sldLayout xmlns:a="http://schemas.openxmlformats.org/drawingml/2006/main" xmlns:r="http://schemas.openxmlformats.org/officeDocument/2006/relationships" xmlns:p="http://schemas.openxmlformats.org/presentationml/2006/main" matchingName="Title slide" type="title">
+<p:sldLayout xmlns:a="http://schemas.openxmlformats.org/drawingml/2006/main" xmlns:r="http://schemas.openxmlformats.org/officeDocument/2006/relationships" xmlns:p="http://schemas.openxmlformats.org/presentationml/2006/main" type="title" matchingName="Title slide">
   <p:cSld name="TITLE">
     <p:spTree>
       <p:nvGrpSpPr>
@@ -1408,9 +1385,7 @@
               <a:defRPr sz="3000"/>
             </a:lvl9pPr>
           </a:lstStyle>
-          <a:p>
-            <a:endParaRPr/>
-          </a:p>
+          <a:p/>
         </p:txBody>
       </p:sp>
       <p:sp>
@@ -1562,9 +1537,7 @@
               <a:defRPr sz="975"/>
             </a:lvl9pPr>
           </a:lstStyle>
-          <a:p>
-            <a:endParaRPr/>
-          </a:p>
+          <a:p/>
         </p:txBody>
       </p:sp>
       <p:sp>
@@ -1630,11 +1603,9 @@
           </a:lstStyle>
           <a:p>
             <a:fld id="{00000000-1234-1234-1234-123412341234}" type="slidenum">
-              <a:rPr lang="en" smtClean="0"/>
-              <a:pPr/>
-              <a:t>‹#›</a:t>
+              <a:rPr lang="en-GB" smtClean="0"/>
             </a:fld>
-            <a:endParaRPr lang="en"/>
+            <a:endParaRPr lang="en-GB"/>
           </a:p>
         </p:txBody>
       </p:sp>
@@ -1647,7 +1618,7 @@
 </file>
 
 <file path=ppt/slideLayouts/slideLayout10.xml><?xml version="1.0" encoding="utf-8"?>
-<p:sldLayout xmlns:a="http://schemas.openxmlformats.org/drawingml/2006/main" xmlns:r="http://schemas.openxmlformats.org/officeDocument/2006/relationships" xmlns:p="http://schemas.openxmlformats.org/presentationml/2006/main" matchingName="Blank" type="blank">
+<p:sldLayout xmlns:a="http://schemas.openxmlformats.org/drawingml/2006/main" xmlns:r="http://schemas.openxmlformats.org/officeDocument/2006/relationships" xmlns:p="http://schemas.openxmlformats.org/presentationml/2006/main" type="blank" matchingName="Blank">
   <p:cSld name="BLANK">
     <p:spTree>
       <p:nvGrpSpPr>
@@ -1726,11 +1697,9 @@
           </a:lstStyle>
           <a:p>
             <a:fld id="{00000000-1234-1234-1234-123412341234}" type="slidenum">
-              <a:rPr lang="en" smtClean="0"/>
-              <a:pPr/>
-              <a:t>‹#›</a:t>
+              <a:rPr lang="en-GB" smtClean="0"/>
             </a:fld>
-            <a:endParaRPr lang="en"/>
+            <a:endParaRPr lang="en-GB"/>
           </a:p>
         </p:txBody>
       </p:sp>
@@ -1743,7 +1712,7 @@
 </file>
 
 <file path=ppt/slideLayouts/slideLayout2.xml><?xml version="1.0" encoding="utf-8"?>
-<p:sldLayout xmlns:a="http://schemas.openxmlformats.org/drawingml/2006/main" xmlns:r="http://schemas.openxmlformats.org/officeDocument/2006/relationships" xmlns:p="http://schemas.openxmlformats.org/presentationml/2006/main" matchingName="Title and body" type="tx">
+<p:sldLayout xmlns:a="http://schemas.openxmlformats.org/drawingml/2006/main" xmlns:r="http://schemas.openxmlformats.org/officeDocument/2006/relationships" xmlns:p="http://schemas.openxmlformats.org/presentationml/2006/main" type="tx" matchingName="Title and body">
   <p:cSld name="TITLE_AND_BODY">
     <p:spTree>
       <p:nvGrpSpPr>
@@ -1980,9 +1949,7 @@
               <a:defRPr sz="1800"/>
             </a:lvl9pPr>
           </a:lstStyle>
-          <a:p>
-            <a:endParaRPr/>
-          </a:p>
+          <a:p/>
         </p:txBody>
       </p:sp>
       <p:sp>
@@ -2007,7 +1974,7 @@
         <p:txBody>
           <a:bodyPr spcFirstLastPara="1" wrap="square" lIns="91425" tIns="91425" rIns="91425" bIns="91425" anchor="t" anchorCtr="0"/>
           <a:lstStyle>
-            <a:lvl1pPr marL="342892" lvl="0" indent="-233357">
+            <a:lvl1pPr marL="342900" lvl="0" indent="-233045">
               <a:spcBef>
                 <a:spcPts val="0"/>
               </a:spcBef>
@@ -2018,7 +1985,7 @@
               <a:buChar char="●"/>
               <a:defRPr/>
             </a:lvl1pPr>
-            <a:lvl2pPr marL="685783" lvl="1" indent="-223832">
+            <a:lvl2pPr marL="685800" lvl="1" indent="-223520">
               <a:spcBef>
                 <a:spcPts val="1200"/>
               </a:spcBef>
@@ -2029,7 +1996,7 @@
               <a:buChar char="○"/>
               <a:defRPr/>
             </a:lvl2pPr>
-            <a:lvl3pPr marL="1028675" lvl="2" indent="-223832">
+            <a:lvl3pPr marL="1028700" lvl="2" indent="-223520">
               <a:spcBef>
                 <a:spcPts val="1200"/>
               </a:spcBef>
@@ -2040,7 +2007,7 @@
               <a:buChar char="■"/>
               <a:defRPr/>
             </a:lvl3pPr>
-            <a:lvl4pPr marL="1371566" lvl="3" indent="-223832">
+            <a:lvl4pPr marL="1371600" lvl="3" indent="-223520">
               <a:spcBef>
                 <a:spcPts val="1200"/>
               </a:spcBef>
@@ -2051,7 +2018,7 @@
               <a:buChar char="●"/>
               <a:defRPr/>
             </a:lvl4pPr>
-            <a:lvl5pPr marL="1714457" lvl="4" indent="-223832">
+            <a:lvl5pPr marL="1714500" lvl="4" indent="-223520">
               <a:spcBef>
                 <a:spcPts val="1200"/>
               </a:spcBef>
@@ -2062,7 +2029,7 @@
               <a:buChar char="○"/>
               <a:defRPr/>
             </a:lvl5pPr>
-            <a:lvl6pPr marL="2057348" lvl="5" indent="-223832">
+            <a:lvl6pPr marL="2057400" lvl="5" indent="-223520">
               <a:spcBef>
                 <a:spcPts val="1200"/>
               </a:spcBef>
@@ -2073,7 +2040,7 @@
               <a:buChar char="■"/>
               <a:defRPr/>
             </a:lvl6pPr>
-            <a:lvl7pPr marL="2400240" lvl="6" indent="-223832">
+            <a:lvl7pPr marL="2400300" lvl="6" indent="-223520">
               <a:spcBef>
                 <a:spcPts val="1200"/>
               </a:spcBef>
@@ -2084,7 +2051,7 @@
               <a:buChar char="●"/>
               <a:defRPr/>
             </a:lvl7pPr>
-            <a:lvl8pPr marL="2743132" lvl="7" indent="-223832">
+            <a:lvl8pPr marL="2743200" lvl="7" indent="-223520">
               <a:spcBef>
                 <a:spcPts val="1200"/>
               </a:spcBef>
@@ -2095,7 +2062,7 @@
               <a:buChar char="○"/>
               <a:defRPr/>
             </a:lvl8pPr>
-            <a:lvl9pPr marL="3086023" lvl="8" indent="-223832">
+            <a:lvl9pPr marL="3086100" lvl="8" indent="-223520">
               <a:spcBef>
                 <a:spcPts val="1200"/>
               </a:spcBef>
@@ -2107,9 +2074,7 @@
               <a:defRPr/>
             </a:lvl9pPr>
           </a:lstStyle>
-          <a:p>
-            <a:endParaRPr/>
-          </a:p>
+          <a:p/>
         </p:txBody>
       </p:sp>
       <p:sp>
@@ -2175,11 +2140,9 @@
           </a:lstStyle>
           <a:p>
             <a:fld id="{00000000-1234-1234-1234-123412341234}" type="slidenum">
-              <a:rPr lang="en" smtClean="0"/>
-              <a:pPr/>
-              <a:t>‹#›</a:t>
+              <a:rPr lang="en-GB" smtClean="0"/>
             </a:fld>
-            <a:endParaRPr lang="en"/>
+            <a:endParaRPr lang="en-GB"/>
           </a:p>
         </p:txBody>
       </p:sp>
@@ -2200,7 +2163,9 @@
             </a:extLst>
           </a:blip>
           <a:srcRect r="70202" b="2132"/>
-          <a:stretch/>
+          <a:stretch>
+            <a:fillRect/>
+          </a:stretch>
         </p:blipFill>
         <p:spPr>
           <a:xfrm>
@@ -2221,7 +2186,7 @@
 </file>
 
 <file path=ppt/slideLayouts/slideLayout3.xml><?xml version="1.0" encoding="utf-8"?>
-<p:sldLayout xmlns:a="http://schemas.openxmlformats.org/drawingml/2006/main" xmlns:r="http://schemas.openxmlformats.org/officeDocument/2006/relationships" xmlns:p="http://schemas.openxmlformats.org/presentationml/2006/main" matchingName="Title and two columns" type="twoColTx">
+<p:sldLayout xmlns:a="http://schemas.openxmlformats.org/drawingml/2006/main" xmlns:r="http://schemas.openxmlformats.org/officeDocument/2006/relationships" xmlns:p="http://schemas.openxmlformats.org/presentationml/2006/main" type="twoColTx" matchingName="Title and two columns">
   <p:cSld name="TITLE_AND_TWO_COLUMNS">
     <p:spTree>
       <p:nvGrpSpPr>
@@ -2458,9 +2423,7 @@
               <a:defRPr sz="1800"/>
             </a:lvl9pPr>
           </a:lstStyle>
-          <a:p>
-            <a:endParaRPr/>
-          </a:p>
+          <a:p/>
         </p:txBody>
       </p:sp>
       <p:sp>
@@ -2485,7 +2448,7 @@
         <p:txBody>
           <a:bodyPr spcFirstLastPara="1" wrap="square" lIns="91425" tIns="91425" rIns="91425" bIns="91425" anchor="t" anchorCtr="0"/>
           <a:lstStyle>
-            <a:lvl1pPr marL="342892" lvl="0" indent="-233357">
+            <a:lvl1pPr marL="342900" lvl="0" indent="-233045">
               <a:spcBef>
                 <a:spcPts val="0"/>
               </a:spcBef>
@@ -2496,7 +2459,7 @@
               <a:buChar char="●"/>
               <a:defRPr/>
             </a:lvl1pPr>
-            <a:lvl2pPr marL="685783" lvl="1" indent="-223832">
+            <a:lvl2pPr marL="685800" lvl="1" indent="-223520">
               <a:spcBef>
                 <a:spcPts val="1200"/>
               </a:spcBef>
@@ -2507,7 +2470,7 @@
               <a:buChar char="○"/>
               <a:defRPr/>
             </a:lvl2pPr>
-            <a:lvl3pPr marL="1028675" lvl="2" indent="-223832">
+            <a:lvl3pPr marL="1028700" lvl="2" indent="-223520">
               <a:spcBef>
                 <a:spcPts val="1200"/>
               </a:spcBef>
@@ -2518,7 +2481,7 @@
               <a:buChar char="■"/>
               <a:defRPr/>
             </a:lvl3pPr>
-            <a:lvl4pPr marL="1371566" lvl="3" indent="-223832">
+            <a:lvl4pPr marL="1371600" lvl="3" indent="-223520">
               <a:spcBef>
                 <a:spcPts val="1200"/>
               </a:spcBef>
@@ -2529,7 +2492,7 @@
               <a:buChar char="●"/>
               <a:defRPr/>
             </a:lvl4pPr>
-            <a:lvl5pPr marL="1714457" lvl="4" indent="-223832">
+            <a:lvl5pPr marL="1714500" lvl="4" indent="-223520">
               <a:spcBef>
                 <a:spcPts val="1200"/>
               </a:spcBef>
@@ -2540,7 +2503,7 @@
               <a:buChar char="○"/>
               <a:defRPr/>
             </a:lvl5pPr>
-            <a:lvl6pPr marL="2057348" lvl="5" indent="-223832">
+            <a:lvl6pPr marL="2057400" lvl="5" indent="-223520">
               <a:spcBef>
                 <a:spcPts val="1200"/>
               </a:spcBef>
@@ -2551,7 +2514,7 @@
               <a:buChar char="■"/>
               <a:defRPr/>
             </a:lvl6pPr>
-            <a:lvl7pPr marL="2400240" lvl="6" indent="-223832">
+            <a:lvl7pPr marL="2400300" lvl="6" indent="-223520">
               <a:spcBef>
                 <a:spcPts val="1200"/>
               </a:spcBef>
@@ -2562,7 +2525,7 @@
               <a:buChar char="●"/>
               <a:defRPr/>
             </a:lvl7pPr>
-            <a:lvl8pPr marL="2743132" lvl="7" indent="-223832">
+            <a:lvl8pPr marL="2743200" lvl="7" indent="-223520">
               <a:spcBef>
                 <a:spcPts val="1200"/>
               </a:spcBef>
@@ -2573,7 +2536,7 @@
               <a:buChar char="○"/>
               <a:defRPr/>
             </a:lvl8pPr>
-            <a:lvl9pPr marL="3086023" lvl="8" indent="-223832">
+            <a:lvl9pPr marL="3086100" lvl="8" indent="-223520">
               <a:spcBef>
                 <a:spcPts val="1200"/>
               </a:spcBef>
@@ -2585,9 +2548,7 @@
               <a:defRPr/>
             </a:lvl9pPr>
           </a:lstStyle>
-          <a:p>
-            <a:endParaRPr/>
-          </a:p>
+          <a:p/>
         </p:txBody>
       </p:sp>
       <p:sp>
@@ -2612,7 +2573,7 @@
         <p:txBody>
           <a:bodyPr spcFirstLastPara="1" wrap="square" lIns="91425" tIns="91425" rIns="91425" bIns="91425" anchor="t" anchorCtr="0"/>
           <a:lstStyle>
-            <a:lvl1pPr marL="342892" lvl="0" indent="-233357">
+            <a:lvl1pPr marL="342900" lvl="0" indent="-233045">
               <a:spcBef>
                 <a:spcPts val="0"/>
               </a:spcBef>
@@ -2623,7 +2584,7 @@
               <a:buChar char="●"/>
               <a:defRPr/>
             </a:lvl1pPr>
-            <a:lvl2pPr marL="685783" lvl="1" indent="-223832">
+            <a:lvl2pPr marL="685800" lvl="1" indent="-223520">
               <a:spcBef>
                 <a:spcPts val="1200"/>
               </a:spcBef>
@@ -2634,7 +2595,7 @@
               <a:buChar char="○"/>
               <a:defRPr/>
             </a:lvl2pPr>
-            <a:lvl3pPr marL="1028675" lvl="2" indent="-223832">
+            <a:lvl3pPr marL="1028700" lvl="2" indent="-223520">
               <a:spcBef>
                 <a:spcPts val="1200"/>
               </a:spcBef>
@@ -2645,7 +2606,7 @@
               <a:buChar char="■"/>
               <a:defRPr/>
             </a:lvl3pPr>
-            <a:lvl4pPr marL="1371566" lvl="3" indent="-223832">
+            <a:lvl4pPr marL="1371600" lvl="3" indent="-223520">
               <a:spcBef>
                 <a:spcPts val="1200"/>
               </a:spcBef>
@@ -2656,7 +2617,7 @@
               <a:buChar char="●"/>
               <a:defRPr/>
             </a:lvl4pPr>
-            <a:lvl5pPr marL="1714457" lvl="4" indent="-223832">
+            <a:lvl5pPr marL="1714500" lvl="4" indent="-223520">
               <a:spcBef>
                 <a:spcPts val="1200"/>
               </a:spcBef>
@@ -2667,7 +2628,7 @@
               <a:buChar char="○"/>
               <a:defRPr/>
             </a:lvl5pPr>
-            <a:lvl6pPr marL="2057348" lvl="5" indent="-223832">
+            <a:lvl6pPr marL="2057400" lvl="5" indent="-223520">
               <a:spcBef>
                 <a:spcPts val="1200"/>
               </a:spcBef>
@@ -2678,7 +2639,7 @@
               <a:buChar char="■"/>
               <a:defRPr/>
             </a:lvl6pPr>
-            <a:lvl7pPr marL="2400240" lvl="6" indent="-223832">
+            <a:lvl7pPr marL="2400300" lvl="6" indent="-223520">
               <a:spcBef>
                 <a:spcPts val="1200"/>
               </a:spcBef>
@@ -2689,7 +2650,7 @@
               <a:buChar char="●"/>
               <a:defRPr/>
             </a:lvl7pPr>
-            <a:lvl8pPr marL="2743132" lvl="7" indent="-223832">
+            <a:lvl8pPr marL="2743200" lvl="7" indent="-223520">
               <a:spcBef>
                 <a:spcPts val="1200"/>
               </a:spcBef>
@@ -2700,7 +2661,7 @@
               <a:buChar char="○"/>
               <a:defRPr/>
             </a:lvl8pPr>
-            <a:lvl9pPr marL="3086023" lvl="8" indent="-223832">
+            <a:lvl9pPr marL="3086100" lvl="8" indent="-223520">
               <a:spcBef>
                 <a:spcPts val="1200"/>
               </a:spcBef>
@@ -2712,9 +2673,7 @@
               <a:defRPr/>
             </a:lvl9pPr>
           </a:lstStyle>
-          <a:p>
-            <a:endParaRPr/>
-          </a:p>
+          <a:p/>
         </p:txBody>
       </p:sp>
       <p:sp>
@@ -2780,11 +2739,9 @@
           </a:lstStyle>
           <a:p>
             <a:fld id="{00000000-1234-1234-1234-123412341234}" type="slidenum">
-              <a:rPr lang="en" smtClean="0"/>
-              <a:pPr/>
-              <a:t>‹#›</a:t>
+              <a:rPr lang="en-GB" smtClean="0"/>
             </a:fld>
-            <a:endParaRPr lang="en"/>
+            <a:endParaRPr lang="en-GB"/>
           </a:p>
         </p:txBody>
       </p:sp>
@@ -2805,7 +2762,9 @@
             </a:extLst>
           </a:blip>
           <a:srcRect r="70202" b="2132"/>
-          <a:stretch/>
+          <a:stretch>
+            <a:fillRect/>
+          </a:stretch>
         </p:blipFill>
         <p:spPr>
           <a:xfrm>
@@ -2826,7 +2785,7 @@
 </file>
 
 <file path=ppt/slideLayouts/slideLayout4.xml><?xml version="1.0" encoding="utf-8"?>
-<p:sldLayout xmlns:a="http://schemas.openxmlformats.org/drawingml/2006/main" xmlns:r="http://schemas.openxmlformats.org/officeDocument/2006/relationships" xmlns:p="http://schemas.openxmlformats.org/presentationml/2006/main" matchingName="Title only" type="titleOnly">
+<p:sldLayout xmlns:a="http://schemas.openxmlformats.org/drawingml/2006/main" xmlns:r="http://schemas.openxmlformats.org/officeDocument/2006/relationships" xmlns:p="http://schemas.openxmlformats.org/presentationml/2006/main" type="titleOnly" matchingName="Title only">
   <p:cSld name="TITLE_ONLY">
     <p:spTree>
       <p:nvGrpSpPr>
@@ -3063,9 +3022,7 @@
               <a:defRPr sz="1800"/>
             </a:lvl9pPr>
           </a:lstStyle>
-          <a:p>
-            <a:endParaRPr/>
-          </a:p>
+          <a:p/>
         </p:txBody>
       </p:sp>
       <p:sp>
@@ -3131,11 +3088,9 @@
           </a:lstStyle>
           <a:p>
             <a:fld id="{00000000-1234-1234-1234-123412341234}" type="slidenum">
-              <a:rPr lang="en" smtClean="0"/>
-              <a:pPr/>
-              <a:t>‹#›</a:t>
+              <a:rPr lang="en-GB" smtClean="0"/>
             </a:fld>
-            <a:endParaRPr lang="en"/>
+            <a:endParaRPr lang="en-GB"/>
           </a:p>
         </p:txBody>
       </p:sp>
@@ -3156,7 +3111,9 @@
             </a:extLst>
           </a:blip>
           <a:srcRect r="70202" b="2132"/>
-          <a:stretch/>
+          <a:stretch>
+            <a:fillRect/>
+          </a:stretch>
         </p:blipFill>
         <p:spPr>
           <a:xfrm>
@@ -3414,9 +3371,7 @@
               <a:defRPr sz="1800"/>
             </a:lvl9pPr>
           </a:lstStyle>
-          <a:p>
-            <a:endParaRPr/>
-          </a:p>
+          <a:p/>
         </p:txBody>
       </p:sp>
       <p:sp>
@@ -3441,7 +3396,7 @@
         <p:txBody>
           <a:bodyPr spcFirstLastPara="1" wrap="square" lIns="91425" tIns="91425" rIns="91425" bIns="91425" anchor="t" anchorCtr="0"/>
           <a:lstStyle>
-            <a:lvl1pPr marL="342892" lvl="0" indent="-233357">
+            <a:lvl1pPr marL="342900" lvl="0" indent="-233045">
               <a:spcBef>
                 <a:spcPts val="0"/>
               </a:spcBef>
@@ -3452,7 +3407,7 @@
               <a:buChar char="●"/>
               <a:defRPr/>
             </a:lvl1pPr>
-            <a:lvl2pPr marL="685783" lvl="1" indent="-223832">
+            <a:lvl2pPr marL="685800" lvl="1" indent="-223520">
               <a:spcBef>
                 <a:spcPts val="1200"/>
               </a:spcBef>
@@ -3463,7 +3418,7 @@
               <a:buChar char="○"/>
               <a:defRPr/>
             </a:lvl2pPr>
-            <a:lvl3pPr marL="1028675" lvl="2" indent="-223832">
+            <a:lvl3pPr marL="1028700" lvl="2" indent="-223520">
               <a:spcBef>
                 <a:spcPts val="1200"/>
               </a:spcBef>
@@ -3474,7 +3429,7 @@
               <a:buChar char="■"/>
               <a:defRPr/>
             </a:lvl3pPr>
-            <a:lvl4pPr marL="1371566" lvl="3" indent="-223832">
+            <a:lvl4pPr marL="1371600" lvl="3" indent="-223520">
               <a:spcBef>
                 <a:spcPts val="1200"/>
               </a:spcBef>
@@ -3485,7 +3440,7 @@
               <a:buChar char="●"/>
               <a:defRPr/>
             </a:lvl4pPr>
-            <a:lvl5pPr marL="1714457" lvl="4" indent="-223832">
+            <a:lvl5pPr marL="1714500" lvl="4" indent="-223520">
               <a:spcBef>
                 <a:spcPts val="1200"/>
               </a:spcBef>
@@ -3496,7 +3451,7 @@
               <a:buChar char="○"/>
               <a:defRPr/>
             </a:lvl5pPr>
-            <a:lvl6pPr marL="2057348" lvl="5" indent="-223832">
+            <a:lvl6pPr marL="2057400" lvl="5" indent="-223520">
               <a:spcBef>
                 <a:spcPts val="1200"/>
               </a:spcBef>
@@ -3507,7 +3462,7 @@
               <a:buChar char="■"/>
               <a:defRPr/>
             </a:lvl6pPr>
-            <a:lvl7pPr marL="2400240" lvl="6" indent="-223832">
+            <a:lvl7pPr marL="2400300" lvl="6" indent="-223520">
               <a:spcBef>
                 <a:spcPts val="1200"/>
               </a:spcBef>
@@ -3518,7 +3473,7 @@
               <a:buChar char="●"/>
               <a:defRPr/>
             </a:lvl7pPr>
-            <a:lvl8pPr marL="2743132" lvl="7" indent="-223832">
+            <a:lvl8pPr marL="2743200" lvl="7" indent="-223520">
               <a:spcBef>
                 <a:spcPts val="1200"/>
               </a:spcBef>
@@ -3529,7 +3484,7 @@
               <a:buChar char="○"/>
               <a:defRPr/>
             </a:lvl8pPr>
-            <a:lvl9pPr marL="3086023" lvl="8" indent="-223832">
+            <a:lvl9pPr marL="3086100" lvl="8" indent="-223520">
               <a:spcBef>
                 <a:spcPts val="1200"/>
               </a:spcBef>
@@ -3541,9 +3496,7 @@
               <a:defRPr/>
             </a:lvl9pPr>
           </a:lstStyle>
-          <a:p>
-            <a:endParaRPr/>
-          </a:p>
+          <a:p/>
         </p:txBody>
       </p:sp>
       <p:sp>
@@ -3609,11 +3562,9 @@
           </a:lstStyle>
           <a:p>
             <a:fld id="{00000000-1234-1234-1234-123412341234}" type="slidenum">
-              <a:rPr lang="en" smtClean="0"/>
-              <a:pPr/>
-              <a:t>‹#›</a:t>
+              <a:rPr lang="en-GB" smtClean="0"/>
             </a:fld>
-            <a:endParaRPr lang="en"/>
+            <a:endParaRPr lang="en-GB"/>
           </a:p>
         </p:txBody>
       </p:sp>
@@ -3634,7 +3585,9 @@
             </a:extLst>
           </a:blip>
           <a:srcRect r="70202" b="2132"/>
-          <a:stretch/>
+          <a:stretch>
+            <a:fillRect/>
+          </a:stretch>
         </p:blipFill>
         <p:spPr>
           <a:xfrm>
@@ -4596,9 +4549,7 @@
               <a:defRPr/>
             </a:lvl9pPr>
           </a:lstStyle>
-          <a:p>
-            <a:endParaRPr/>
-          </a:p>
+          <a:p/>
         </p:txBody>
       </p:sp>
       <p:sp>
@@ -4664,11 +4615,9 @@
           </a:lstStyle>
           <a:p>
             <a:fld id="{00000000-1234-1234-1234-123412341234}" type="slidenum">
-              <a:rPr lang="en" smtClean="0"/>
-              <a:pPr/>
-              <a:t>‹#›</a:t>
+              <a:rPr lang="en-GB" smtClean="0"/>
             </a:fld>
-            <a:endParaRPr lang="en"/>
+            <a:endParaRPr lang="en-GB"/>
           </a:p>
         </p:txBody>
       </p:sp>
@@ -4918,9 +4867,7 @@
               <a:defRPr sz="1800"/>
             </a:lvl9pPr>
           </a:lstStyle>
-          <a:p>
-            <a:endParaRPr/>
-          </a:p>
+          <a:p/>
         </p:txBody>
       </p:sp>
       <p:sp>
@@ -5072,9 +5019,7 @@
               <a:defRPr sz="975"/>
             </a:lvl9pPr>
           </a:lstStyle>
-          <a:p>
-            <a:endParaRPr/>
-          </a:p>
+          <a:p/>
         </p:txBody>
       </p:sp>
       <p:sp>
@@ -5099,7 +5044,7 @@
         <p:txBody>
           <a:bodyPr spcFirstLastPara="1" wrap="square" lIns="91425" tIns="91425" rIns="91425" bIns="91425" anchor="t" anchorCtr="0"/>
           <a:lstStyle>
-            <a:lvl1pPr marL="342892" lvl="0" indent="-233357">
+            <a:lvl1pPr marL="342900" lvl="0" indent="-233045">
               <a:spcBef>
                 <a:spcPts val="0"/>
               </a:spcBef>
@@ -5110,7 +5055,7 @@
               <a:buChar char="●"/>
               <a:defRPr/>
             </a:lvl1pPr>
-            <a:lvl2pPr marL="685783" lvl="1" indent="-223832">
+            <a:lvl2pPr marL="685800" lvl="1" indent="-223520">
               <a:spcBef>
                 <a:spcPts val="1200"/>
               </a:spcBef>
@@ -5121,7 +5066,7 @@
               <a:buChar char="○"/>
               <a:defRPr/>
             </a:lvl2pPr>
-            <a:lvl3pPr marL="1028675" lvl="2" indent="-223832">
+            <a:lvl3pPr marL="1028700" lvl="2" indent="-223520">
               <a:spcBef>
                 <a:spcPts val="1200"/>
               </a:spcBef>
@@ -5132,7 +5077,7 @@
               <a:buChar char="■"/>
               <a:defRPr/>
             </a:lvl3pPr>
-            <a:lvl4pPr marL="1371566" lvl="3" indent="-223832">
+            <a:lvl4pPr marL="1371600" lvl="3" indent="-223520">
               <a:spcBef>
                 <a:spcPts val="1200"/>
               </a:spcBef>
@@ -5143,7 +5088,7 @@
               <a:buChar char="●"/>
               <a:defRPr/>
             </a:lvl4pPr>
-            <a:lvl5pPr marL="1714457" lvl="4" indent="-223832">
+            <a:lvl5pPr marL="1714500" lvl="4" indent="-223520">
               <a:spcBef>
                 <a:spcPts val="1200"/>
               </a:spcBef>
@@ -5154,7 +5099,7 @@
               <a:buChar char="○"/>
               <a:defRPr/>
             </a:lvl5pPr>
-            <a:lvl6pPr marL="2057348" lvl="5" indent="-223832">
+            <a:lvl6pPr marL="2057400" lvl="5" indent="-223520">
               <a:spcBef>
                 <a:spcPts val="1200"/>
               </a:spcBef>
@@ -5165,7 +5110,7 @@
               <a:buChar char="■"/>
               <a:defRPr/>
             </a:lvl6pPr>
-            <a:lvl7pPr marL="2400240" lvl="6" indent="-223832">
+            <a:lvl7pPr marL="2400300" lvl="6" indent="-223520">
               <a:spcBef>
                 <a:spcPts val="1200"/>
               </a:spcBef>
@@ -5176,7 +5121,7 @@
               <a:buChar char="●"/>
               <a:defRPr/>
             </a:lvl7pPr>
-            <a:lvl8pPr marL="2743132" lvl="7" indent="-223832">
+            <a:lvl8pPr marL="2743200" lvl="7" indent="-223520">
               <a:spcBef>
                 <a:spcPts val="1200"/>
               </a:spcBef>
@@ -5187,7 +5132,7 @@
               <a:buChar char="○"/>
               <a:defRPr/>
             </a:lvl8pPr>
-            <a:lvl9pPr marL="3086023" lvl="8" indent="-223832">
+            <a:lvl9pPr marL="3086100" lvl="8" indent="-223520">
               <a:spcBef>
                 <a:spcPts val="1200"/>
               </a:spcBef>
@@ -5199,9 +5144,7 @@
               <a:defRPr/>
             </a:lvl9pPr>
           </a:lstStyle>
-          <a:p>
-            <a:endParaRPr/>
-          </a:p>
+          <a:p/>
         </p:txBody>
       </p:sp>
       <p:sp>
@@ -5267,11 +5210,9 @@
           </a:lstStyle>
           <a:p>
             <a:fld id="{00000000-1234-1234-1234-123412341234}" type="slidenum">
-              <a:rPr lang="en" smtClean="0"/>
-              <a:pPr/>
-              <a:t>‹#›</a:t>
+              <a:rPr lang="en-GB" smtClean="0"/>
             </a:fld>
-            <a:endParaRPr lang="en"/>
+            <a:endParaRPr lang="en-GB"/>
           </a:p>
         </p:txBody>
       </p:sp>
@@ -5292,7 +5233,9 @@
             </a:extLst>
           </a:blip>
           <a:srcRect r="70202" b="2132"/>
-          <a:stretch/>
+          <a:stretch>
+            <a:fillRect/>
+          </a:stretch>
         </p:blipFill>
         <p:spPr>
           <a:xfrm>
@@ -5454,7 +5397,7 @@
         <p:txBody>
           <a:bodyPr spcFirstLastPara="1" wrap="square" lIns="91425" tIns="91425" rIns="91425" bIns="91425" anchor="ctr" anchorCtr="0"/>
           <a:lstStyle>
-            <a:lvl1pPr marL="342892" lvl="0" indent="-171446">
+            <a:lvl1pPr marL="342900" lvl="0" indent="-171450">
               <a:lnSpc>
                 <a:spcPct val="100000"/>
               </a:lnSpc>
@@ -5469,9 +5412,7 @@
               <a:defRPr/>
             </a:lvl1pPr>
           </a:lstStyle>
-          <a:p>
-            <a:endParaRPr/>
-          </a:p>
+          <a:p/>
         </p:txBody>
       </p:sp>
       <p:sp>
@@ -5537,11 +5478,9 @@
           </a:lstStyle>
           <a:p>
             <a:fld id="{00000000-1234-1234-1234-123412341234}" type="slidenum">
-              <a:rPr lang="en" smtClean="0"/>
-              <a:pPr/>
-              <a:t>‹#›</a:t>
+              <a:rPr lang="en-GB" smtClean="0"/>
             </a:fld>
-            <a:endParaRPr lang="en"/>
+            <a:endParaRPr lang="en-GB"/>
           </a:p>
         </p:txBody>
       </p:sp>
@@ -6524,7 +6463,7 @@
         <p:txBody>
           <a:bodyPr spcFirstLastPara="1" wrap="square" lIns="91425" tIns="91425" rIns="91425" bIns="91425" anchor="t" anchorCtr="0"/>
           <a:lstStyle>
-            <a:lvl1pPr marL="342892" lvl="0" indent="-233357">
+            <a:lvl1pPr marL="342900" lvl="0" indent="-233045">
               <a:spcBef>
                 <a:spcPts val="0"/>
               </a:spcBef>
@@ -6535,7 +6474,7 @@
               <a:buChar char="●"/>
               <a:defRPr/>
             </a:lvl1pPr>
-            <a:lvl2pPr marL="685783" lvl="1" indent="-223832">
+            <a:lvl2pPr marL="685800" lvl="1" indent="-223520">
               <a:spcBef>
                 <a:spcPts val="1200"/>
               </a:spcBef>
@@ -6546,7 +6485,7 @@
               <a:buChar char="○"/>
               <a:defRPr/>
             </a:lvl2pPr>
-            <a:lvl3pPr marL="1028675" lvl="2" indent="-223832">
+            <a:lvl3pPr marL="1028700" lvl="2" indent="-223520">
               <a:spcBef>
                 <a:spcPts val="1200"/>
               </a:spcBef>
@@ -6557,7 +6496,7 @@
               <a:buChar char="■"/>
               <a:defRPr/>
             </a:lvl3pPr>
-            <a:lvl4pPr marL="1371566" lvl="3" indent="-223832">
+            <a:lvl4pPr marL="1371600" lvl="3" indent="-223520">
               <a:spcBef>
                 <a:spcPts val="1200"/>
               </a:spcBef>
@@ -6568,7 +6507,7 @@
               <a:buChar char="●"/>
               <a:defRPr/>
             </a:lvl4pPr>
-            <a:lvl5pPr marL="1714457" lvl="4" indent="-223832">
+            <a:lvl5pPr marL="1714500" lvl="4" indent="-223520">
               <a:spcBef>
                 <a:spcPts val="1200"/>
               </a:spcBef>
@@ -6579,7 +6518,7 @@
               <a:buChar char="○"/>
               <a:defRPr/>
             </a:lvl5pPr>
-            <a:lvl6pPr marL="2057348" lvl="5" indent="-223832">
+            <a:lvl6pPr marL="2057400" lvl="5" indent="-223520">
               <a:spcBef>
                 <a:spcPts val="1200"/>
               </a:spcBef>
@@ -6590,7 +6529,7 @@
               <a:buChar char="■"/>
               <a:defRPr/>
             </a:lvl6pPr>
-            <a:lvl7pPr marL="2400240" lvl="6" indent="-223832">
+            <a:lvl7pPr marL="2400300" lvl="6" indent="-223520">
               <a:spcBef>
                 <a:spcPts val="1200"/>
               </a:spcBef>
@@ -6601,7 +6540,7 @@
               <a:buChar char="●"/>
               <a:defRPr/>
             </a:lvl7pPr>
-            <a:lvl8pPr marL="2743132" lvl="7" indent="-223832">
+            <a:lvl8pPr marL="2743200" lvl="7" indent="-223520">
               <a:spcBef>
                 <a:spcPts val="1200"/>
               </a:spcBef>
@@ -6612,7 +6551,7 @@
               <a:buChar char="○"/>
               <a:defRPr/>
             </a:lvl8pPr>
-            <a:lvl9pPr marL="3086023" lvl="8" indent="-223832">
+            <a:lvl9pPr marL="3086100" lvl="8" indent="-223520">
               <a:spcBef>
                 <a:spcPts val="1200"/>
               </a:spcBef>
@@ -6624,9 +6563,7 @@
               <a:defRPr/>
             </a:lvl9pPr>
           </a:lstStyle>
-          <a:p>
-            <a:endParaRPr/>
-          </a:p>
+          <a:p/>
         </p:txBody>
       </p:sp>
       <p:sp>
@@ -6692,11 +6629,9 @@
           </a:lstStyle>
           <a:p>
             <a:fld id="{00000000-1234-1234-1234-123412341234}" type="slidenum">
-              <a:rPr lang="en" smtClean="0"/>
-              <a:pPr/>
-              <a:t>‹#›</a:t>
+              <a:rPr lang="en-GB" smtClean="0"/>
             </a:fld>
-            <a:endParaRPr lang="en"/>
+            <a:endParaRPr lang="en-GB"/>
           </a:p>
         </p:txBody>
       </p:sp>
@@ -6710,7 +6645,7 @@
 
 <file path=ppt/slideMasters/slideMaster1.xml><?xml version="1.0" encoding="utf-8"?>
 <p:sldMaster xmlns:a="http://schemas.openxmlformats.org/drawingml/2006/main" xmlns:r="http://schemas.openxmlformats.org/officeDocument/2006/relationships" xmlns:p="http://schemas.openxmlformats.org/presentationml/2006/main">
-  <p:cSld name="focus">
+  <p:cSld>
     <p:bg>
       <p:bgPr>
         <a:solidFill>
@@ -6770,16 +6705,16 @@
                 <a:schemeClr val="lt1"/>
               </a:buClr>
               <a:buSzPts val="2800"/>
-              <a:buFont typeface="Montserrat"/>
+              <a:buFont typeface="Montserrat" panose="00000500000000000000"/>
               <a:buNone/>
               <a:defRPr sz="2800">
                 <a:solidFill>
                   <a:schemeClr val="lt1"/>
                 </a:solidFill>
-                <a:latin typeface="Montserrat"/>
-                <a:ea typeface="Montserrat"/>
-                <a:cs typeface="Montserrat"/>
-                <a:sym typeface="Montserrat"/>
+                <a:latin typeface="Montserrat" panose="00000500000000000000"/>
+                <a:ea typeface="Montserrat" panose="00000500000000000000"/>
+                <a:cs typeface="Montserrat" panose="00000500000000000000"/>
+                <a:sym typeface="Montserrat" panose="00000500000000000000"/>
               </a:defRPr>
             </a:lvl1pPr>
             <a:lvl2pPr lvl="1">
@@ -6793,16 +6728,16 @@
                 <a:schemeClr val="lt1"/>
               </a:buClr>
               <a:buSzPts val="2800"/>
-              <a:buFont typeface="Montserrat"/>
+              <a:buFont typeface="Montserrat" panose="00000500000000000000"/>
               <a:buNone/>
               <a:defRPr sz="2800">
                 <a:solidFill>
                   <a:schemeClr val="lt1"/>
                 </a:solidFill>
-                <a:latin typeface="Montserrat"/>
-                <a:ea typeface="Montserrat"/>
-                <a:cs typeface="Montserrat"/>
-                <a:sym typeface="Montserrat"/>
+                <a:latin typeface="Montserrat" panose="00000500000000000000"/>
+                <a:ea typeface="Montserrat" panose="00000500000000000000"/>
+                <a:cs typeface="Montserrat" panose="00000500000000000000"/>
+                <a:sym typeface="Montserrat" panose="00000500000000000000"/>
               </a:defRPr>
             </a:lvl2pPr>
             <a:lvl3pPr lvl="2">
@@ -6816,16 +6751,16 @@
                 <a:schemeClr val="lt1"/>
               </a:buClr>
               <a:buSzPts val="2800"/>
-              <a:buFont typeface="Montserrat"/>
+              <a:buFont typeface="Montserrat" panose="00000500000000000000"/>
               <a:buNone/>
               <a:defRPr sz="2800">
                 <a:solidFill>
                   <a:schemeClr val="lt1"/>
                 </a:solidFill>
-                <a:latin typeface="Montserrat"/>
-                <a:ea typeface="Montserrat"/>
-                <a:cs typeface="Montserrat"/>
-                <a:sym typeface="Montserrat"/>
+                <a:latin typeface="Montserrat" panose="00000500000000000000"/>
+                <a:ea typeface="Montserrat" panose="00000500000000000000"/>
+                <a:cs typeface="Montserrat" panose="00000500000000000000"/>
+                <a:sym typeface="Montserrat" panose="00000500000000000000"/>
               </a:defRPr>
             </a:lvl3pPr>
             <a:lvl4pPr lvl="3">
@@ -6839,16 +6774,16 @@
                 <a:schemeClr val="lt1"/>
               </a:buClr>
               <a:buSzPts val="2800"/>
-              <a:buFont typeface="Montserrat"/>
+              <a:buFont typeface="Montserrat" panose="00000500000000000000"/>
               <a:buNone/>
               <a:defRPr sz="2800">
                 <a:solidFill>
                   <a:schemeClr val="lt1"/>
                 </a:solidFill>
-                <a:latin typeface="Montserrat"/>
-                <a:ea typeface="Montserrat"/>
-                <a:cs typeface="Montserrat"/>
-                <a:sym typeface="Montserrat"/>
+                <a:latin typeface="Montserrat" panose="00000500000000000000"/>
+                <a:ea typeface="Montserrat" panose="00000500000000000000"/>
+                <a:cs typeface="Montserrat" panose="00000500000000000000"/>
+                <a:sym typeface="Montserrat" panose="00000500000000000000"/>
               </a:defRPr>
             </a:lvl4pPr>
             <a:lvl5pPr lvl="4">
@@ -6862,16 +6797,16 @@
                 <a:schemeClr val="lt1"/>
               </a:buClr>
               <a:buSzPts val="2800"/>
-              <a:buFont typeface="Montserrat"/>
+              <a:buFont typeface="Montserrat" panose="00000500000000000000"/>
               <a:buNone/>
               <a:defRPr sz="2800">
                 <a:solidFill>
                   <a:schemeClr val="lt1"/>
                 </a:solidFill>
-                <a:latin typeface="Montserrat"/>
-                <a:ea typeface="Montserrat"/>
-                <a:cs typeface="Montserrat"/>
-                <a:sym typeface="Montserrat"/>
+                <a:latin typeface="Montserrat" panose="00000500000000000000"/>
+                <a:ea typeface="Montserrat" panose="00000500000000000000"/>
+                <a:cs typeface="Montserrat" panose="00000500000000000000"/>
+                <a:sym typeface="Montserrat" panose="00000500000000000000"/>
               </a:defRPr>
             </a:lvl5pPr>
             <a:lvl6pPr lvl="5">
@@ -6885,16 +6820,16 @@
                 <a:schemeClr val="lt1"/>
               </a:buClr>
               <a:buSzPts val="2800"/>
-              <a:buFont typeface="Montserrat"/>
+              <a:buFont typeface="Montserrat" panose="00000500000000000000"/>
               <a:buNone/>
               <a:defRPr sz="2800">
                 <a:solidFill>
                   <a:schemeClr val="lt1"/>
                 </a:solidFill>
-                <a:latin typeface="Montserrat"/>
-                <a:ea typeface="Montserrat"/>
-                <a:cs typeface="Montserrat"/>
-                <a:sym typeface="Montserrat"/>
+                <a:latin typeface="Montserrat" panose="00000500000000000000"/>
+                <a:ea typeface="Montserrat" panose="00000500000000000000"/>
+                <a:cs typeface="Montserrat" panose="00000500000000000000"/>
+                <a:sym typeface="Montserrat" panose="00000500000000000000"/>
               </a:defRPr>
             </a:lvl6pPr>
             <a:lvl7pPr lvl="6">
@@ -6908,16 +6843,16 @@
                 <a:schemeClr val="lt1"/>
               </a:buClr>
               <a:buSzPts val="2800"/>
-              <a:buFont typeface="Montserrat"/>
+              <a:buFont typeface="Montserrat" panose="00000500000000000000"/>
               <a:buNone/>
               <a:defRPr sz="2800">
                 <a:solidFill>
                   <a:schemeClr val="lt1"/>
                 </a:solidFill>
-                <a:latin typeface="Montserrat"/>
-                <a:ea typeface="Montserrat"/>
-                <a:cs typeface="Montserrat"/>
-                <a:sym typeface="Montserrat"/>
+                <a:latin typeface="Montserrat" panose="00000500000000000000"/>
+                <a:ea typeface="Montserrat" panose="00000500000000000000"/>
+                <a:cs typeface="Montserrat" panose="00000500000000000000"/>
+                <a:sym typeface="Montserrat" panose="00000500000000000000"/>
               </a:defRPr>
             </a:lvl7pPr>
             <a:lvl8pPr lvl="7">
@@ -6931,16 +6866,16 @@
                 <a:schemeClr val="lt1"/>
               </a:buClr>
               <a:buSzPts val="2800"/>
-              <a:buFont typeface="Montserrat"/>
+              <a:buFont typeface="Montserrat" panose="00000500000000000000"/>
               <a:buNone/>
               <a:defRPr sz="2800">
                 <a:solidFill>
                   <a:schemeClr val="lt1"/>
                 </a:solidFill>
-                <a:latin typeface="Montserrat"/>
-                <a:ea typeface="Montserrat"/>
-                <a:cs typeface="Montserrat"/>
-                <a:sym typeface="Montserrat"/>
+                <a:latin typeface="Montserrat" panose="00000500000000000000"/>
+                <a:ea typeface="Montserrat" panose="00000500000000000000"/>
+                <a:cs typeface="Montserrat" panose="00000500000000000000"/>
+                <a:sym typeface="Montserrat" panose="00000500000000000000"/>
               </a:defRPr>
             </a:lvl8pPr>
             <a:lvl9pPr lvl="8">
@@ -6954,22 +6889,20 @@
                 <a:schemeClr val="lt1"/>
               </a:buClr>
               <a:buSzPts val="2800"/>
-              <a:buFont typeface="Montserrat"/>
+              <a:buFont typeface="Montserrat" panose="00000500000000000000"/>
               <a:buNone/>
               <a:defRPr sz="2800">
                 <a:solidFill>
                   <a:schemeClr val="lt1"/>
                 </a:solidFill>
-                <a:latin typeface="Montserrat"/>
-                <a:ea typeface="Montserrat"/>
-                <a:cs typeface="Montserrat"/>
-                <a:sym typeface="Montserrat"/>
+                <a:latin typeface="Montserrat" panose="00000500000000000000"/>
+                <a:ea typeface="Montserrat" panose="00000500000000000000"/>
+                <a:cs typeface="Montserrat" panose="00000500000000000000"/>
+                <a:sym typeface="Montserrat" panose="00000500000000000000"/>
               </a:defRPr>
             </a:lvl9pPr>
           </a:lstStyle>
-          <a:p>
-            <a:endParaRPr/>
-          </a:p>
+          <a:p/>
         </p:txBody>
       </p:sp>
       <p:sp>
@@ -7012,16 +6945,16 @@
                 <a:schemeClr val="lt1"/>
               </a:buClr>
               <a:buSzPts val="1300"/>
-              <a:buFont typeface="Lato"/>
+              <a:buFont typeface="Lato" panose="020F0502020204030203"/>
               <a:buChar char="●"/>
               <a:defRPr sz="1300">
                 <a:solidFill>
                   <a:schemeClr val="lt1"/>
                 </a:solidFill>
-                <a:latin typeface="Lato"/>
-                <a:ea typeface="Lato"/>
-                <a:cs typeface="Lato"/>
-                <a:sym typeface="Lato"/>
+                <a:latin typeface="Lato" panose="020F0502020204030203"/>
+                <a:ea typeface="Lato" panose="020F0502020204030203"/>
+                <a:cs typeface="Lato" panose="020F0502020204030203"/>
+                <a:sym typeface="Lato" panose="020F0502020204030203"/>
               </a:defRPr>
             </a:lvl1pPr>
             <a:lvl2pPr marL="914400" lvl="1" indent="-298450">
@@ -7038,16 +6971,16 @@
                 <a:schemeClr val="lt1"/>
               </a:buClr>
               <a:buSzPts val="1100"/>
-              <a:buFont typeface="Lato"/>
+              <a:buFont typeface="Lato" panose="020F0502020204030203"/>
               <a:buChar char="○"/>
               <a:defRPr sz="1100">
                 <a:solidFill>
                   <a:schemeClr val="lt1"/>
                 </a:solidFill>
-                <a:latin typeface="Lato"/>
-                <a:ea typeface="Lato"/>
-                <a:cs typeface="Lato"/>
-                <a:sym typeface="Lato"/>
+                <a:latin typeface="Lato" panose="020F0502020204030203"/>
+                <a:ea typeface="Lato" panose="020F0502020204030203"/>
+                <a:cs typeface="Lato" panose="020F0502020204030203"/>
+                <a:sym typeface="Lato" panose="020F0502020204030203"/>
               </a:defRPr>
             </a:lvl2pPr>
             <a:lvl3pPr marL="1371600" lvl="2" indent="-298450">
@@ -7064,16 +6997,16 @@
                 <a:schemeClr val="lt1"/>
               </a:buClr>
               <a:buSzPts val="1100"/>
-              <a:buFont typeface="Lato"/>
+              <a:buFont typeface="Lato" panose="020F0502020204030203"/>
               <a:buChar char="■"/>
               <a:defRPr sz="1100">
                 <a:solidFill>
                   <a:schemeClr val="lt1"/>
                 </a:solidFill>
-                <a:latin typeface="Lato"/>
-                <a:ea typeface="Lato"/>
-                <a:cs typeface="Lato"/>
-                <a:sym typeface="Lato"/>
+                <a:latin typeface="Lato" panose="020F0502020204030203"/>
+                <a:ea typeface="Lato" panose="020F0502020204030203"/>
+                <a:cs typeface="Lato" panose="020F0502020204030203"/>
+                <a:sym typeface="Lato" panose="020F0502020204030203"/>
               </a:defRPr>
             </a:lvl3pPr>
             <a:lvl4pPr marL="1828800" lvl="3" indent="-298450">
@@ -7090,16 +7023,16 @@
                 <a:schemeClr val="lt1"/>
               </a:buClr>
               <a:buSzPts val="1100"/>
-              <a:buFont typeface="Lato"/>
+              <a:buFont typeface="Lato" panose="020F0502020204030203"/>
               <a:buChar char="●"/>
               <a:defRPr sz="1100">
                 <a:solidFill>
                   <a:schemeClr val="lt1"/>
                 </a:solidFill>
-                <a:latin typeface="Lato"/>
-                <a:ea typeface="Lato"/>
-                <a:cs typeface="Lato"/>
-                <a:sym typeface="Lato"/>
+                <a:latin typeface="Lato" panose="020F0502020204030203"/>
+                <a:ea typeface="Lato" panose="020F0502020204030203"/>
+                <a:cs typeface="Lato" panose="020F0502020204030203"/>
+                <a:sym typeface="Lato" panose="020F0502020204030203"/>
               </a:defRPr>
             </a:lvl4pPr>
             <a:lvl5pPr marL="2286000" lvl="4" indent="-298450">
@@ -7116,16 +7049,16 @@
                 <a:schemeClr val="lt1"/>
               </a:buClr>
               <a:buSzPts val="1100"/>
-              <a:buFont typeface="Lato"/>
+              <a:buFont typeface="Lato" panose="020F0502020204030203"/>
               <a:buChar char="○"/>
               <a:defRPr sz="1100">
                 <a:solidFill>
                   <a:schemeClr val="lt1"/>
                 </a:solidFill>
-                <a:latin typeface="Lato"/>
-                <a:ea typeface="Lato"/>
-                <a:cs typeface="Lato"/>
-                <a:sym typeface="Lato"/>
+                <a:latin typeface="Lato" panose="020F0502020204030203"/>
+                <a:ea typeface="Lato" panose="020F0502020204030203"/>
+                <a:cs typeface="Lato" panose="020F0502020204030203"/>
+                <a:sym typeface="Lato" panose="020F0502020204030203"/>
               </a:defRPr>
             </a:lvl5pPr>
             <a:lvl6pPr marL="2743200" lvl="5" indent="-298450">
@@ -7142,16 +7075,16 @@
                 <a:schemeClr val="lt1"/>
               </a:buClr>
               <a:buSzPts val="1100"/>
-              <a:buFont typeface="Lato"/>
+              <a:buFont typeface="Lato" panose="020F0502020204030203"/>
               <a:buChar char="■"/>
               <a:defRPr sz="1100">
                 <a:solidFill>
                   <a:schemeClr val="lt1"/>
                 </a:solidFill>
-                <a:latin typeface="Lato"/>
-                <a:ea typeface="Lato"/>
-                <a:cs typeface="Lato"/>
-                <a:sym typeface="Lato"/>
+                <a:latin typeface="Lato" panose="020F0502020204030203"/>
+                <a:ea typeface="Lato" panose="020F0502020204030203"/>
+                <a:cs typeface="Lato" panose="020F0502020204030203"/>
+                <a:sym typeface="Lato" panose="020F0502020204030203"/>
               </a:defRPr>
             </a:lvl6pPr>
             <a:lvl7pPr marL="3200400" lvl="6" indent="-298450">
@@ -7168,16 +7101,16 @@
                 <a:schemeClr val="lt1"/>
               </a:buClr>
               <a:buSzPts val="1100"/>
-              <a:buFont typeface="Lato"/>
+              <a:buFont typeface="Lato" panose="020F0502020204030203"/>
               <a:buChar char="●"/>
               <a:defRPr sz="1100">
                 <a:solidFill>
                   <a:schemeClr val="lt1"/>
                 </a:solidFill>
-                <a:latin typeface="Lato"/>
-                <a:ea typeface="Lato"/>
-                <a:cs typeface="Lato"/>
-                <a:sym typeface="Lato"/>
+                <a:latin typeface="Lato" panose="020F0502020204030203"/>
+                <a:ea typeface="Lato" panose="020F0502020204030203"/>
+                <a:cs typeface="Lato" panose="020F0502020204030203"/>
+                <a:sym typeface="Lato" panose="020F0502020204030203"/>
               </a:defRPr>
             </a:lvl7pPr>
             <a:lvl8pPr marL="3657600" lvl="7" indent="-298450">
@@ -7194,16 +7127,16 @@
                 <a:schemeClr val="lt1"/>
               </a:buClr>
               <a:buSzPts val="1100"/>
-              <a:buFont typeface="Lato"/>
+              <a:buFont typeface="Lato" panose="020F0502020204030203"/>
               <a:buChar char="○"/>
               <a:defRPr sz="1100">
                 <a:solidFill>
                   <a:schemeClr val="lt1"/>
                 </a:solidFill>
-                <a:latin typeface="Lato"/>
-                <a:ea typeface="Lato"/>
-                <a:cs typeface="Lato"/>
-                <a:sym typeface="Lato"/>
+                <a:latin typeface="Lato" panose="020F0502020204030203"/>
+                <a:ea typeface="Lato" panose="020F0502020204030203"/>
+                <a:cs typeface="Lato" panose="020F0502020204030203"/>
+                <a:sym typeface="Lato" panose="020F0502020204030203"/>
               </a:defRPr>
             </a:lvl8pPr>
             <a:lvl9pPr marL="4114800" lvl="8" indent="-298450">
@@ -7220,22 +7153,20 @@
                 <a:schemeClr val="lt1"/>
               </a:buClr>
               <a:buSzPts val="1100"/>
-              <a:buFont typeface="Lato"/>
+              <a:buFont typeface="Lato" panose="020F0502020204030203"/>
               <a:buChar char="■"/>
               <a:defRPr sz="1100">
                 <a:solidFill>
                   <a:schemeClr val="lt1"/>
                 </a:solidFill>
-                <a:latin typeface="Lato"/>
-                <a:ea typeface="Lato"/>
-                <a:cs typeface="Lato"/>
-                <a:sym typeface="Lato"/>
+                <a:latin typeface="Lato" panose="020F0502020204030203"/>
+                <a:ea typeface="Lato" panose="020F0502020204030203"/>
+                <a:cs typeface="Lato" panose="020F0502020204030203"/>
+                <a:sym typeface="Lato" panose="020F0502020204030203"/>
               </a:defRPr>
             </a:lvl9pPr>
           </a:lstStyle>
-          <a:p>
-            <a:endParaRPr/>
-          </a:p>
+          <a:p/>
         </p:txBody>
       </p:sp>
       <p:sp>
@@ -7272,10 +7203,10 @@
                 <a:solidFill>
                   <a:schemeClr val="lt1"/>
                 </a:solidFill>
-                <a:latin typeface="Lato"/>
-                <a:ea typeface="Lato"/>
-                <a:cs typeface="Lato"/>
-                <a:sym typeface="Lato"/>
+                <a:latin typeface="Lato" panose="020F0502020204030203"/>
+                <a:ea typeface="Lato" panose="020F0502020204030203"/>
+                <a:cs typeface="Lato" panose="020F0502020204030203"/>
+                <a:sym typeface="Lato" panose="020F0502020204030203"/>
               </a:defRPr>
             </a:lvl1pPr>
             <a:lvl2pPr lvl="1" algn="r">
@@ -7284,10 +7215,10 @@
                 <a:solidFill>
                   <a:schemeClr val="lt1"/>
                 </a:solidFill>
-                <a:latin typeface="Lato"/>
-                <a:ea typeface="Lato"/>
-                <a:cs typeface="Lato"/>
-                <a:sym typeface="Lato"/>
+                <a:latin typeface="Lato" panose="020F0502020204030203"/>
+                <a:ea typeface="Lato" panose="020F0502020204030203"/>
+                <a:cs typeface="Lato" panose="020F0502020204030203"/>
+                <a:sym typeface="Lato" panose="020F0502020204030203"/>
               </a:defRPr>
             </a:lvl2pPr>
             <a:lvl3pPr lvl="2" algn="r">
@@ -7296,10 +7227,10 @@
                 <a:solidFill>
                   <a:schemeClr val="lt1"/>
                 </a:solidFill>
-                <a:latin typeface="Lato"/>
-                <a:ea typeface="Lato"/>
-                <a:cs typeface="Lato"/>
-                <a:sym typeface="Lato"/>
+                <a:latin typeface="Lato" panose="020F0502020204030203"/>
+                <a:ea typeface="Lato" panose="020F0502020204030203"/>
+                <a:cs typeface="Lato" panose="020F0502020204030203"/>
+                <a:sym typeface="Lato" panose="020F0502020204030203"/>
               </a:defRPr>
             </a:lvl3pPr>
             <a:lvl4pPr lvl="3" algn="r">
@@ -7308,10 +7239,10 @@
                 <a:solidFill>
                   <a:schemeClr val="lt1"/>
                 </a:solidFill>
-                <a:latin typeface="Lato"/>
-                <a:ea typeface="Lato"/>
-                <a:cs typeface="Lato"/>
-                <a:sym typeface="Lato"/>
+                <a:latin typeface="Lato" panose="020F0502020204030203"/>
+                <a:ea typeface="Lato" panose="020F0502020204030203"/>
+                <a:cs typeface="Lato" panose="020F0502020204030203"/>
+                <a:sym typeface="Lato" panose="020F0502020204030203"/>
               </a:defRPr>
             </a:lvl4pPr>
             <a:lvl5pPr lvl="4" algn="r">
@@ -7320,10 +7251,10 @@
                 <a:solidFill>
                   <a:schemeClr val="lt1"/>
                 </a:solidFill>
-                <a:latin typeface="Lato"/>
-                <a:ea typeface="Lato"/>
-                <a:cs typeface="Lato"/>
-                <a:sym typeface="Lato"/>
+                <a:latin typeface="Lato" panose="020F0502020204030203"/>
+                <a:ea typeface="Lato" panose="020F0502020204030203"/>
+                <a:cs typeface="Lato" panose="020F0502020204030203"/>
+                <a:sym typeface="Lato" panose="020F0502020204030203"/>
               </a:defRPr>
             </a:lvl5pPr>
             <a:lvl6pPr lvl="5" algn="r">
@@ -7332,10 +7263,10 @@
                 <a:solidFill>
                   <a:schemeClr val="lt1"/>
                 </a:solidFill>
-                <a:latin typeface="Lato"/>
-                <a:ea typeface="Lato"/>
-                <a:cs typeface="Lato"/>
-                <a:sym typeface="Lato"/>
+                <a:latin typeface="Lato" panose="020F0502020204030203"/>
+                <a:ea typeface="Lato" panose="020F0502020204030203"/>
+                <a:cs typeface="Lato" panose="020F0502020204030203"/>
+                <a:sym typeface="Lato" panose="020F0502020204030203"/>
               </a:defRPr>
             </a:lvl6pPr>
             <a:lvl7pPr lvl="6" algn="r">
@@ -7344,10 +7275,10 @@
                 <a:solidFill>
                   <a:schemeClr val="lt1"/>
                 </a:solidFill>
-                <a:latin typeface="Lato"/>
-                <a:ea typeface="Lato"/>
-                <a:cs typeface="Lato"/>
-                <a:sym typeface="Lato"/>
+                <a:latin typeface="Lato" panose="020F0502020204030203"/>
+                <a:ea typeface="Lato" panose="020F0502020204030203"/>
+                <a:cs typeface="Lato" panose="020F0502020204030203"/>
+                <a:sym typeface="Lato" panose="020F0502020204030203"/>
               </a:defRPr>
             </a:lvl7pPr>
             <a:lvl8pPr lvl="7" algn="r">
@@ -7356,10 +7287,10 @@
                 <a:solidFill>
                   <a:schemeClr val="lt1"/>
                 </a:solidFill>
-                <a:latin typeface="Lato"/>
-                <a:ea typeface="Lato"/>
-                <a:cs typeface="Lato"/>
-                <a:sym typeface="Lato"/>
+                <a:latin typeface="Lato" panose="020F0502020204030203"/>
+                <a:ea typeface="Lato" panose="020F0502020204030203"/>
+                <a:cs typeface="Lato" panose="020F0502020204030203"/>
+                <a:sym typeface="Lato" panose="020F0502020204030203"/>
               </a:defRPr>
             </a:lvl8pPr>
             <a:lvl9pPr lvl="8" algn="r">
@@ -7368,20 +7299,18 @@
                 <a:solidFill>
                   <a:schemeClr val="lt1"/>
                 </a:solidFill>
-                <a:latin typeface="Lato"/>
-                <a:ea typeface="Lato"/>
-                <a:cs typeface="Lato"/>
-                <a:sym typeface="Lato"/>
+                <a:latin typeface="Lato" panose="020F0502020204030203"/>
+                <a:ea typeface="Lato" panose="020F0502020204030203"/>
+                <a:cs typeface="Lato" panose="020F0502020204030203"/>
+                <a:sym typeface="Lato" panose="020F0502020204030203"/>
               </a:defRPr>
             </a:lvl9pPr>
           </a:lstStyle>
           <a:p>
             <a:fld id="{00000000-1234-1234-1234-123412341234}" type="slidenum">
-              <a:rPr lang="en" smtClean="0"/>
-              <a:pPr/>
-              <a:t>‹#›</a:t>
+              <a:rPr lang="en-GB" smtClean="0"/>
             </a:fld>
-            <a:endParaRPr lang="en"/>
+            <a:endParaRPr lang="en-GB"/>
           </a:p>
         </p:txBody>
       </p:sp>
@@ -7389,7 +7318,7 @@
   </p:cSld>
   <p:clrMap bg1="lt1" tx1="dk1" bg2="dk2" tx2="lt2" accent1="accent1" accent2="accent2" accent3="accent3" accent4="accent4" accent5="accent5" accent6="accent6" hlink="hlink" folHlink="folHlink"/>
   <p:sldLayoutIdLst>
-    <p:sldLayoutId id="2147483648" r:id="rId1"/>
+    <p:sldLayoutId id="2147483649" r:id="rId1"/>
     <p:sldLayoutId id="2147483650" r:id="rId2"/>
     <p:sldLayoutId id="2147483651" r:id="rId3"/>
     <p:sldLayoutId id="2147483652" r:id="rId4"/>
@@ -7427,15 +7356,15 @@
         <a:buClr>
           <a:srgbClr val="000000"/>
         </a:buClr>
-        <a:buFont typeface="Arial"/>
+        <a:buFont typeface="Arial" panose="020B0604020202020204"/>
         <a:defRPr sz="1050" b="0" i="0" u="none" strike="noStrike" cap="none">
           <a:solidFill>
             <a:srgbClr val="000000"/>
           </a:solidFill>
-          <a:latin typeface="Arial"/>
-          <a:ea typeface="Arial"/>
-          <a:cs typeface="Arial"/>
-          <a:sym typeface="Arial"/>
+          <a:latin typeface="Arial" panose="020B0604020202020204"/>
+          <a:ea typeface="Arial" panose="020B0604020202020204"/>
+          <a:cs typeface="Arial" panose="020B0604020202020204"/>
+          <a:sym typeface="Arial" panose="020B0604020202020204"/>
         </a:defRPr>
       </a:lvl1pPr>
       <a:lvl2pPr marR="0" lvl="1" algn="l" rtl="0">
@@ -7451,15 +7380,15 @@
         <a:buClr>
           <a:srgbClr val="000000"/>
         </a:buClr>
-        <a:buFont typeface="Arial"/>
+        <a:buFont typeface="Arial" panose="020B0604020202020204"/>
         <a:defRPr sz="1050" b="0" i="0" u="none" strike="noStrike" cap="none">
           <a:solidFill>
             <a:srgbClr val="000000"/>
           </a:solidFill>
-          <a:latin typeface="Arial"/>
-          <a:ea typeface="Arial"/>
-          <a:cs typeface="Arial"/>
-          <a:sym typeface="Arial"/>
+          <a:latin typeface="Arial" panose="020B0604020202020204"/>
+          <a:ea typeface="Arial" panose="020B0604020202020204"/>
+          <a:cs typeface="Arial" panose="020B0604020202020204"/>
+          <a:sym typeface="Arial" panose="020B0604020202020204"/>
         </a:defRPr>
       </a:lvl2pPr>
       <a:lvl3pPr marR="0" lvl="2" algn="l" rtl="0">
@@ -7475,15 +7404,15 @@
         <a:buClr>
           <a:srgbClr val="000000"/>
         </a:buClr>
-        <a:buFont typeface="Arial"/>
+        <a:buFont typeface="Arial" panose="020B0604020202020204"/>
         <a:defRPr sz="1050" b="0" i="0" u="none" strike="noStrike" cap="none">
           <a:solidFill>
             <a:srgbClr val="000000"/>
           </a:solidFill>
-          <a:latin typeface="Arial"/>
-          <a:ea typeface="Arial"/>
-          <a:cs typeface="Arial"/>
-          <a:sym typeface="Arial"/>
+          <a:latin typeface="Arial" panose="020B0604020202020204"/>
+          <a:ea typeface="Arial" panose="020B0604020202020204"/>
+          <a:cs typeface="Arial" panose="020B0604020202020204"/>
+          <a:sym typeface="Arial" panose="020B0604020202020204"/>
         </a:defRPr>
       </a:lvl3pPr>
       <a:lvl4pPr marR="0" lvl="3" algn="l" rtl="0">
@@ -7499,15 +7428,15 @@
         <a:buClr>
           <a:srgbClr val="000000"/>
         </a:buClr>
-        <a:buFont typeface="Arial"/>
+        <a:buFont typeface="Arial" panose="020B0604020202020204"/>
         <a:defRPr sz="1050" b="0" i="0" u="none" strike="noStrike" cap="none">
           <a:solidFill>
             <a:srgbClr val="000000"/>
           </a:solidFill>
-          <a:latin typeface="Arial"/>
-          <a:ea typeface="Arial"/>
-          <a:cs typeface="Arial"/>
-          <a:sym typeface="Arial"/>
+          <a:latin typeface="Arial" panose="020B0604020202020204"/>
+          <a:ea typeface="Arial" panose="020B0604020202020204"/>
+          <a:cs typeface="Arial" panose="020B0604020202020204"/>
+          <a:sym typeface="Arial" panose="020B0604020202020204"/>
         </a:defRPr>
       </a:lvl4pPr>
       <a:lvl5pPr marR="0" lvl="4" algn="l" rtl="0">
@@ -7523,15 +7452,15 @@
         <a:buClr>
           <a:srgbClr val="000000"/>
         </a:buClr>
-        <a:buFont typeface="Arial"/>
+        <a:buFont typeface="Arial" panose="020B0604020202020204"/>
         <a:defRPr sz="1050" b="0" i="0" u="none" strike="noStrike" cap="none">
           <a:solidFill>
             <a:srgbClr val="000000"/>
           </a:solidFill>
-          <a:latin typeface="Arial"/>
-          <a:ea typeface="Arial"/>
-          <a:cs typeface="Arial"/>
-          <a:sym typeface="Arial"/>
+          <a:latin typeface="Arial" panose="020B0604020202020204"/>
+          <a:ea typeface="Arial" panose="020B0604020202020204"/>
+          <a:cs typeface="Arial" panose="020B0604020202020204"/>
+          <a:sym typeface="Arial" panose="020B0604020202020204"/>
         </a:defRPr>
       </a:lvl5pPr>
       <a:lvl6pPr marR="0" lvl="5" algn="l" rtl="0">
@@ -7547,15 +7476,15 @@
         <a:buClr>
           <a:srgbClr val="000000"/>
         </a:buClr>
-        <a:buFont typeface="Arial"/>
+        <a:buFont typeface="Arial" panose="020B0604020202020204"/>
         <a:defRPr sz="1050" b="0" i="0" u="none" strike="noStrike" cap="none">
           <a:solidFill>
             <a:srgbClr val="000000"/>
           </a:solidFill>
-          <a:latin typeface="Arial"/>
-          <a:ea typeface="Arial"/>
-          <a:cs typeface="Arial"/>
-          <a:sym typeface="Arial"/>
+          <a:latin typeface="Arial" panose="020B0604020202020204"/>
+          <a:ea typeface="Arial" panose="020B0604020202020204"/>
+          <a:cs typeface="Arial" panose="020B0604020202020204"/>
+          <a:sym typeface="Arial" panose="020B0604020202020204"/>
         </a:defRPr>
       </a:lvl6pPr>
       <a:lvl7pPr marR="0" lvl="6" algn="l" rtl="0">
@@ -7571,15 +7500,15 @@
         <a:buClr>
           <a:srgbClr val="000000"/>
         </a:buClr>
-        <a:buFont typeface="Arial"/>
+        <a:buFont typeface="Arial" panose="020B0604020202020204"/>
         <a:defRPr sz="1050" b="0" i="0" u="none" strike="noStrike" cap="none">
           <a:solidFill>
             <a:srgbClr val="000000"/>
           </a:solidFill>
-          <a:latin typeface="Arial"/>
-          <a:ea typeface="Arial"/>
-          <a:cs typeface="Arial"/>
-          <a:sym typeface="Arial"/>
+          <a:latin typeface="Arial" panose="020B0604020202020204"/>
+          <a:ea typeface="Arial" panose="020B0604020202020204"/>
+          <a:cs typeface="Arial" panose="020B0604020202020204"/>
+          <a:sym typeface="Arial" panose="020B0604020202020204"/>
         </a:defRPr>
       </a:lvl7pPr>
       <a:lvl8pPr marR="0" lvl="7" algn="l" rtl="0">
@@ -7595,15 +7524,15 @@
         <a:buClr>
           <a:srgbClr val="000000"/>
         </a:buClr>
-        <a:buFont typeface="Arial"/>
+        <a:buFont typeface="Arial" panose="020B0604020202020204"/>
         <a:defRPr sz="1050" b="0" i="0" u="none" strike="noStrike" cap="none">
           <a:solidFill>
             <a:srgbClr val="000000"/>
           </a:solidFill>
-          <a:latin typeface="Arial"/>
-          <a:ea typeface="Arial"/>
-          <a:cs typeface="Arial"/>
-          <a:sym typeface="Arial"/>
+          <a:latin typeface="Arial" panose="020B0604020202020204"/>
+          <a:ea typeface="Arial" panose="020B0604020202020204"/>
+          <a:cs typeface="Arial" panose="020B0604020202020204"/>
+          <a:sym typeface="Arial" panose="020B0604020202020204"/>
         </a:defRPr>
       </a:lvl8pPr>
       <a:lvl9pPr marR="0" lvl="8" algn="l" rtl="0">
@@ -7619,15 +7548,15 @@
         <a:buClr>
           <a:srgbClr val="000000"/>
         </a:buClr>
-        <a:buFont typeface="Arial"/>
+        <a:buFont typeface="Arial" panose="020B0604020202020204"/>
         <a:defRPr sz="1050" b="0" i="0" u="none" strike="noStrike" cap="none">
           <a:solidFill>
             <a:srgbClr val="000000"/>
           </a:solidFill>
-          <a:latin typeface="Arial"/>
-          <a:ea typeface="Arial"/>
-          <a:cs typeface="Arial"/>
-          <a:sym typeface="Arial"/>
+          <a:latin typeface="Arial" panose="020B0604020202020204"/>
+          <a:ea typeface="Arial" panose="020B0604020202020204"/>
+          <a:cs typeface="Arial" panose="020B0604020202020204"/>
+          <a:sym typeface="Arial" panose="020B0604020202020204"/>
         </a:defRPr>
       </a:lvl9pPr>
     </p:titleStyle>
@@ -7656,15 +7585,15 @@
         <a:buClr>
           <a:srgbClr val="000000"/>
         </a:buClr>
-        <a:buFont typeface="Arial"/>
+        <a:buFont typeface="Arial" panose="020B0604020202020204"/>
         <a:defRPr sz="1050" b="0" i="0" u="none" strike="noStrike" cap="none">
           <a:solidFill>
             <a:srgbClr val="000000"/>
           </a:solidFill>
-          <a:latin typeface="Arial"/>
-          <a:ea typeface="Arial"/>
-          <a:cs typeface="Arial"/>
-          <a:sym typeface="Arial"/>
+          <a:latin typeface="Arial" panose="020B0604020202020204"/>
+          <a:ea typeface="Arial" panose="020B0604020202020204"/>
+          <a:cs typeface="Arial" panose="020B0604020202020204"/>
+          <a:sym typeface="Arial" panose="020B0604020202020204"/>
         </a:defRPr>
       </a:lvl1pPr>
       <a:lvl2pPr marR="0" lvl="1" algn="l" rtl="0">
@@ -7680,15 +7609,15 @@
         <a:buClr>
           <a:srgbClr val="000000"/>
         </a:buClr>
-        <a:buFont typeface="Arial"/>
+        <a:buFont typeface="Arial" panose="020B0604020202020204"/>
         <a:defRPr sz="1050" b="0" i="0" u="none" strike="noStrike" cap="none">
           <a:solidFill>
             <a:srgbClr val="000000"/>
           </a:solidFill>
-          <a:latin typeface="Arial"/>
-          <a:ea typeface="Arial"/>
-          <a:cs typeface="Arial"/>
-          <a:sym typeface="Arial"/>
+          <a:latin typeface="Arial" panose="020B0604020202020204"/>
+          <a:ea typeface="Arial" panose="020B0604020202020204"/>
+          <a:cs typeface="Arial" panose="020B0604020202020204"/>
+          <a:sym typeface="Arial" panose="020B0604020202020204"/>
         </a:defRPr>
       </a:lvl2pPr>
       <a:lvl3pPr marR="0" lvl="2" algn="l" rtl="0">
@@ -7704,15 +7633,15 @@
         <a:buClr>
           <a:srgbClr val="000000"/>
         </a:buClr>
-        <a:buFont typeface="Arial"/>
+        <a:buFont typeface="Arial" panose="020B0604020202020204"/>
         <a:defRPr sz="1050" b="0" i="0" u="none" strike="noStrike" cap="none">
           <a:solidFill>
             <a:srgbClr val="000000"/>
           </a:solidFill>
-          <a:latin typeface="Arial"/>
-          <a:ea typeface="Arial"/>
-          <a:cs typeface="Arial"/>
-          <a:sym typeface="Arial"/>
+          <a:latin typeface="Arial" panose="020B0604020202020204"/>
+          <a:ea typeface="Arial" panose="020B0604020202020204"/>
+          <a:cs typeface="Arial" panose="020B0604020202020204"/>
+          <a:sym typeface="Arial" panose="020B0604020202020204"/>
         </a:defRPr>
       </a:lvl3pPr>
       <a:lvl4pPr marR="0" lvl="3" algn="l" rtl="0">
@@ -7728,15 +7657,15 @@
         <a:buClr>
           <a:srgbClr val="000000"/>
         </a:buClr>
-        <a:buFont typeface="Arial"/>
+        <a:buFont typeface="Arial" panose="020B0604020202020204"/>
         <a:defRPr sz="1050" b="0" i="0" u="none" strike="noStrike" cap="none">
           <a:solidFill>
             <a:srgbClr val="000000"/>
           </a:solidFill>
-          <a:latin typeface="Arial"/>
-          <a:ea typeface="Arial"/>
-          <a:cs typeface="Arial"/>
-          <a:sym typeface="Arial"/>
+          <a:latin typeface="Arial" panose="020B0604020202020204"/>
+          <a:ea typeface="Arial" panose="020B0604020202020204"/>
+          <a:cs typeface="Arial" panose="020B0604020202020204"/>
+          <a:sym typeface="Arial" panose="020B0604020202020204"/>
         </a:defRPr>
       </a:lvl4pPr>
       <a:lvl5pPr marR="0" lvl="4" algn="l" rtl="0">
@@ -7752,15 +7681,15 @@
         <a:buClr>
           <a:srgbClr val="000000"/>
         </a:buClr>
-        <a:buFont typeface="Arial"/>
+        <a:buFont typeface="Arial" panose="020B0604020202020204"/>
         <a:defRPr sz="1050" b="0" i="0" u="none" strike="noStrike" cap="none">
           <a:solidFill>
             <a:srgbClr val="000000"/>
           </a:solidFill>
-          <a:latin typeface="Arial"/>
-          <a:ea typeface="Arial"/>
-          <a:cs typeface="Arial"/>
-          <a:sym typeface="Arial"/>
+          <a:latin typeface="Arial" panose="020B0604020202020204"/>
+          <a:ea typeface="Arial" panose="020B0604020202020204"/>
+          <a:cs typeface="Arial" panose="020B0604020202020204"/>
+          <a:sym typeface="Arial" panose="020B0604020202020204"/>
         </a:defRPr>
       </a:lvl5pPr>
       <a:lvl6pPr marR="0" lvl="5" algn="l" rtl="0">
@@ -7776,15 +7705,15 @@
         <a:buClr>
           <a:srgbClr val="000000"/>
         </a:buClr>
-        <a:buFont typeface="Arial"/>
+        <a:buFont typeface="Arial" panose="020B0604020202020204"/>
         <a:defRPr sz="1050" b="0" i="0" u="none" strike="noStrike" cap="none">
           <a:solidFill>
             <a:srgbClr val="000000"/>
           </a:solidFill>
-          <a:latin typeface="Arial"/>
-          <a:ea typeface="Arial"/>
-          <a:cs typeface="Arial"/>
-          <a:sym typeface="Arial"/>
+          <a:latin typeface="Arial" panose="020B0604020202020204"/>
+          <a:ea typeface="Arial" panose="020B0604020202020204"/>
+          <a:cs typeface="Arial" panose="020B0604020202020204"/>
+          <a:sym typeface="Arial" panose="020B0604020202020204"/>
         </a:defRPr>
       </a:lvl6pPr>
       <a:lvl7pPr marR="0" lvl="6" algn="l" rtl="0">
@@ -7800,15 +7729,15 @@
         <a:buClr>
           <a:srgbClr val="000000"/>
         </a:buClr>
-        <a:buFont typeface="Arial"/>
+        <a:buFont typeface="Arial" panose="020B0604020202020204"/>
         <a:defRPr sz="1050" b="0" i="0" u="none" strike="noStrike" cap="none">
           <a:solidFill>
             <a:srgbClr val="000000"/>
           </a:solidFill>
-          <a:latin typeface="Arial"/>
-          <a:ea typeface="Arial"/>
-          <a:cs typeface="Arial"/>
-          <a:sym typeface="Arial"/>
+          <a:latin typeface="Arial" panose="020B0604020202020204"/>
+          <a:ea typeface="Arial" panose="020B0604020202020204"/>
+          <a:cs typeface="Arial" panose="020B0604020202020204"/>
+          <a:sym typeface="Arial" panose="020B0604020202020204"/>
         </a:defRPr>
       </a:lvl7pPr>
       <a:lvl8pPr marR="0" lvl="7" algn="l" rtl="0">
@@ -7824,15 +7753,15 @@
         <a:buClr>
           <a:srgbClr val="000000"/>
         </a:buClr>
-        <a:buFont typeface="Arial"/>
+        <a:buFont typeface="Arial" panose="020B0604020202020204"/>
         <a:defRPr sz="1050" b="0" i="0" u="none" strike="noStrike" cap="none">
           <a:solidFill>
             <a:srgbClr val="000000"/>
           </a:solidFill>
-          <a:latin typeface="Arial"/>
-          <a:ea typeface="Arial"/>
-          <a:cs typeface="Arial"/>
-          <a:sym typeface="Arial"/>
+          <a:latin typeface="Arial" panose="020B0604020202020204"/>
+          <a:ea typeface="Arial" panose="020B0604020202020204"/>
+          <a:cs typeface="Arial" panose="020B0604020202020204"/>
+          <a:sym typeface="Arial" panose="020B0604020202020204"/>
         </a:defRPr>
       </a:lvl8pPr>
       <a:lvl9pPr marR="0" lvl="8" algn="l" rtl="0">
@@ -7848,15 +7777,15 @@
         <a:buClr>
           <a:srgbClr val="000000"/>
         </a:buClr>
-        <a:buFont typeface="Arial"/>
+        <a:buFont typeface="Arial" panose="020B0604020202020204"/>
         <a:defRPr sz="1050" b="0" i="0" u="none" strike="noStrike" cap="none">
           <a:solidFill>
             <a:srgbClr val="000000"/>
           </a:solidFill>
-          <a:latin typeface="Arial"/>
-          <a:ea typeface="Arial"/>
-          <a:cs typeface="Arial"/>
-          <a:sym typeface="Arial"/>
+          <a:latin typeface="Arial" panose="020B0604020202020204"/>
+          <a:ea typeface="Arial" panose="020B0604020202020204"/>
+          <a:cs typeface="Arial" panose="020B0604020202020204"/>
+          <a:sym typeface="Arial" panose="020B0604020202020204"/>
         </a:defRPr>
       </a:lvl9pPr>
     </p:bodyStyle>
@@ -7885,15 +7814,15 @@
         <a:buClr>
           <a:srgbClr val="000000"/>
         </a:buClr>
-        <a:buFont typeface="Arial"/>
+        <a:buFont typeface="Arial" panose="020B0604020202020204"/>
         <a:defRPr sz="1050" b="0" i="0" u="none" strike="noStrike" cap="none">
           <a:solidFill>
             <a:srgbClr val="000000"/>
           </a:solidFill>
-          <a:latin typeface="Arial"/>
-          <a:ea typeface="Arial"/>
-          <a:cs typeface="Arial"/>
-          <a:sym typeface="Arial"/>
+          <a:latin typeface="Arial" panose="020B0604020202020204"/>
+          <a:ea typeface="Arial" panose="020B0604020202020204"/>
+          <a:cs typeface="Arial" panose="020B0604020202020204"/>
+          <a:sym typeface="Arial" panose="020B0604020202020204"/>
         </a:defRPr>
       </a:lvl1pPr>
       <a:lvl2pPr marR="0" lvl="1" algn="l" rtl="0">
@@ -7909,15 +7838,15 @@
         <a:buClr>
           <a:srgbClr val="000000"/>
         </a:buClr>
-        <a:buFont typeface="Arial"/>
+        <a:buFont typeface="Arial" panose="020B0604020202020204"/>
         <a:defRPr sz="1050" b="0" i="0" u="none" strike="noStrike" cap="none">
           <a:solidFill>
             <a:srgbClr val="000000"/>
           </a:solidFill>
-          <a:latin typeface="Arial"/>
-          <a:ea typeface="Arial"/>
-          <a:cs typeface="Arial"/>
-          <a:sym typeface="Arial"/>
+          <a:latin typeface="Arial" panose="020B0604020202020204"/>
+          <a:ea typeface="Arial" panose="020B0604020202020204"/>
+          <a:cs typeface="Arial" panose="020B0604020202020204"/>
+          <a:sym typeface="Arial" panose="020B0604020202020204"/>
         </a:defRPr>
       </a:lvl2pPr>
       <a:lvl3pPr marR="0" lvl="2" algn="l" rtl="0">
@@ -7933,15 +7862,15 @@
         <a:buClr>
           <a:srgbClr val="000000"/>
         </a:buClr>
-        <a:buFont typeface="Arial"/>
+        <a:buFont typeface="Arial" panose="020B0604020202020204"/>
         <a:defRPr sz="1050" b="0" i="0" u="none" strike="noStrike" cap="none">
           <a:solidFill>
             <a:srgbClr val="000000"/>
           </a:solidFill>
-          <a:latin typeface="Arial"/>
-          <a:ea typeface="Arial"/>
-          <a:cs typeface="Arial"/>
-          <a:sym typeface="Arial"/>
+          <a:latin typeface="Arial" panose="020B0604020202020204"/>
+          <a:ea typeface="Arial" panose="020B0604020202020204"/>
+          <a:cs typeface="Arial" panose="020B0604020202020204"/>
+          <a:sym typeface="Arial" panose="020B0604020202020204"/>
         </a:defRPr>
       </a:lvl3pPr>
       <a:lvl4pPr marR="0" lvl="3" algn="l" rtl="0">
@@ -7957,15 +7886,15 @@
         <a:buClr>
           <a:srgbClr val="000000"/>
         </a:buClr>
-        <a:buFont typeface="Arial"/>
+        <a:buFont typeface="Arial" panose="020B0604020202020204"/>
         <a:defRPr sz="1050" b="0" i="0" u="none" strike="noStrike" cap="none">
           <a:solidFill>
             <a:srgbClr val="000000"/>
           </a:solidFill>
-          <a:latin typeface="Arial"/>
-          <a:ea typeface="Arial"/>
-          <a:cs typeface="Arial"/>
-          <a:sym typeface="Arial"/>
+          <a:latin typeface="Arial" panose="020B0604020202020204"/>
+          <a:ea typeface="Arial" panose="020B0604020202020204"/>
+          <a:cs typeface="Arial" panose="020B0604020202020204"/>
+          <a:sym typeface="Arial" panose="020B0604020202020204"/>
         </a:defRPr>
       </a:lvl4pPr>
       <a:lvl5pPr marR="0" lvl="4" algn="l" rtl="0">
@@ -7981,15 +7910,15 @@
         <a:buClr>
           <a:srgbClr val="000000"/>
         </a:buClr>
-        <a:buFont typeface="Arial"/>
+        <a:buFont typeface="Arial" panose="020B0604020202020204"/>
         <a:defRPr sz="1050" b="0" i="0" u="none" strike="noStrike" cap="none">
           <a:solidFill>
             <a:srgbClr val="000000"/>
           </a:solidFill>
-          <a:latin typeface="Arial"/>
-          <a:ea typeface="Arial"/>
-          <a:cs typeface="Arial"/>
-          <a:sym typeface="Arial"/>
+          <a:latin typeface="Arial" panose="020B0604020202020204"/>
+          <a:ea typeface="Arial" panose="020B0604020202020204"/>
+          <a:cs typeface="Arial" panose="020B0604020202020204"/>
+          <a:sym typeface="Arial" panose="020B0604020202020204"/>
         </a:defRPr>
       </a:lvl5pPr>
       <a:lvl6pPr marR="0" lvl="5" algn="l" rtl="0">
@@ -8005,15 +7934,15 @@
         <a:buClr>
           <a:srgbClr val="000000"/>
         </a:buClr>
-        <a:buFont typeface="Arial"/>
+        <a:buFont typeface="Arial" panose="020B0604020202020204"/>
         <a:defRPr sz="1050" b="0" i="0" u="none" strike="noStrike" cap="none">
           <a:solidFill>
             <a:srgbClr val="000000"/>
           </a:solidFill>
-          <a:latin typeface="Arial"/>
-          <a:ea typeface="Arial"/>
-          <a:cs typeface="Arial"/>
-          <a:sym typeface="Arial"/>
+          <a:latin typeface="Arial" panose="020B0604020202020204"/>
+          <a:ea typeface="Arial" panose="020B0604020202020204"/>
+          <a:cs typeface="Arial" panose="020B0604020202020204"/>
+          <a:sym typeface="Arial" panose="020B0604020202020204"/>
         </a:defRPr>
       </a:lvl6pPr>
       <a:lvl7pPr marR="0" lvl="6" algn="l" rtl="0">
@@ -8029,15 +7958,15 @@
         <a:buClr>
           <a:srgbClr val="000000"/>
         </a:buClr>
-        <a:buFont typeface="Arial"/>
+        <a:buFont typeface="Arial" panose="020B0604020202020204"/>
         <a:defRPr sz="1050" b="0" i="0" u="none" strike="noStrike" cap="none">
           <a:solidFill>
             <a:srgbClr val="000000"/>
           </a:solidFill>
-          <a:latin typeface="Arial"/>
-          <a:ea typeface="Arial"/>
-          <a:cs typeface="Arial"/>
-          <a:sym typeface="Arial"/>
+          <a:latin typeface="Arial" panose="020B0604020202020204"/>
+          <a:ea typeface="Arial" panose="020B0604020202020204"/>
+          <a:cs typeface="Arial" panose="020B0604020202020204"/>
+          <a:sym typeface="Arial" panose="020B0604020202020204"/>
         </a:defRPr>
       </a:lvl7pPr>
       <a:lvl8pPr marR="0" lvl="7" algn="l" rtl="0">
@@ -8053,15 +7982,15 @@
         <a:buClr>
           <a:srgbClr val="000000"/>
         </a:buClr>
-        <a:buFont typeface="Arial"/>
+        <a:buFont typeface="Arial" panose="020B0604020202020204"/>
         <a:defRPr sz="1050" b="0" i="0" u="none" strike="noStrike" cap="none">
           <a:solidFill>
             <a:srgbClr val="000000"/>
           </a:solidFill>
-          <a:latin typeface="Arial"/>
-          <a:ea typeface="Arial"/>
-          <a:cs typeface="Arial"/>
-          <a:sym typeface="Arial"/>
+          <a:latin typeface="Arial" panose="020B0604020202020204"/>
+          <a:ea typeface="Arial" panose="020B0604020202020204"/>
+          <a:cs typeface="Arial" panose="020B0604020202020204"/>
+          <a:sym typeface="Arial" panose="020B0604020202020204"/>
         </a:defRPr>
       </a:lvl8pPr>
       <a:lvl9pPr marR="0" lvl="8" algn="l" rtl="0">
@@ -8077,15 +8006,15 @@
         <a:buClr>
           <a:srgbClr val="000000"/>
         </a:buClr>
-        <a:buFont typeface="Arial"/>
+        <a:buFont typeface="Arial" panose="020B0604020202020204"/>
         <a:defRPr sz="1050" b="0" i="0" u="none" strike="noStrike" cap="none">
           <a:solidFill>
             <a:srgbClr val="000000"/>
           </a:solidFill>
-          <a:latin typeface="Arial"/>
-          <a:ea typeface="Arial"/>
-          <a:cs typeface="Arial"/>
-          <a:sym typeface="Arial"/>
+          <a:latin typeface="Arial" panose="020B0604020202020204"/>
+          <a:ea typeface="Arial" panose="020B0604020202020204"/>
+          <a:cs typeface="Arial" panose="020B0604020202020204"/>
+          <a:sym typeface="Arial" panose="020B0604020202020204"/>
         </a:defRPr>
       </a:lvl9pPr>
     </p:otherStyle>
@@ -8136,7 +8065,7 @@
           <a:lstStyle/>
           <a:p>
             <a:r>
-              <a:rPr lang="en" dirty="0">
+              <a:rPr lang="en-GB" dirty="0">
                 <a:solidFill>
                   <a:schemeClr val="bg1"/>
                 </a:solidFill>
@@ -8146,7 +8075,7 @@
               <a:t>C</a:t>
             </a:r>
             <a:r>
-              <a:rPr lang="en" dirty="0" smtClean="0">
+              <a:rPr lang="en-GB" dirty="0" smtClean="0">
                 <a:solidFill>
                   <a:schemeClr val="bg1"/>
                 </a:solidFill>
@@ -8166,7 +8095,7 @@
               <a:t>ming</a:t>
             </a:r>
             <a:r>
-              <a:rPr lang="en" dirty="0" smtClean="0">
+              <a:rPr lang="en-GB" dirty="0" smtClean="0">
                 <a:solidFill>
                   <a:schemeClr val="bg1"/>
                 </a:solidFill>
@@ -8212,11 +8141,11 @@
           <a:p>
             <a:pPr marL="0" indent="0"/>
             <a:r>
-              <a:rPr lang="en" sz="2000" dirty="0"/>
+              <a:rPr lang="en-GB" sz="2000" dirty="0"/>
               <a:t>Session </a:t>
             </a:r>
             <a:r>
-              <a:rPr lang="en" sz="2000" dirty="0" smtClean="0"/>
+              <a:rPr lang="en-GB" sz="2000" dirty="0" smtClean="0"/>
               <a:t>#</a:t>
             </a:r>
             <a:r>
@@ -8306,9 +8235,10 @@
               <a:rPr lang="en-US" altLang="zh-CN" sz="2000" dirty="0"/>
               <a:t>have two special characteristics:</a:t>
             </a:r>
-          </a:p>
-          <a:p>
-            <a:pPr marL="109535" indent="0">
+            <a:endParaRPr lang="en-US" altLang="zh-CN" sz="2000" dirty="0"/>
+          </a:p>
+          <a:p>
+            <a:pPr marL="109220" indent="0">
               <a:buNone/>
             </a:pPr>
             <a:r>
@@ -8339,9 +8269,10 @@
               <a:rPr lang="en-US" altLang="zh-CN" sz="2000" dirty="0"/>
               <a:t>the class to which the function belongs.</a:t>
             </a:r>
-          </a:p>
-          <a:p>
-            <a:pPr marL="109535" indent="0">
+            <a:endParaRPr lang="en-US" altLang="zh-CN" sz="2000" dirty="0"/>
+          </a:p>
+          <a:p>
+            <a:pPr marL="109220" indent="0">
               <a:buNone/>
             </a:pPr>
             <a:r>
@@ -8398,11 +8329,6 @@
         </p:txBody>
       </p:sp>
     </p:spTree>
-    <p:extLst>
-      <p:ext uri="{BB962C8B-B14F-4D97-AF65-F5344CB8AC3E}">
-        <p14:creationId xmlns:p14="http://schemas.microsoft.com/office/powerpoint/2010/main" val="2751804159"/>
-      </p:ext>
-    </p:extLst>
   </p:cSld>
   <p:clrMapOvr>
     <a:masterClrMapping/>
@@ -8480,26 +8406,6 @@
               </a:rPr>
               <a:t>class Stock</a:t>
             </a:r>
-          </a:p>
-          <a:p>
-            <a:r>
-              <a:rPr lang="en-US" altLang="zh-CN" sz="1600" dirty="0" smtClean="0">
-                <a:solidFill>
-                  <a:schemeClr val="tx1"/>
-                </a:solidFill>
-              </a:rPr>
-              <a:t>{</a:t>
-            </a:r>
-          </a:p>
-          <a:p>
-            <a:r>
-              <a:rPr lang="en-US" altLang="zh-CN" sz="1600" dirty="0" smtClean="0">
-                <a:solidFill>
-                  <a:schemeClr val="tx1"/>
-                </a:solidFill>
-              </a:rPr>
-              <a:t>private:</a:t>
-            </a:r>
             <a:endParaRPr lang="en-US" altLang="zh-CN" sz="1600" dirty="0">
               <a:solidFill>
                 <a:schemeClr val="tx1"/>
@@ -8513,8 +8419,43 @@
                   <a:schemeClr val="tx1"/>
                 </a:solidFill>
               </a:rPr>
+              <a:t>{</a:t>
+            </a:r>
+            <a:endParaRPr lang="en-US" altLang="zh-CN" sz="1600" dirty="0" smtClean="0">
+              <a:solidFill>
+                <a:schemeClr val="tx1"/>
+              </a:solidFill>
+            </a:endParaRPr>
+          </a:p>
+          <a:p>
+            <a:r>
+              <a:rPr lang="en-US" altLang="zh-CN" sz="1600" dirty="0" smtClean="0">
+                <a:solidFill>
+                  <a:schemeClr val="tx1"/>
+                </a:solidFill>
+              </a:rPr>
+              <a:t>private:</a:t>
+            </a:r>
+            <a:endParaRPr lang="en-US" altLang="zh-CN" sz="1600" dirty="0">
+              <a:solidFill>
+                <a:schemeClr val="tx1"/>
+              </a:solidFill>
+            </a:endParaRPr>
+          </a:p>
+          <a:p>
+            <a:r>
+              <a:rPr lang="en-US" altLang="zh-CN" sz="1600" dirty="0" smtClean="0">
+                <a:solidFill>
+                  <a:schemeClr val="tx1"/>
+                </a:solidFill>
+              </a:rPr>
               <a:t>      char company[30];</a:t>
             </a:r>
+            <a:endParaRPr lang="en-US" altLang="zh-CN" sz="1600" dirty="0" smtClean="0">
+              <a:solidFill>
+                <a:schemeClr val="tx1"/>
+              </a:solidFill>
+            </a:endParaRPr>
           </a:p>
           <a:p>
             <a:pPr lvl="3"/>
@@ -8542,6 +8483,11 @@
               </a:rPr>
               <a:t> shares;</a:t>
             </a:r>
+            <a:endParaRPr lang="en-US" altLang="zh-CN" sz="1600" dirty="0" smtClean="0">
+              <a:solidFill>
+                <a:schemeClr val="tx1"/>
+              </a:solidFill>
+            </a:endParaRPr>
           </a:p>
           <a:p>
             <a:pPr lvl="3"/>
@@ -8569,6 +8515,11 @@
               </a:rPr>
               <a:t>;</a:t>
             </a:r>
+            <a:endParaRPr lang="en-US" altLang="zh-CN" sz="1600" dirty="0" smtClean="0">
+              <a:solidFill>
+                <a:schemeClr val="tx1"/>
+              </a:solidFill>
+            </a:endParaRPr>
           </a:p>
           <a:p>
             <a:pPr lvl="3"/>
@@ -8596,6 +8547,11 @@
               </a:rPr>
               <a:t>;</a:t>
             </a:r>
+            <a:endParaRPr lang="en-US" altLang="zh-CN" sz="1600" dirty="0" smtClean="0">
+              <a:solidFill>
+                <a:schemeClr val="tx1"/>
+              </a:solidFill>
+            </a:endParaRPr>
           </a:p>
           <a:p>
             <a:pPr lvl="3"/>
@@ -8655,6 +8611,11 @@
               </a:rPr>
               <a:t>; }</a:t>
             </a:r>
+            <a:endParaRPr lang="en-US" altLang="zh-CN" sz="1600" dirty="0" smtClean="0">
+              <a:solidFill>
+                <a:schemeClr val="tx1"/>
+              </a:solidFill>
+            </a:endParaRPr>
           </a:p>
           <a:p>
             <a:r>
@@ -8673,6 +8634,11 @@
               </a:rPr>
               <a:t>:</a:t>
             </a:r>
+            <a:endParaRPr lang="en-US" altLang="zh-CN" sz="1600" dirty="0">
+              <a:solidFill>
+                <a:schemeClr val="tx1"/>
+              </a:solidFill>
+            </a:endParaRPr>
           </a:p>
           <a:p>
             <a:r>
@@ -8739,6 +8705,11 @@
               </a:rPr>
               <a:t>);</a:t>
             </a:r>
+            <a:endParaRPr lang="en-US" altLang="zh-CN" sz="1600" dirty="0">
+              <a:solidFill>
+                <a:schemeClr val="tx1"/>
+              </a:solidFill>
+            </a:endParaRPr>
           </a:p>
           <a:p>
             <a:r>
@@ -8789,6 +8760,11 @@
               </a:rPr>
               <a:t>, double price);</a:t>
             </a:r>
+            <a:endParaRPr lang="en-US" altLang="zh-CN" sz="1600" dirty="0">
+              <a:solidFill>
+                <a:schemeClr val="tx1"/>
+              </a:solidFill>
+            </a:endParaRPr>
           </a:p>
           <a:p>
             <a:r>
@@ -8839,6 +8815,11 @@
               </a:rPr>
               <a:t>, double price);</a:t>
             </a:r>
+            <a:endParaRPr lang="en-US" altLang="zh-CN" sz="1600" dirty="0">
+              <a:solidFill>
+                <a:schemeClr val="tx1"/>
+              </a:solidFill>
+            </a:endParaRPr>
           </a:p>
           <a:p>
             <a:r>
@@ -8857,6 +8838,11 @@
               </a:rPr>
               <a:t>update(double price);</a:t>
             </a:r>
+            <a:endParaRPr lang="en-US" altLang="zh-CN" sz="1600" dirty="0">
+              <a:solidFill>
+                <a:schemeClr val="tx1"/>
+              </a:solidFill>
+            </a:endParaRPr>
           </a:p>
           <a:p>
             <a:r>
@@ -8875,6 +8861,11 @@
               </a:rPr>
               <a:t>show();</a:t>
             </a:r>
+            <a:endParaRPr lang="en-US" altLang="zh-CN" sz="1600" dirty="0">
+              <a:solidFill>
+                <a:schemeClr val="tx1"/>
+              </a:solidFill>
+            </a:endParaRPr>
           </a:p>
           <a:p>
             <a:r>
@@ -9087,15 +9078,11 @@
               <a:rPr lang="en-US" altLang="zh-CN" sz="1600" dirty="0" smtClean="0"/>
               <a:t> function by default</a:t>
             </a:r>
+            <a:endParaRPr lang="en-US" altLang="zh-CN" sz="1600" dirty="0" smtClean="0"/>
           </a:p>
         </p:txBody>
       </p:sp>
     </p:spTree>
-    <p:extLst>
-      <p:ext uri="{BB962C8B-B14F-4D97-AF65-F5344CB8AC3E}">
-        <p14:creationId xmlns:p14="http://schemas.microsoft.com/office/powerpoint/2010/main" val="2953722276"/>
-      </p:ext>
-    </p:extLst>
   </p:cSld>
   <p:clrMapOvr>
     <a:masterClrMapping/>
@@ -9317,26 +9304,6 @@
               </a:rPr>
               <a:t>class Stock</a:t>
             </a:r>
-          </a:p>
-          <a:p>
-            <a:r>
-              <a:rPr lang="en-US" altLang="zh-CN" sz="1600" dirty="0" smtClean="0">
-                <a:solidFill>
-                  <a:schemeClr val="tx1"/>
-                </a:solidFill>
-              </a:rPr>
-              <a:t>{</a:t>
-            </a:r>
-          </a:p>
-          <a:p>
-            <a:r>
-              <a:rPr lang="en-US" altLang="zh-CN" sz="1600" dirty="0" smtClean="0">
-                <a:solidFill>
-                  <a:schemeClr val="tx1"/>
-                </a:solidFill>
-              </a:rPr>
-              <a:t>private:</a:t>
-            </a:r>
             <a:endParaRPr lang="en-US" altLang="zh-CN" sz="1600" dirty="0">
               <a:solidFill>
                 <a:schemeClr val="tx1"/>
@@ -9350,8 +9317,43 @@
                   <a:schemeClr val="tx1"/>
                 </a:solidFill>
               </a:rPr>
+              <a:t>{</a:t>
+            </a:r>
+            <a:endParaRPr lang="en-US" altLang="zh-CN" sz="1600" dirty="0" smtClean="0">
+              <a:solidFill>
+                <a:schemeClr val="tx1"/>
+              </a:solidFill>
+            </a:endParaRPr>
+          </a:p>
+          <a:p>
+            <a:r>
+              <a:rPr lang="en-US" altLang="zh-CN" sz="1600" dirty="0" smtClean="0">
+                <a:solidFill>
+                  <a:schemeClr val="tx1"/>
+                </a:solidFill>
+              </a:rPr>
+              <a:t>private:</a:t>
+            </a:r>
+            <a:endParaRPr lang="en-US" altLang="zh-CN" sz="1600" dirty="0">
+              <a:solidFill>
+                <a:schemeClr val="tx1"/>
+              </a:solidFill>
+            </a:endParaRPr>
+          </a:p>
+          <a:p>
+            <a:r>
+              <a:rPr lang="en-US" altLang="zh-CN" sz="1600" dirty="0" smtClean="0">
+                <a:solidFill>
+                  <a:schemeClr val="tx1"/>
+                </a:solidFill>
+              </a:rPr>
               <a:t>      char company[30];</a:t>
             </a:r>
+            <a:endParaRPr lang="en-US" altLang="zh-CN" sz="1600" dirty="0" smtClean="0">
+              <a:solidFill>
+                <a:schemeClr val="tx1"/>
+              </a:solidFill>
+            </a:endParaRPr>
           </a:p>
           <a:p>
             <a:pPr lvl="3"/>
@@ -9379,6 +9381,11 @@
               </a:rPr>
               <a:t> shares;</a:t>
             </a:r>
+            <a:endParaRPr lang="en-US" altLang="zh-CN" sz="1600" dirty="0" smtClean="0">
+              <a:solidFill>
+                <a:schemeClr val="tx1"/>
+              </a:solidFill>
+            </a:endParaRPr>
           </a:p>
           <a:p>
             <a:pPr lvl="3"/>
@@ -9406,6 +9413,11 @@
               </a:rPr>
               <a:t>;</a:t>
             </a:r>
+            <a:endParaRPr lang="en-US" altLang="zh-CN" sz="1600" dirty="0" smtClean="0">
+              <a:solidFill>
+                <a:schemeClr val="tx1"/>
+              </a:solidFill>
+            </a:endParaRPr>
           </a:p>
           <a:p>
             <a:pPr lvl="3"/>
@@ -9433,6 +9445,11 @@
               </a:rPr>
               <a:t>;</a:t>
             </a:r>
+            <a:endParaRPr lang="en-US" altLang="zh-CN" sz="1600" dirty="0" smtClean="0">
+              <a:solidFill>
+                <a:schemeClr val="tx1"/>
+              </a:solidFill>
+            </a:endParaRPr>
           </a:p>
           <a:p>
             <a:pPr lvl="3"/>
@@ -9492,6 +9509,11 @@
               </a:rPr>
               <a:t>; }</a:t>
             </a:r>
+            <a:endParaRPr lang="en-US" altLang="zh-CN" sz="1600" dirty="0" smtClean="0">
+              <a:solidFill>
+                <a:schemeClr val="tx1"/>
+              </a:solidFill>
+            </a:endParaRPr>
           </a:p>
           <a:p>
             <a:r>
@@ -9510,6 +9532,11 @@
               </a:rPr>
               <a:t>:</a:t>
             </a:r>
+            <a:endParaRPr lang="en-US" altLang="zh-CN" sz="1600" dirty="0">
+              <a:solidFill>
+                <a:schemeClr val="tx1"/>
+              </a:solidFill>
+            </a:endParaRPr>
           </a:p>
           <a:p>
             <a:r>
@@ -9576,6 +9603,11 @@
               </a:rPr>
               <a:t>);</a:t>
             </a:r>
+            <a:endParaRPr lang="en-US" altLang="zh-CN" sz="1600" dirty="0">
+              <a:solidFill>
+                <a:schemeClr val="tx1"/>
+              </a:solidFill>
+            </a:endParaRPr>
           </a:p>
           <a:p>
             <a:r>
@@ -9626,6 +9658,11 @@
               </a:rPr>
               <a:t>, double price);</a:t>
             </a:r>
+            <a:endParaRPr lang="en-US" altLang="zh-CN" sz="1600" dirty="0">
+              <a:solidFill>
+                <a:schemeClr val="tx1"/>
+              </a:solidFill>
+            </a:endParaRPr>
           </a:p>
           <a:p>
             <a:r>
@@ -9676,6 +9713,11 @@
               </a:rPr>
               <a:t>, double price);</a:t>
             </a:r>
+            <a:endParaRPr lang="en-US" altLang="zh-CN" sz="1600" dirty="0">
+              <a:solidFill>
+                <a:schemeClr val="tx1"/>
+              </a:solidFill>
+            </a:endParaRPr>
           </a:p>
           <a:p>
             <a:r>
@@ -9694,6 +9736,11 @@
               </a:rPr>
               <a:t>update(double price);</a:t>
             </a:r>
+            <a:endParaRPr lang="en-US" altLang="zh-CN" sz="1600" dirty="0">
+              <a:solidFill>
+                <a:schemeClr val="tx1"/>
+              </a:solidFill>
+            </a:endParaRPr>
           </a:p>
           <a:p>
             <a:r>
@@ -9712,6 +9759,11 @@
               </a:rPr>
               <a:t>show();</a:t>
             </a:r>
+            <a:endParaRPr lang="en-US" altLang="zh-CN" sz="1600" dirty="0">
+              <a:solidFill>
+                <a:schemeClr val="tx1"/>
+              </a:solidFill>
+            </a:endParaRPr>
           </a:p>
           <a:p>
             <a:r>
@@ -9821,12 +9873,14 @@
               <a:rPr lang="en-US" altLang="zh-CN" dirty="0"/>
               <a:t>price)</a:t>
             </a:r>
+            <a:endParaRPr lang="en-US" altLang="zh-CN" dirty="0"/>
           </a:p>
           <a:p>
             <a:r>
               <a:rPr lang="en-US" altLang="zh-CN" dirty="0"/>
               <a:t>{</a:t>
             </a:r>
+            <a:endParaRPr lang="en-US" altLang="zh-CN" dirty="0"/>
           </a:p>
           <a:p>
             <a:r>
@@ -9845,6 +9899,7 @@
               <a:rPr lang="en-US" altLang="zh-CN" dirty="0"/>
               <a:t>= price;</a:t>
             </a:r>
+            <a:endParaRPr lang="en-US" altLang="zh-CN" dirty="0"/>
           </a:p>
           <a:p>
             <a:r>
@@ -9859,12 +9914,14 @@
               <a:rPr lang="en-US" altLang="zh-CN" dirty="0"/>
               <a:t>();</a:t>
             </a:r>
+            <a:endParaRPr lang="en-US" altLang="zh-CN" dirty="0"/>
           </a:p>
           <a:p>
             <a:r>
               <a:rPr lang="en-US" altLang="zh-CN" dirty="0" smtClean="0"/>
               <a:t>}</a:t>
             </a:r>
+            <a:endParaRPr lang="en-US" altLang="zh-CN" dirty="0" smtClean="0"/>
           </a:p>
         </p:txBody>
       </p:sp>
@@ -9915,11 +9972,6 @@
         </p:txBody>
       </p:sp>
     </p:spTree>
-    <p:extLst>
-      <p:ext uri="{BB962C8B-B14F-4D97-AF65-F5344CB8AC3E}">
-        <p14:creationId xmlns:p14="http://schemas.microsoft.com/office/powerpoint/2010/main" val="2797463473"/>
-      </p:ext>
-    </p:extLst>
   </p:cSld>
   <p:clrMapOvr>
     <a:masterClrMapping/>
@@ -10062,26 +10114,6 @@
               </a:rPr>
               <a:t>class Stock</a:t>
             </a:r>
-          </a:p>
-          <a:p>
-            <a:r>
-              <a:rPr lang="en-US" altLang="zh-CN" sz="1600" dirty="0" smtClean="0">
-                <a:solidFill>
-                  <a:schemeClr val="tx1"/>
-                </a:solidFill>
-              </a:rPr>
-              <a:t>{</a:t>
-            </a:r>
-          </a:p>
-          <a:p>
-            <a:r>
-              <a:rPr lang="en-US" altLang="zh-CN" sz="1600" dirty="0" smtClean="0">
-                <a:solidFill>
-                  <a:schemeClr val="tx1"/>
-                </a:solidFill>
-              </a:rPr>
-              <a:t>private:</a:t>
-            </a:r>
             <a:endParaRPr lang="en-US" altLang="zh-CN" sz="1600" dirty="0">
               <a:solidFill>
                 <a:schemeClr val="tx1"/>
@@ -10095,8 +10127,43 @@
                   <a:schemeClr val="tx1"/>
                 </a:solidFill>
               </a:rPr>
+              <a:t>{</a:t>
+            </a:r>
+            <a:endParaRPr lang="en-US" altLang="zh-CN" sz="1600" dirty="0" smtClean="0">
+              <a:solidFill>
+                <a:schemeClr val="tx1"/>
+              </a:solidFill>
+            </a:endParaRPr>
+          </a:p>
+          <a:p>
+            <a:r>
+              <a:rPr lang="en-US" altLang="zh-CN" sz="1600" dirty="0" smtClean="0">
+                <a:solidFill>
+                  <a:schemeClr val="tx1"/>
+                </a:solidFill>
+              </a:rPr>
+              <a:t>private:</a:t>
+            </a:r>
+            <a:endParaRPr lang="en-US" altLang="zh-CN" sz="1600" dirty="0">
+              <a:solidFill>
+                <a:schemeClr val="tx1"/>
+              </a:solidFill>
+            </a:endParaRPr>
+          </a:p>
+          <a:p>
+            <a:r>
+              <a:rPr lang="en-US" altLang="zh-CN" sz="1600" dirty="0" smtClean="0">
+                <a:solidFill>
+                  <a:schemeClr val="tx1"/>
+                </a:solidFill>
+              </a:rPr>
               <a:t>      char company[30];</a:t>
             </a:r>
+            <a:endParaRPr lang="en-US" altLang="zh-CN" sz="1600" dirty="0" smtClean="0">
+              <a:solidFill>
+                <a:schemeClr val="tx1"/>
+              </a:solidFill>
+            </a:endParaRPr>
           </a:p>
           <a:p>
             <a:pPr lvl="3"/>
@@ -10124,6 +10191,11 @@
               </a:rPr>
               <a:t> shares;</a:t>
             </a:r>
+            <a:endParaRPr lang="en-US" altLang="zh-CN" sz="1600" dirty="0" smtClean="0">
+              <a:solidFill>
+                <a:schemeClr val="tx1"/>
+              </a:solidFill>
+            </a:endParaRPr>
           </a:p>
           <a:p>
             <a:pPr lvl="3"/>
@@ -10151,6 +10223,11 @@
               </a:rPr>
               <a:t>;</a:t>
             </a:r>
+            <a:endParaRPr lang="en-US" altLang="zh-CN" sz="1600" dirty="0" smtClean="0">
+              <a:solidFill>
+                <a:schemeClr val="tx1"/>
+              </a:solidFill>
+            </a:endParaRPr>
           </a:p>
           <a:p>
             <a:pPr lvl="3"/>
@@ -10178,6 +10255,11 @@
               </a:rPr>
               <a:t>;</a:t>
             </a:r>
+            <a:endParaRPr lang="en-US" altLang="zh-CN" sz="1600" dirty="0" smtClean="0">
+              <a:solidFill>
+                <a:schemeClr val="tx1"/>
+              </a:solidFill>
+            </a:endParaRPr>
           </a:p>
           <a:p>
             <a:pPr lvl="3"/>
@@ -10237,6 +10319,11 @@
               </a:rPr>
               <a:t>; }</a:t>
             </a:r>
+            <a:endParaRPr lang="en-US" altLang="zh-CN" sz="1600" dirty="0" smtClean="0">
+              <a:solidFill>
+                <a:schemeClr val="tx1"/>
+              </a:solidFill>
+            </a:endParaRPr>
           </a:p>
           <a:p>
             <a:r>
@@ -10255,6 +10342,11 @@
               </a:rPr>
               <a:t>:</a:t>
             </a:r>
+            <a:endParaRPr lang="en-US" altLang="zh-CN" sz="1600" dirty="0">
+              <a:solidFill>
+                <a:schemeClr val="tx1"/>
+              </a:solidFill>
+            </a:endParaRPr>
           </a:p>
           <a:p>
             <a:r>
@@ -10321,6 +10413,11 @@
               </a:rPr>
               <a:t>);</a:t>
             </a:r>
+            <a:endParaRPr lang="en-US" altLang="zh-CN" sz="1600" dirty="0">
+              <a:solidFill>
+                <a:schemeClr val="tx1"/>
+              </a:solidFill>
+            </a:endParaRPr>
           </a:p>
           <a:p>
             <a:r>
@@ -10371,6 +10468,11 @@
               </a:rPr>
               <a:t>, double price);</a:t>
             </a:r>
+            <a:endParaRPr lang="en-US" altLang="zh-CN" sz="1600" dirty="0">
+              <a:solidFill>
+                <a:schemeClr val="tx1"/>
+              </a:solidFill>
+            </a:endParaRPr>
           </a:p>
           <a:p>
             <a:r>
@@ -10421,6 +10523,11 @@
               </a:rPr>
               <a:t>, double price);</a:t>
             </a:r>
+            <a:endParaRPr lang="en-US" altLang="zh-CN" sz="1600" dirty="0">
+              <a:solidFill>
+                <a:schemeClr val="tx1"/>
+              </a:solidFill>
+            </a:endParaRPr>
           </a:p>
           <a:p>
             <a:r>
@@ -10439,6 +10546,11 @@
               </a:rPr>
               <a:t>update(double price);</a:t>
             </a:r>
+            <a:endParaRPr lang="en-US" altLang="zh-CN" sz="1600" dirty="0">
+              <a:solidFill>
+                <a:schemeClr val="tx1"/>
+              </a:solidFill>
+            </a:endParaRPr>
           </a:p>
           <a:p>
             <a:r>
@@ -10457,6 +10569,11 @@
               </a:rPr>
               <a:t>show();</a:t>
             </a:r>
+            <a:endParaRPr lang="en-US" altLang="zh-CN" sz="1600" dirty="0">
+              <a:solidFill>
+                <a:schemeClr val="tx1"/>
+              </a:solidFill>
+            </a:endParaRPr>
           </a:p>
           <a:p>
             <a:r>
@@ -10570,12 +10687,14 @@
               <a:rPr lang="en-US" altLang="zh-CN" dirty="0"/>
               <a:t>update(double price)</a:t>
             </a:r>
+            <a:endParaRPr lang="en-US" altLang="zh-CN" dirty="0"/>
           </a:p>
           <a:p>
             <a:r>
               <a:rPr lang="en-US" altLang="zh-CN" dirty="0"/>
               <a:t>{</a:t>
             </a:r>
+            <a:endParaRPr lang="en-US" altLang="zh-CN" dirty="0"/>
           </a:p>
           <a:p>
             <a:r>
@@ -10594,6 +10713,7 @@
               <a:rPr lang="en-US" altLang="zh-CN" dirty="0"/>
               <a:t>= price;</a:t>
             </a:r>
+            <a:endParaRPr lang="en-US" altLang="zh-CN" dirty="0"/>
           </a:p>
           <a:p>
             <a:r>
@@ -10608,12 +10728,14 @@
               <a:rPr lang="en-US" altLang="zh-CN" dirty="0"/>
               <a:t>();</a:t>
             </a:r>
+            <a:endParaRPr lang="en-US" altLang="zh-CN" dirty="0"/>
           </a:p>
           <a:p>
             <a:r>
               <a:rPr lang="en-US" altLang="zh-CN" dirty="0" smtClean="0"/>
               <a:t>}</a:t>
             </a:r>
+            <a:endParaRPr lang="en-US" altLang="zh-CN" dirty="0" smtClean="0"/>
           </a:p>
         </p:txBody>
       </p:sp>
@@ -10722,11 +10844,6 @@
         </p:txBody>
       </p:sp>
     </p:spTree>
-    <p:extLst>
-      <p:ext uri="{BB962C8B-B14F-4D97-AF65-F5344CB8AC3E}">
-        <p14:creationId xmlns:p14="http://schemas.microsoft.com/office/powerpoint/2010/main" val="1578227705"/>
-      </p:ext>
-    </p:extLst>
   </p:cSld>
   <p:clrMapOvr>
     <a:masterClrMapping/>
@@ -10948,26 +11065,6 @@
               </a:rPr>
               <a:t>class Stock</a:t>
             </a:r>
-          </a:p>
-          <a:p>
-            <a:r>
-              <a:rPr lang="en-US" altLang="zh-CN" sz="1600" dirty="0" smtClean="0">
-                <a:solidFill>
-                  <a:schemeClr val="tx1"/>
-                </a:solidFill>
-              </a:rPr>
-              <a:t>{</a:t>
-            </a:r>
-          </a:p>
-          <a:p>
-            <a:r>
-              <a:rPr lang="en-US" altLang="zh-CN" sz="1600" dirty="0" smtClean="0">
-                <a:solidFill>
-                  <a:schemeClr val="tx1"/>
-                </a:solidFill>
-              </a:rPr>
-              <a:t>private:</a:t>
-            </a:r>
             <a:endParaRPr lang="en-US" altLang="zh-CN" sz="1600" dirty="0">
               <a:solidFill>
                 <a:schemeClr val="tx1"/>
@@ -10981,8 +11078,43 @@
                   <a:schemeClr val="tx1"/>
                 </a:solidFill>
               </a:rPr>
+              <a:t>{</a:t>
+            </a:r>
+            <a:endParaRPr lang="en-US" altLang="zh-CN" sz="1600" dirty="0" smtClean="0">
+              <a:solidFill>
+                <a:schemeClr val="tx1"/>
+              </a:solidFill>
+            </a:endParaRPr>
+          </a:p>
+          <a:p>
+            <a:r>
+              <a:rPr lang="en-US" altLang="zh-CN" sz="1600" dirty="0" smtClean="0">
+                <a:solidFill>
+                  <a:schemeClr val="tx1"/>
+                </a:solidFill>
+              </a:rPr>
+              <a:t>private:</a:t>
+            </a:r>
+            <a:endParaRPr lang="en-US" altLang="zh-CN" sz="1600" dirty="0">
+              <a:solidFill>
+                <a:schemeClr val="tx1"/>
+              </a:solidFill>
+            </a:endParaRPr>
+          </a:p>
+          <a:p>
+            <a:r>
+              <a:rPr lang="en-US" altLang="zh-CN" sz="1600" dirty="0" smtClean="0">
+                <a:solidFill>
+                  <a:schemeClr val="tx1"/>
+                </a:solidFill>
+              </a:rPr>
               <a:t>      char company[30];</a:t>
             </a:r>
+            <a:endParaRPr lang="en-US" altLang="zh-CN" sz="1600" dirty="0" smtClean="0">
+              <a:solidFill>
+                <a:schemeClr val="tx1"/>
+              </a:solidFill>
+            </a:endParaRPr>
           </a:p>
           <a:p>
             <a:pPr lvl="3"/>
@@ -11010,6 +11142,11 @@
               </a:rPr>
               <a:t> shares;</a:t>
             </a:r>
+            <a:endParaRPr lang="en-US" altLang="zh-CN" sz="1600" dirty="0" smtClean="0">
+              <a:solidFill>
+                <a:schemeClr val="tx1"/>
+              </a:solidFill>
+            </a:endParaRPr>
           </a:p>
           <a:p>
             <a:pPr lvl="3"/>
@@ -11037,6 +11174,11 @@
               </a:rPr>
               <a:t>;</a:t>
             </a:r>
+            <a:endParaRPr lang="en-US" altLang="zh-CN" sz="1600" dirty="0" smtClean="0">
+              <a:solidFill>
+                <a:schemeClr val="tx1"/>
+              </a:solidFill>
+            </a:endParaRPr>
           </a:p>
           <a:p>
             <a:pPr lvl="3"/>
@@ -11064,6 +11206,11 @@
               </a:rPr>
               <a:t>;</a:t>
             </a:r>
+            <a:endParaRPr lang="en-US" altLang="zh-CN" sz="1600" dirty="0" smtClean="0">
+              <a:solidFill>
+                <a:schemeClr val="tx1"/>
+              </a:solidFill>
+            </a:endParaRPr>
           </a:p>
           <a:p>
             <a:pPr lvl="3"/>
@@ -11123,6 +11270,11 @@
               </a:rPr>
               <a:t>; }</a:t>
             </a:r>
+            <a:endParaRPr lang="en-US" altLang="zh-CN" sz="1600" dirty="0" smtClean="0">
+              <a:solidFill>
+                <a:schemeClr val="tx1"/>
+              </a:solidFill>
+            </a:endParaRPr>
           </a:p>
           <a:p>
             <a:r>
@@ -11141,6 +11293,11 @@
               </a:rPr>
               <a:t>:</a:t>
             </a:r>
+            <a:endParaRPr lang="en-US" altLang="zh-CN" sz="1600" dirty="0">
+              <a:solidFill>
+                <a:schemeClr val="tx1"/>
+              </a:solidFill>
+            </a:endParaRPr>
           </a:p>
           <a:p>
             <a:r>
@@ -11207,6 +11364,11 @@
               </a:rPr>
               <a:t>);</a:t>
             </a:r>
+            <a:endParaRPr lang="en-US" altLang="zh-CN" sz="1600" dirty="0">
+              <a:solidFill>
+                <a:schemeClr val="tx1"/>
+              </a:solidFill>
+            </a:endParaRPr>
           </a:p>
           <a:p>
             <a:r>
@@ -11257,6 +11419,11 @@
               </a:rPr>
               <a:t>, double price);</a:t>
             </a:r>
+            <a:endParaRPr lang="en-US" altLang="zh-CN" sz="1600" dirty="0">
+              <a:solidFill>
+                <a:schemeClr val="tx1"/>
+              </a:solidFill>
+            </a:endParaRPr>
           </a:p>
           <a:p>
             <a:r>
@@ -11307,6 +11474,11 @@
               </a:rPr>
               <a:t>, double price);</a:t>
             </a:r>
+            <a:endParaRPr lang="en-US" altLang="zh-CN" sz="1600" dirty="0">
+              <a:solidFill>
+                <a:schemeClr val="tx1"/>
+              </a:solidFill>
+            </a:endParaRPr>
           </a:p>
           <a:p>
             <a:r>
@@ -11325,6 +11497,11 @@
               </a:rPr>
               <a:t>update(double price);</a:t>
             </a:r>
+            <a:endParaRPr lang="en-US" altLang="zh-CN" sz="1600" dirty="0">
+              <a:solidFill>
+                <a:schemeClr val="tx1"/>
+              </a:solidFill>
+            </a:endParaRPr>
           </a:p>
           <a:p>
             <a:r>
@@ -11343,6 +11520,11 @@
               </a:rPr>
               <a:t>show();</a:t>
             </a:r>
+            <a:endParaRPr lang="en-US" altLang="zh-CN" sz="1600" dirty="0">
+              <a:solidFill>
+                <a:schemeClr val="tx1"/>
+              </a:solidFill>
+            </a:endParaRPr>
           </a:p>
           <a:p>
             <a:r>
@@ -11510,12 +11692,14 @@
               <a:rPr lang="en-US" altLang="zh-CN" dirty="0"/>
               <a:t>show()</a:t>
             </a:r>
+            <a:endParaRPr lang="en-US" altLang="zh-CN" dirty="0"/>
           </a:p>
           <a:p>
             <a:r>
               <a:rPr lang="en-US" altLang="zh-CN" dirty="0"/>
               <a:t>{</a:t>
             </a:r>
+            <a:endParaRPr lang="en-US" altLang="zh-CN" dirty="0"/>
           </a:p>
           <a:p>
             <a:r>
@@ -11534,12 +11718,14 @@
               <a:rPr lang="en-US" altLang="zh-CN" dirty="0"/>
               <a:t> &lt;&lt; "Company: " &lt;&lt; company</a:t>
             </a:r>
+            <a:endParaRPr lang="en-US" altLang="zh-CN" dirty="0"/>
           </a:p>
           <a:p>
             <a:r>
               <a:rPr lang="en-US" altLang="zh-CN" dirty="0"/>
               <a:t>&lt;&lt; " Shares: " &lt;&lt; shares &lt;&lt; ‘\n’</a:t>
             </a:r>
+            <a:endParaRPr lang="en-US" altLang="zh-CN" dirty="0"/>
           </a:p>
           <a:p>
             <a:r>
@@ -11565,6 +11751,7 @@
               <a:rPr lang="en-US" altLang="zh-CN" dirty="0"/>
               <a:t> &lt;&lt; ‘\n’;</a:t>
             </a:r>
+            <a:endParaRPr lang="en-US" altLang="zh-CN" dirty="0"/>
           </a:p>
           <a:p>
             <a:r>
@@ -11576,11 +11763,6 @@
         </p:txBody>
       </p:sp>
     </p:spTree>
-    <p:extLst>
-      <p:ext uri="{BB962C8B-B14F-4D97-AF65-F5344CB8AC3E}">
-        <p14:creationId xmlns:p14="http://schemas.microsoft.com/office/powerpoint/2010/main" val="2727941003"/>
-      </p:ext>
-    </p:extLst>
   </p:cSld>
   <p:clrMapOvr>
     <a:masterClrMapping/>
@@ -11727,6 +11909,11 @@
               </a:rPr>
               <a:t>Stock class interface</a:t>
             </a:r>
+            <a:endParaRPr lang="en-US" altLang="zh-CN" dirty="0">
+              <a:solidFill>
+                <a:srgbClr val="FF0000"/>
+              </a:solidFill>
+            </a:endParaRPr>
           </a:p>
           <a:p>
             <a:r>
@@ -11737,6 +11924,11 @@
               </a:rPr>
               <a:t>// version 00</a:t>
             </a:r>
+            <a:endParaRPr lang="en-US" altLang="zh-CN" dirty="0">
+              <a:solidFill>
+                <a:schemeClr val="tx1"/>
+              </a:solidFill>
+            </a:endParaRPr>
           </a:p>
           <a:p>
             <a:r>
@@ -11763,6 +11955,11 @@
               </a:rPr>
               <a:t> STOCK00_H_</a:t>
             </a:r>
+            <a:endParaRPr lang="en-US" altLang="zh-CN" dirty="0">
+              <a:solidFill>
+                <a:schemeClr val="tx1"/>
+              </a:solidFill>
+            </a:endParaRPr>
           </a:p>
           <a:p>
             <a:r>
@@ -11773,6 +11970,11 @@
               </a:rPr>
               <a:t>#define STOCK00_H_</a:t>
             </a:r>
+            <a:endParaRPr lang="en-US" altLang="zh-CN" dirty="0">
+              <a:solidFill>
+                <a:schemeClr val="tx1"/>
+              </a:solidFill>
+            </a:endParaRPr>
           </a:p>
           <a:p>
             <a:r>
@@ -11783,6 +11985,11 @@
               </a:rPr>
               <a:t>#include &lt;string&gt;</a:t>
             </a:r>
+            <a:endParaRPr lang="en-US" altLang="zh-CN" dirty="0">
+              <a:solidFill>
+                <a:schemeClr val="tx1"/>
+              </a:solidFill>
+            </a:endParaRPr>
           </a:p>
           <a:p>
             <a:r>
@@ -11801,6 +12008,11 @@
               </a:rPr>
               <a:t>// class declaration</a:t>
             </a:r>
+            <a:endParaRPr lang="en-US" altLang="zh-CN" dirty="0">
+              <a:solidFill>
+                <a:srgbClr val="FF0000"/>
+              </a:solidFill>
+            </a:endParaRPr>
           </a:p>
           <a:p>
             <a:r>
@@ -11811,6 +12023,11 @@
               </a:rPr>
               <a:t>{</a:t>
             </a:r>
+            <a:endParaRPr lang="en-US" altLang="zh-CN" dirty="0">
+              <a:solidFill>
+                <a:schemeClr val="tx1"/>
+              </a:solidFill>
+            </a:endParaRPr>
           </a:p>
           <a:p>
             <a:r>
@@ -11821,6 +12038,11 @@
               </a:rPr>
               <a:t>private:</a:t>
             </a:r>
+            <a:endParaRPr lang="en-US" altLang="zh-CN" dirty="0">
+              <a:solidFill>
+                <a:schemeClr val="tx1"/>
+              </a:solidFill>
+            </a:endParaRPr>
           </a:p>
           <a:p>
             <a:r>
@@ -11855,6 +12077,11 @@
               </a:rPr>
               <a:t>::string company;</a:t>
             </a:r>
+            <a:endParaRPr lang="en-US" altLang="zh-CN" dirty="0">
+              <a:solidFill>
+                <a:schemeClr val="tx1"/>
+              </a:solidFill>
+            </a:endParaRPr>
           </a:p>
           <a:p>
             <a:r>
@@ -11881,6 +12108,11 @@
               </a:rPr>
               <a:t>shares;</a:t>
             </a:r>
+            <a:endParaRPr lang="en-US" altLang="zh-CN" dirty="0">
+              <a:solidFill>
+                <a:schemeClr val="tx1"/>
+              </a:solidFill>
+            </a:endParaRPr>
           </a:p>
           <a:p>
             <a:r>
@@ -11907,6 +12139,11 @@
               </a:rPr>
               <a:t>;</a:t>
             </a:r>
+            <a:endParaRPr lang="en-US" altLang="zh-CN" dirty="0">
+              <a:solidFill>
+                <a:schemeClr val="tx1"/>
+              </a:solidFill>
+            </a:endParaRPr>
           </a:p>
           <a:p>
             <a:r>
@@ -11933,6 +12170,11 @@
               </a:rPr>
               <a:t>;</a:t>
             </a:r>
+            <a:endParaRPr lang="en-US" altLang="zh-CN" dirty="0">
+              <a:solidFill>
+                <a:schemeClr val="tx1"/>
+              </a:solidFill>
+            </a:endParaRPr>
           </a:p>
           <a:p>
             <a:r>
@@ -11991,6 +12233,11 @@
               </a:rPr>
               <a:t>; }</a:t>
             </a:r>
+            <a:endParaRPr lang="en-US" altLang="zh-CN" dirty="0">
+              <a:solidFill>
+                <a:schemeClr val="tx1"/>
+              </a:solidFill>
+            </a:endParaRPr>
           </a:p>
           <a:p>
             <a:r>
@@ -12001,6 +12248,11 @@
               </a:rPr>
               <a:t>public:</a:t>
             </a:r>
+            <a:endParaRPr lang="en-US" altLang="zh-CN" dirty="0">
+              <a:solidFill>
+                <a:schemeClr val="tx1"/>
+              </a:solidFill>
+            </a:endParaRPr>
           </a:p>
           <a:p>
             <a:r>
@@ -12067,6 +12319,11 @@
               </a:rPr>
               <a:t>);</a:t>
             </a:r>
+            <a:endParaRPr lang="en-US" altLang="zh-CN" dirty="0">
+              <a:solidFill>
+                <a:schemeClr val="tx1"/>
+              </a:solidFill>
+            </a:endParaRPr>
           </a:p>
           <a:p>
             <a:r>
@@ -12101,6 +12358,11 @@
               </a:rPr>
               <a:t>, double price);</a:t>
             </a:r>
+            <a:endParaRPr lang="en-US" altLang="zh-CN" dirty="0">
+              <a:solidFill>
+                <a:schemeClr val="tx1"/>
+              </a:solidFill>
+            </a:endParaRPr>
           </a:p>
           <a:p>
             <a:r>
@@ -12135,6 +12397,11 @@
               </a:rPr>
               <a:t>, double price);</a:t>
             </a:r>
+            <a:endParaRPr lang="en-US" altLang="zh-CN" dirty="0">
+              <a:solidFill>
+                <a:schemeClr val="tx1"/>
+              </a:solidFill>
+            </a:endParaRPr>
           </a:p>
           <a:p>
             <a:r>
@@ -12153,6 +12420,11 @@
               </a:rPr>
               <a:t>update(double price);</a:t>
             </a:r>
+            <a:endParaRPr lang="en-US" altLang="zh-CN" dirty="0">
+              <a:solidFill>
+                <a:schemeClr val="tx1"/>
+              </a:solidFill>
+            </a:endParaRPr>
           </a:p>
           <a:p>
             <a:r>
@@ -12171,6 +12443,11 @@
               </a:rPr>
               <a:t>show();</a:t>
             </a:r>
+            <a:endParaRPr lang="en-US" altLang="zh-CN" dirty="0">
+              <a:solidFill>
+                <a:schemeClr val="tx1"/>
+              </a:solidFill>
+            </a:endParaRPr>
           </a:p>
           <a:p>
             <a:r>
@@ -12181,6 +12458,11 @@
               </a:rPr>
               <a:t>}; // note semicolon at the end</a:t>
             </a:r>
+            <a:endParaRPr lang="en-US" altLang="zh-CN" dirty="0">
+              <a:solidFill>
+                <a:schemeClr val="tx1"/>
+              </a:solidFill>
+            </a:endParaRPr>
           </a:p>
           <a:p>
             <a:r>
@@ -12208,11 +12490,6 @@
         </p:txBody>
       </p:sp>
     </p:spTree>
-    <p:extLst>
-      <p:ext uri="{BB962C8B-B14F-4D97-AF65-F5344CB8AC3E}">
-        <p14:creationId xmlns:p14="http://schemas.microsoft.com/office/powerpoint/2010/main" val="1260287232"/>
-      </p:ext>
-    </p:extLst>
   </p:cSld>
   <p:clrMapOvr>
     <a:masterClrMapping/>
@@ -12363,6 +12640,11 @@
               </a:rPr>
               <a:t>implementing the Stock class</a:t>
             </a:r>
+            <a:endParaRPr lang="en-US" altLang="zh-CN" sz="1600" dirty="0">
+              <a:solidFill>
+                <a:srgbClr val="FF0000"/>
+              </a:solidFill>
+            </a:endParaRPr>
           </a:p>
           <a:p>
             <a:r>
@@ -12373,6 +12655,11 @@
               </a:rPr>
               <a:t>// version 00</a:t>
             </a:r>
+            <a:endParaRPr lang="en-US" altLang="zh-CN" sz="1600" dirty="0">
+              <a:solidFill>
+                <a:schemeClr val="tx1"/>
+              </a:solidFill>
+            </a:endParaRPr>
           </a:p>
           <a:p>
             <a:r>
@@ -12399,6 +12686,11 @@
               </a:rPr>
               <a:t>&gt;</a:t>
             </a:r>
+            <a:endParaRPr lang="en-US" altLang="zh-CN" sz="1600" dirty="0">
+              <a:solidFill>
+                <a:schemeClr val="tx1"/>
+              </a:solidFill>
+            </a:endParaRPr>
           </a:p>
           <a:p>
             <a:r>
@@ -12431,126 +12723,6 @@
               </a:rPr>
               <a:t>…</a:t>
             </a:r>
-          </a:p>
-          <a:p>
-            <a:r>
-              <a:rPr lang="en-US" altLang="zh-CN" sz="1600" dirty="0" smtClean="0">
-                <a:solidFill>
-                  <a:schemeClr val="tx1"/>
-                </a:solidFill>
-              </a:rPr>
-              <a:t>…</a:t>
-            </a:r>
-          </a:p>
-          <a:p>
-            <a:r>
-              <a:rPr lang="en-US" altLang="zh-CN" sz="1600" dirty="0" smtClean="0">
-                <a:solidFill>
-                  <a:schemeClr val="tx1"/>
-                </a:solidFill>
-              </a:rPr>
-              <a:t>…</a:t>
-            </a:r>
-          </a:p>
-          <a:p>
-            <a:r>
-              <a:rPr lang="en-US" altLang="zh-CN" sz="1600" dirty="0">
-                <a:solidFill>
-                  <a:schemeClr val="tx1"/>
-                </a:solidFill>
-              </a:rPr>
-              <a:t>void </a:t>
-            </a:r>
-            <a:r>
-              <a:rPr lang="en-US" altLang="zh-CN" sz="1600" b="1" dirty="0">
-                <a:solidFill>
-                  <a:srgbClr val="00B050"/>
-                </a:solidFill>
-              </a:rPr>
-              <a:t>Stock::</a:t>
-            </a:r>
-            <a:r>
-              <a:rPr lang="en-US" altLang="zh-CN" sz="1600" dirty="0">
-                <a:solidFill>
-                  <a:schemeClr val="tx1"/>
-                </a:solidFill>
-              </a:rPr>
-              <a:t>update(double price)</a:t>
-            </a:r>
-          </a:p>
-          <a:p>
-            <a:r>
-              <a:rPr lang="en-US" altLang="zh-CN" sz="1600" dirty="0">
-                <a:solidFill>
-                  <a:schemeClr val="tx1"/>
-                </a:solidFill>
-              </a:rPr>
-              <a:t>{</a:t>
-            </a:r>
-          </a:p>
-          <a:p>
-            <a:r>
-              <a:rPr lang="en-US" altLang="zh-CN" sz="1600" dirty="0">
-                <a:solidFill>
-                  <a:schemeClr val="tx1"/>
-                </a:solidFill>
-              </a:rPr>
-              <a:t>     </a:t>
-            </a:r>
-            <a:r>
-              <a:rPr lang="en-US" altLang="zh-CN" sz="1600" dirty="0" err="1">
-                <a:solidFill>
-                  <a:schemeClr val="tx1"/>
-                </a:solidFill>
-              </a:rPr>
-              <a:t>share_val</a:t>
-            </a:r>
-            <a:r>
-              <a:rPr lang="en-US" altLang="zh-CN" sz="1600" dirty="0">
-                <a:solidFill>
-                  <a:schemeClr val="tx1"/>
-                </a:solidFill>
-              </a:rPr>
-              <a:t> = price;</a:t>
-            </a:r>
-          </a:p>
-          <a:p>
-            <a:r>
-              <a:rPr lang="en-US" altLang="zh-CN" sz="1600" dirty="0">
-                <a:solidFill>
-                  <a:schemeClr val="tx1"/>
-                </a:solidFill>
-              </a:rPr>
-              <a:t>     </a:t>
-            </a:r>
-            <a:r>
-              <a:rPr lang="en-US" altLang="zh-CN" sz="1600" dirty="0" err="1">
-                <a:solidFill>
-                  <a:schemeClr val="tx1"/>
-                </a:solidFill>
-              </a:rPr>
-              <a:t>set_tot</a:t>
-            </a:r>
-            <a:r>
-              <a:rPr lang="en-US" altLang="zh-CN" sz="1600" dirty="0">
-                <a:solidFill>
-                  <a:schemeClr val="tx1"/>
-                </a:solidFill>
-              </a:rPr>
-              <a:t>();</a:t>
-            </a:r>
-          </a:p>
-          <a:p>
-            <a:r>
-              <a:rPr lang="en-US" altLang="zh-CN" sz="1600" dirty="0">
-                <a:solidFill>
-                  <a:schemeClr val="tx1"/>
-                </a:solidFill>
-              </a:rPr>
-              <a:t>}</a:t>
-            </a:r>
-          </a:p>
-          <a:p>
             <a:endParaRPr lang="en-US" altLang="zh-CN" sz="1600" dirty="0" smtClean="0">
               <a:solidFill>
                 <a:schemeClr val="tx1"/>
@@ -12566,6 +12738,171 @@
               </a:rPr>
               <a:t>…</a:t>
             </a:r>
+            <a:endParaRPr lang="en-US" altLang="zh-CN" sz="1600" dirty="0" smtClean="0">
+              <a:solidFill>
+                <a:schemeClr val="tx1"/>
+              </a:solidFill>
+            </a:endParaRPr>
+          </a:p>
+          <a:p>
+            <a:r>
+              <a:rPr lang="en-US" altLang="zh-CN" sz="1600" dirty="0" smtClean="0">
+                <a:solidFill>
+                  <a:schemeClr val="tx1"/>
+                </a:solidFill>
+              </a:rPr>
+              <a:t>…</a:t>
+            </a:r>
+            <a:endParaRPr lang="en-US" altLang="zh-CN" sz="1600" dirty="0" smtClean="0">
+              <a:solidFill>
+                <a:schemeClr val="tx1"/>
+              </a:solidFill>
+            </a:endParaRPr>
+          </a:p>
+          <a:p>
+            <a:r>
+              <a:rPr lang="en-US" altLang="zh-CN" sz="1600" dirty="0">
+                <a:solidFill>
+                  <a:schemeClr val="tx1"/>
+                </a:solidFill>
+              </a:rPr>
+              <a:t>void </a:t>
+            </a:r>
+            <a:r>
+              <a:rPr lang="en-US" altLang="zh-CN" sz="1600" b="1" dirty="0">
+                <a:solidFill>
+                  <a:srgbClr val="00B050"/>
+                </a:solidFill>
+              </a:rPr>
+              <a:t>Stock::</a:t>
+            </a:r>
+            <a:r>
+              <a:rPr lang="en-US" altLang="zh-CN" sz="1600" dirty="0">
+                <a:solidFill>
+                  <a:schemeClr val="tx1"/>
+                </a:solidFill>
+              </a:rPr>
+              <a:t>update(double price)</a:t>
+            </a:r>
+            <a:endParaRPr lang="en-US" altLang="zh-CN" sz="1600" dirty="0">
+              <a:solidFill>
+                <a:schemeClr val="tx1"/>
+              </a:solidFill>
+            </a:endParaRPr>
+          </a:p>
+          <a:p>
+            <a:r>
+              <a:rPr lang="en-US" altLang="zh-CN" sz="1600" dirty="0">
+                <a:solidFill>
+                  <a:schemeClr val="tx1"/>
+                </a:solidFill>
+              </a:rPr>
+              <a:t>{</a:t>
+            </a:r>
+            <a:endParaRPr lang="en-US" altLang="zh-CN" sz="1600" dirty="0">
+              <a:solidFill>
+                <a:schemeClr val="tx1"/>
+              </a:solidFill>
+            </a:endParaRPr>
+          </a:p>
+          <a:p>
+            <a:r>
+              <a:rPr lang="en-US" altLang="zh-CN" sz="1600" dirty="0">
+                <a:solidFill>
+                  <a:schemeClr val="tx1"/>
+                </a:solidFill>
+              </a:rPr>
+              <a:t>     </a:t>
+            </a:r>
+            <a:r>
+              <a:rPr lang="en-US" altLang="zh-CN" sz="1600" dirty="0" err="1">
+                <a:solidFill>
+                  <a:schemeClr val="tx1"/>
+                </a:solidFill>
+              </a:rPr>
+              <a:t>share_val</a:t>
+            </a:r>
+            <a:r>
+              <a:rPr lang="en-US" altLang="zh-CN" sz="1600" dirty="0">
+                <a:solidFill>
+                  <a:schemeClr val="tx1"/>
+                </a:solidFill>
+              </a:rPr>
+              <a:t> = price;</a:t>
+            </a:r>
+            <a:endParaRPr lang="en-US" altLang="zh-CN" sz="1600" dirty="0">
+              <a:solidFill>
+                <a:schemeClr val="tx1"/>
+              </a:solidFill>
+            </a:endParaRPr>
+          </a:p>
+          <a:p>
+            <a:r>
+              <a:rPr lang="en-US" altLang="zh-CN" sz="1600" dirty="0">
+                <a:solidFill>
+                  <a:schemeClr val="tx1"/>
+                </a:solidFill>
+              </a:rPr>
+              <a:t>     </a:t>
+            </a:r>
+            <a:r>
+              <a:rPr lang="en-US" altLang="zh-CN" sz="1600" dirty="0" err="1">
+                <a:solidFill>
+                  <a:schemeClr val="tx1"/>
+                </a:solidFill>
+              </a:rPr>
+              <a:t>set_tot</a:t>
+            </a:r>
+            <a:r>
+              <a:rPr lang="en-US" altLang="zh-CN" sz="1600" dirty="0">
+                <a:solidFill>
+                  <a:schemeClr val="tx1"/>
+                </a:solidFill>
+              </a:rPr>
+              <a:t>();</a:t>
+            </a:r>
+            <a:endParaRPr lang="en-US" altLang="zh-CN" sz="1600" dirty="0">
+              <a:solidFill>
+                <a:schemeClr val="tx1"/>
+              </a:solidFill>
+            </a:endParaRPr>
+          </a:p>
+          <a:p>
+            <a:r>
+              <a:rPr lang="en-US" altLang="zh-CN" sz="1600" dirty="0">
+                <a:solidFill>
+                  <a:schemeClr val="tx1"/>
+                </a:solidFill>
+              </a:rPr>
+              <a:t>}</a:t>
+            </a:r>
+            <a:endParaRPr lang="en-US" altLang="zh-CN" sz="1600" dirty="0">
+              <a:solidFill>
+                <a:schemeClr val="tx1"/>
+              </a:solidFill>
+            </a:endParaRPr>
+          </a:p>
+          <a:p>
+            <a:endParaRPr lang="en-US" altLang="zh-CN" sz="1600" dirty="0" smtClean="0">
+              <a:solidFill>
+                <a:schemeClr val="tx1"/>
+              </a:solidFill>
+            </a:endParaRPr>
+          </a:p>
+          <a:p>
+            <a:r>
+              <a:rPr lang="en-US" altLang="zh-CN" sz="1600" dirty="0" smtClean="0">
+                <a:solidFill>
+                  <a:schemeClr val="tx1"/>
+                </a:solidFill>
+              </a:rPr>
+              <a:t>…</a:t>
+            </a:r>
+            <a:endParaRPr lang="en-US" altLang="zh-CN" sz="1600" dirty="0" smtClean="0">
+              <a:solidFill>
+                <a:schemeClr val="tx1"/>
+              </a:solidFill>
+            </a:endParaRPr>
           </a:p>
           <a:p>
             <a:r>
@@ -12585,11 +12922,6 @@
         </p:txBody>
       </p:sp>
     </p:spTree>
-    <p:extLst>
-      <p:ext uri="{BB962C8B-B14F-4D97-AF65-F5344CB8AC3E}">
-        <p14:creationId xmlns:p14="http://schemas.microsoft.com/office/powerpoint/2010/main" val="4172851999"/>
-      </p:ext>
-    </p:extLst>
   </p:cSld>
   <p:clrMapOvr>
     <a:masterClrMapping/>
@@ -12652,7 +12984,7 @@
             <a:endParaRPr lang="en-US" altLang="zh-CN" sz="2000" dirty="0" smtClean="0"/>
           </a:p>
           <a:p>
-            <a:pPr marL="109535" indent="0">
+            <a:pPr marL="109220" indent="0">
               <a:buNone/>
             </a:pPr>
             <a:r>
@@ -12666,7 +12998,7 @@
             <a:endParaRPr lang="en-US" altLang="zh-CN" sz="2000" dirty="0"/>
           </a:p>
           <a:p>
-            <a:pPr marL="109535" indent="0">
+            <a:pPr marL="109220" indent="0">
               <a:buNone/>
             </a:pPr>
             <a:r>
@@ -12681,9 +13013,10 @@
               <a:rPr lang="en-US" altLang="zh-CN" sz="2000" dirty="0"/>
               <a:t>, joe; </a:t>
             </a:r>
-          </a:p>
-          <a:p>
-            <a:pPr marL="109535" indent="0">
+            <a:endParaRPr lang="en-US" altLang="zh-CN" sz="2000" dirty="0"/>
+          </a:p>
+          <a:p>
+            <a:pPr marL="109220" indent="0">
               <a:buNone/>
             </a:pPr>
             <a:r>
@@ -12697,7 +13030,7 @@
             <a:endParaRPr lang="en-US" altLang="zh-CN" sz="2000" dirty="0"/>
           </a:p>
           <a:p>
-            <a:pPr marL="109535" indent="0">
+            <a:pPr marL="109220" indent="0">
               <a:buNone/>
             </a:pPr>
             <a:r>
@@ -12712,18 +13045,20 @@
               <a:rPr lang="en-US" altLang="zh-CN" sz="2000" dirty="0"/>
               <a:t>, joe;</a:t>
             </a:r>
-          </a:p>
-          <a:p>
-            <a:pPr marL="109535" indent="0">
+            <a:endParaRPr lang="en-US" altLang="zh-CN" sz="2000" dirty="0"/>
+          </a:p>
+          <a:p>
+            <a:pPr marL="109220" indent="0">
               <a:buNone/>
             </a:pPr>
             <a:r>
               <a:rPr lang="en-US" altLang="zh-CN" sz="2000" dirty="0"/>
               <a:t>(3) Object definition of anonymous class:</a:t>
             </a:r>
-          </a:p>
-          <a:p>
-            <a:pPr marL="109535" indent="0">
+            <a:endParaRPr lang="en-US" altLang="zh-CN" sz="2000" dirty="0"/>
+          </a:p>
+          <a:p>
+            <a:pPr marL="109220" indent="0">
               <a:buNone/>
             </a:pPr>
             <a:r>
@@ -12742,15 +13077,16 @@
               <a:rPr lang="en-US" altLang="zh-CN" sz="2000" dirty="0" smtClean="0"/>
               <a:t>;</a:t>
             </a:r>
-          </a:p>
-          <a:p>
-            <a:pPr marL="109535" indent="0">
+            <a:endParaRPr lang="en-US" altLang="zh-CN" sz="2000" dirty="0" smtClean="0"/>
+          </a:p>
+          <a:p>
+            <a:pPr marL="109220" indent="0">
               <a:buNone/>
             </a:pPr>
             <a:endParaRPr lang="en-US" altLang="zh-CN" sz="2000" dirty="0"/>
           </a:p>
           <a:p>
-            <a:pPr marL="109535" indent="0">
+            <a:pPr marL="109220" indent="0">
               <a:buNone/>
             </a:pPr>
             <a:endParaRPr lang="zh-CN" altLang="en-US" sz="2000" dirty="0"/>
@@ -12791,11 +13127,6 @@
         </p:txBody>
       </p:sp>
     </p:spTree>
-    <p:extLst>
-      <p:ext uri="{BB962C8B-B14F-4D97-AF65-F5344CB8AC3E}">
-        <p14:creationId xmlns:p14="http://schemas.microsoft.com/office/powerpoint/2010/main" val="3568326441"/>
-      </p:ext>
-    </p:extLst>
   </p:cSld>
   <p:clrMapOvr>
     <a:masterClrMapping/>
@@ -12854,7 +13185,7 @@
             <a:endParaRPr lang="en-US" altLang="zh-CN" sz="2000" dirty="0"/>
           </a:p>
           <a:p>
-            <a:pPr marL="109535" indent="0">
+            <a:pPr marL="109220" indent="0">
               <a:buNone/>
             </a:pPr>
             <a:r>
@@ -12881,6 +13212,7 @@
               <a:rPr lang="en-US" altLang="zh-CN" sz="2000" dirty="0"/>
               <a:t>();</a:t>
             </a:r>
+            <a:endParaRPr lang="en-US" altLang="zh-CN" sz="2000" dirty="0"/>
           </a:p>
           <a:p>
             <a:endParaRPr lang="en-US" altLang="zh-CN" sz="2000" dirty="0" smtClean="0"/>
@@ -12901,7 +13233,7 @@
             <a:endParaRPr lang="en-US" altLang="zh-CN" sz="2000" dirty="0" smtClean="0"/>
           </a:p>
           <a:p>
-            <a:pPr marL="109535" indent="0">
+            <a:pPr marL="109220" indent="0">
               <a:buNone/>
             </a:pPr>
             <a:r>
@@ -12915,7 +13247,7 @@
             <a:endParaRPr lang="en-US" altLang="zh-CN" sz="2000" dirty="0" smtClean="0"/>
           </a:p>
           <a:p>
-            <a:pPr marL="109535" indent="0">
+            <a:pPr marL="109220" indent="0">
               <a:buNone/>
             </a:pPr>
             <a:r>
@@ -12933,7 +13265,7 @@
             <a:endParaRPr lang="en-US" altLang="zh-CN" sz="2000" dirty="0" smtClean="0"/>
           </a:p>
           <a:p>
-            <a:pPr marL="109535" indent="0">
+            <a:pPr marL="109220" indent="0">
               <a:buNone/>
             </a:pPr>
             <a:r>
@@ -12968,9 +13300,10 @@
               <a:rPr lang="en-US" altLang="zh-CN" sz="2000" dirty="0" smtClean="0"/>
               <a:t>; </a:t>
             </a:r>
-          </a:p>
-          <a:p>
-            <a:pPr marL="109535" indent="0">
+            <a:endParaRPr lang="en-US" altLang="zh-CN" sz="2000" dirty="0" smtClean="0"/>
+          </a:p>
+          <a:p>
+            <a:pPr marL="109220" indent="0">
               <a:buNone/>
             </a:pPr>
             <a:r>
@@ -12984,7 +13317,7 @@
             <a:endParaRPr lang="en-US" altLang="zh-CN" sz="2000" dirty="0" smtClean="0"/>
           </a:p>
           <a:p>
-            <a:pPr marL="109535" indent="0">
+            <a:pPr marL="109220" indent="0">
               <a:buNone/>
             </a:pPr>
             <a:r>
@@ -13057,11 +13390,6 @@
         </p:txBody>
       </p:sp>
     </p:spTree>
-    <p:extLst>
-      <p:ext uri="{BB962C8B-B14F-4D97-AF65-F5344CB8AC3E}">
-        <p14:creationId xmlns:p14="http://schemas.microsoft.com/office/powerpoint/2010/main" val="2303476648"/>
-      </p:ext>
-    </p:extLst>
   </p:cSld>
   <p:clrMapOvr>
     <a:masterClrMapping/>
@@ -13102,7 +13430,7 @@
           <p:nvPr/>
         </p:nvPicPr>
         <p:blipFill>
-          <a:blip r:embed="rId2"/>
+          <a:blip r:embed="rId1"/>
           <a:stretch>
             <a:fillRect/>
           </a:stretch>
@@ -13584,11 +13912,6 @@
         </p:txBody>
       </p:sp>
     </p:spTree>
-    <p:extLst>
-      <p:ext uri="{BB962C8B-B14F-4D97-AF65-F5344CB8AC3E}">
-        <p14:creationId xmlns:p14="http://schemas.microsoft.com/office/powerpoint/2010/main" val="218390992"/>
-      </p:ext>
-    </p:extLst>
   </p:cSld>
   <p:clrMapOvr>
     <a:masterClrMapping/>
@@ -13647,7 +13970,7 @@
           <a:p>
             <a:pPr lvl="0"/>
             <a:r>
-              <a:rPr lang="en" altLang="zh-CN" sz="3300" dirty="0" smtClean="0"/>
+              <a:rPr lang="en-GB" altLang="zh-CN" sz="3300" dirty="0" smtClean="0"/>
               <a:t>#</a:t>
             </a:r>
             <a:r>
@@ -13706,6 +14029,7 @@
               <a:rPr lang="en-US" altLang="zh-CN" sz="2000" dirty="0"/>
               <a:t>to define and implement a class</a:t>
             </a:r>
+            <a:endParaRPr lang="en-US" altLang="zh-CN" sz="2000" dirty="0"/>
           </a:p>
           <a:p>
             <a:pPr marL="342900" lvl="0" indent="-342900">
@@ -13720,6 +14044,7 @@
               <a:rPr lang="en-US" altLang="zh-CN" sz="2000" dirty="0"/>
               <a:t>and private class access</a:t>
             </a:r>
+            <a:endParaRPr lang="en-US" altLang="zh-CN" sz="2000" dirty="0"/>
           </a:p>
           <a:p>
             <a:pPr marL="342900" lvl="0" indent="-342900">
@@ -13734,6 +14059,7 @@
               <a:rPr lang="en-US" altLang="zh-CN" sz="2000" dirty="0"/>
               <a:t>data members</a:t>
             </a:r>
+            <a:endParaRPr lang="en-US" altLang="zh-CN" sz="2000" dirty="0"/>
           </a:p>
           <a:p>
             <a:pPr marL="342900" lvl="0" indent="-342900">
@@ -13748,6 +14074,7 @@
               <a:rPr lang="en-US" altLang="zh-CN" sz="2000" dirty="0"/>
               <a:t>methods (also called class function members)</a:t>
             </a:r>
+            <a:endParaRPr lang="en-US" altLang="zh-CN" sz="2000" dirty="0"/>
           </a:p>
           <a:p>
             <a:pPr marL="342900" lvl="0" indent="-342900">
@@ -13766,6 +14093,7 @@
               <a:rPr lang="en-US" altLang="zh-CN" sz="2000" dirty="0" smtClean="0"/>
               <a:t>objects</a:t>
             </a:r>
+            <a:endParaRPr lang="en-US" altLang="zh-CN" sz="2000" dirty="0" smtClean="0"/>
           </a:p>
           <a:p>
             <a:pPr marL="342900" lvl="0" indent="-342900">
@@ -13776,6 +14104,7 @@
               <a:rPr lang="en-US" altLang="zh-CN" sz="2000" dirty="0"/>
               <a:t>Class constructors and destructors</a:t>
             </a:r>
+            <a:endParaRPr lang="en-US" altLang="zh-CN" sz="2000" dirty="0"/>
           </a:p>
           <a:p>
             <a:pPr marL="342900" lvl="0" indent="-342900">
@@ -13806,6 +14135,7 @@
               <a:rPr lang="en-US" altLang="zh-CN" sz="2000" dirty="0"/>
               <a:t>functions</a:t>
             </a:r>
+            <a:endParaRPr lang="en-US" altLang="zh-CN" sz="2000" dirty="0"/>
           </a:p>
           <a:p>
             <a:pPr marL="342900" lvl="0" indent="-342900">
@@ -13816,6 +14146,7 @@
               <a:rPr lang="en-US" altLang="zh-CN" sz="2000" dirty="0"/>
               <a:t>The this pointer</a:t>
             </a:r>
+            <a:endParaRPr lang="en-US" altLang="zh-CN" sz="2000" dirty="0"/>
           </a:p>
           <a:p>
             <a:pPr marL="342900" lvl="0" indent="-342900">
@@ -13826,6 +14157,7 @@
               <a:rPr lang="en-US" altLang="zh-CN" sz="2000" dirty="0"/>
               <a:t>Creating arrays of objects</a:t>
             </a:r>
+            <a:endParaRPr lang="en-US" altLang="zh-CN" sz="2000" dirty="0"/>
           </a:p>
           <a:p>
             <a:pPr marL="0" lvl="0" indent="0">
@@ -13836,11 +14168,6 @@
         </p:txBody>
       </p:sp>
     </p:spTree>
-    <p:extLst>
-      <p:ext uri="{BB962C8B-B14F-4D97-AF65-F5344CB8AC3E}">
-        <p14:creationId xmlns:p14="http://schemas.microsoft.com/office/powerpoint/2010/main" val="3999632756"/>
-      </p:ext>
-    </p:extLst>
   </p:cSld>
   <p:clrMapOvr>
     <a:masterClrMapping/>
@@ -13925,7 +14252,7 @@
           <a:bodyPr/>
           <a:lstStyle/>
           <a:p>
-            <a:pPr marL="109535" indent="0">
+            <a:pPr marL="109220" indent="0">
               <a:buNone/>
             </a:pPr>
             <a:endParaRPr lang="zh-CN" altLang="en-US" sz="2000" dirty="0"/>
@@ -13970,7 +14297,7 @@
           <a:bodyPr rtlCol="0" anchor="ctr"/>
           <a:lstStyle/>
           <a:p>
-            <a:pPr marL="109535" indent="0">
+            <a:pPr marL="109220" indent="0">
               <a:buNone/>
             </a:pPr>
             <a:r>
@@ -13989,9 +14316,14 @@
               </a:rPr>
               <a:t> main()</a:t>
             </a:r>
-          </a:p>
-          <a:p>
-            <a:pPr marL="109535" indent="0">
+            <a:endParaRPr lang="en-US" altLang="zh-CN" sz="1600" dirty="0">
+              <a:solidFill>
+                <a:schemeClr val="tx1"/>
+              </a:solidFill>
+            </a:endParaRPr>
+          </a:p>
+          <a:p>
+            <a:pPr marL="109220" indent="0">
               <a:buNone/>
             </a:pPr>
             <a:r>
@@ -14002,9 +14334,14 @@
               </a:rPr>
               <a:t>{</a:t>
             </a:r>
-          </a:p>
-          <a:p>
-            <a:pPr marL="109535" indent="0">
+            <a:endParaRPr lang="en-US" altLang="zh-CN" sz="1600" dirty="0">
+              <a:solidFill>
+                <a:schemeClr val="tx1"/>
+              </a:solidFill>
+            </a:endParaRPr>
+          </a:p>
+          <a:p>
+            <a:pPr marL="109220" indent="0">
               <a:buNone/>
             </a:pPr>
             <a:r>
@@ -14039,9 +14376,14 @@
               </a:rPr>
               <a:t>;</a:t>
             </a:r>
-          </a:p>
-          <a:p>
-            <a:pPr marL="109535" indent="0">
+            <a:endParaRPr lang="en-US" altLang="zh-CN" sz="1600" dirty="0" smtClean="0">
+              <a:solidFill>
+                <a:schemeClr val="tx1"/>
+              </a:solidFill>
+            </a:endParaRPr>
+          </a:p>
+          <a:p>
+            <a:pPr marL="109220" indent="0">
               <a:buNone/>
             </a:pPr>
             <a:endParaRPr lang="en-US" altLang="zh-CN" sz="1600" dirty="0">
@@ -14051,7 +14393,7 @@
             </a:endParaRPr>
           </a:p>
           <a:p>
-            <a:pPr marL="109535" indent="0">
+            <a:pPr marL="109220" indent="0">
               <a:buNone/>
             </a:pPr>
             <a:r>
@@ -14078,9 +14420,14 @@
               </a:rPr>
               <a:t>();</a:t>
             </a:r>
-          </a:p>
-          <a:p>
-            <a:pPr marL="109535" indent="0">
+            <a:endParaRPr lang="en-US" altLang="zh-CN" sz="1600" dirty="0">
+              <a:solidFill>
+                <a:schemeClr val="tx1"/>
+              </a:solidFill>
+            </a:endParaRPr>
+          </a:p>
+          <a:p>
+            <a:pPr marL="109220" indent="0">
               <a:buNone/>
             </a:pPr>
             <a:r>
@@ -14107,9 +14454,14 @@
               </a:rPr>
               <a:t>();</a:t>
             </a:r>
-          </a:p>
-          <a:p>
-            <a:pPr marL="109535" indent="0">
+            <a:endParaRPr lang="en-US" altLang="zh-CN" sz="1600" dirty="0" smtClean="0">
+              <a:solidFill>
+                <a:schemeClr val="tx1"/>
+              </a:solidFill>
+            </a:endParaRPr>
+          </a:p>
+          <a:p>
+            <a:pPr marL="109220" indent="0">
               <a:buNone/>
             </a:pPr>
             <a:endParaRPr lang="en-US" altLang="zh-CN" sz="1600" dirty="0">
@@ -14119,7 +14471,7 @@
             </a:endParaRPr>
           </a:p>
           <a:p>
-            <a:pPr marL="109535" indent="0">
+            <a:pPr marL="109220" indent="0">
               <a:buNone/>
             </a:pPr>
             <a:r>
@@ -14130,9 +14482,14 @@
               </a:rPr>
               <a:t>	return 0;</a:t>
             </a:r>
-          </a:p>
-          <a:p>
-            <a:pPr marL="109535" indent="0">
+            <a:endParaRPr lang="en-US" altLang="zh-CN" sz="1600" dirty="0">
+              <a:solidFill>
+                <a:schemeClr val="tx1"/>
+              </a:solidFill>
+            </a:endParaRPr>
+          </a:p>
+          <a:p>
+            <a:pPr marL="109220" indent="0">
               <a:buNone/>
             </a:pPr>
             <a:r>
@@ -14143,6 +14500,11 @@
               </a:rPr>
               <a:t>}</a:t>
             </a:r>
+            <a:endParaRPr lang="en-US" altLang="zh-CN" sz="1600" dirty="0">
+              <a:solidFill>
+                <a:schemeClr val="tx1"/>
+              </a:solidFill>
+            </a:endParaRPr>
           </a:p>
         </p:txBody>
       </p:sp>
@@ -14155,7 +14517,7 @@
           <p:nvPr/>
         </p:nvPicPr>
         <p:blipFill>
-          <a:blip r:embed="rId2"/>
+          <a:blip r:embed="rId1"/>
           <a:stretch>
             <a:fillRect/>
           </a:stretch>
@@ -14171,11 +14533,6 @@
         </p:spPr>
       </p:pic>
     </p:spTree>
-    <p:extLst>
-      <p:ext uri="{BB962C8B-B14F-4D97-AF65-F5344CB8AC3E}">
-        <p14:creationId xmlns:p14="http://schemas.microsoft.com/office/powerpoint/2010/main" val="2104224009"/>
-      </p:ext>
-    </p:extLst>
   </p:cSld>
   <p:clrMapOvr>
     <a:masterClrMapping/>
@@ -14292,9 +14649,11 @@
           <p:nvPr/>
         </p:nvPicPr>
         <p:blipFill rotWithShape="1">
-          <a:blip r:embed="rId2"/>
+          <a:blip r:embed="rId1"/>
           <a:srcRect t="86347"/>
-          <a:stretch/>
+          <a:stretch>
+            <a:fillRect/>
+          </a:stretch>
         </p:blipFill>
         <p:spPr>
           <a:xfrm>
@@ -14356,9 +14715,11 @@
           <p:nvPr/>
         </p:nvPicPr>
         <p:blipFill rotWithShape="1">
-          <a:blip r:embed="rId2"/>
+          <a:blip r:embed="rId1"/>
           <a:srcRect r="460" b="12003"/>
-          <a:stretch/>
+          <a:stretch>
+            <a:fillRect/>
+          </a:stretch>
         </p:blipFill>
         <p:spPr>
           <a:xfrm>
@@ -14417,11 +14778,6 @@
         </p:txBody>
       </p:sp>
     </p:spTree>
-    <p:extLst>
-      <p:ext uri="{BB962C8B-B14F-4D97-AF65-F5344CB8AC3E}">
-        <p14:creationId xmlns:p14="http://schemas.microsoft.com/office/powerpoint/2010/main" val="519178387"/>
-      </p:ext>
-    </p:extLst>
   </p:cSld>
   <p:clrMapOvr>
     <a:masterClrMapping/>
@@ -14635,6 +14991,7 @@
               <a:rPr lang="en-US" altLang="zh-CN" sz="2000" dirty="0"/>
               <a:t>assign default values to you freshly created object or allow a user to assign them as he wants.</a:t>
             </a:r>
+            <a:endParaRPr lang="en-US" altLang="zh-CN" sz="2000" dirty="0"/>
           </a:p>
           <a:p>
             <a:r>
@@ -14674,11 +15031,6 @@
         </p:txBody>
       </p:sp>
     </p:spTree>
-    <p:extLst>
-      <p:ext uri="{BB962C8B-B14F-4D97-AF65-F5344CB8AC3E}">
-        <p14:creationId xmlns:p14="http://schemas.microsoft.com/office/powerpoint/2010/main" val="248431805"/>
-      </p:ext>
-    </p:extLst>
   </p:cSld>
   <p:clrMapOvr>
     <a:masterClrMapping/>
@@ -14771,16 +15123,17 @@
           <a:bodyPr/>
           <a:lstStyle/>
           <a:p>
-            <a:pPr marL="109535" indent="0">
+            <a:pPr marL="109220" indent="0">
               <a:buNone/>
             </a:pPr>
             <a:r>
               <a:rPr lang="en-US" altLang="zh-CN" sz="2000" dirty="0"/>
               <a:t>A constructor is different from normal functions in following ways:</a:t>
             </a:r>
-          </a:p>
-          <a:p>
-            <a:pPr marL="109535" indent="0">
+            <a:endParaRPr lang="en-US" altLang="zh-CN" sz="2000" dirty="0"/>
+          </a:p>
+          <a:p>
+            <a:pPr marL="109220" indent="0">
               <a:buNone/>
             </a:pPr>
             <a:r>
@@ -14791,9 +15144,10 @@
               <a:rPr lang="en-US" altLang="zh-CN" sz="2000" dirty="0"/>
               <a:t>has same name as the class itself</a:t>
             </a:r>
-          </a:p>
-          <a:p>
-            <a:pPr marL="109535" indent="0">
+            <a:endParaRPr lang="en-US" altLang="zh-CN" sz="2000" dirty="0"/>
+          </a:p>
+          <a:p>
+            <a:pPr marL="109220" indent="0">
               <a:buNone/>
             </a:pPr>
             <a:r>
@@ -14804,9 +15158,10 @@
               <a:rPr lang="en-US" altLang="zh-CN" sz="2000" dirty="0"/>
               <a:t>don’t have return type</a:t>
             </a:r>
-          </a:p>
-          <a:p>
-            <a:pPr marL="109535" indent="0">
+            <a:endParaRPr lang="en-US" altLang="zh-CN" sz="2000" dirty="0"/>
+          </a:p>
+          <a:p>
+            <a:pPr marL="109220" indent="0">
               <a:buNone/>
             </a:pPr>
             <a:r>
@@ -14825,9 +15180,10 @@
               <a:rPr lang="en-US" altLang="zh-CN" sz="2000" dirty="0"/>
               <a:t>object(instance of class).</a:t>
             </a:r>
-          </a:p>
-          <a:p>
-            <a:pPr marL="109535" indent="0">
+            <a:endParaRPr lang="en-US" altLang="zh-CN" sz="2000" dirty="0"/>
+          </a:p>
+          <a:p>
+            <a:pPr marL="109220" indent="0">
               <a:buNone/>
             </a:pPr>
             <a:r>
@@ -14854,6 +15210,7 @@
               <a:rPr lang="en-US" altLang="zh-CN" sz="2000" dirty="0"/>
               <a:t>expects no parameters and has an empty body).</a:t>
             </a:r>
+            <a:endParaRPr lang="en-US" altLang="zh-CN" sz="2000" dirty="0"/>
           </a:p>
           <a:p>
             <a:endParaRPr lang="en-US" altLang="zh-CN" sz="2000" dirty="0" smtClean="0"/>
@@ -14861,11 +15218,6 @@
         </p:txBody>
       </p:sp>
     </p:spTree>
-    <p:extLst>
-      <p:ext uri="{BB962C8B-B14F-4D97-AF65-F5344CB8AC3E}">
-        <p14:creationId xmlns:p14="http://schemas.microsoft.com/office/powerpoint/2010/main" val="3453419099"/>
-      </p:ext>
-    </p:extLst>
   </p:cSld>
   <p:clrMapOvr>
     <a:masterClrMapping/>
@@ -14978,6 +15330,7 @@
               <a:rPr lang="en-US" altLang="zh-CN" sz="2000" dirty="0" smtClean="0"/>
               <a:t>.</a:t>
             </a:r>
+            <a:endParaRPr lang="en-US" altLang="zh-CN" sz="2000" dirty="0" smtClean="0"/>
           </a:p>
           <a:p>
             <a:r>
@@ -14992,9 +15345,10 @@
               <a:rPr lang="en-US" altLang="zh-CN" sz="2000" dirty="0" smtClean="0"/>
               <a:t>this:</a:t>
             </a:r>
-          </a:p>
-          <a:p>
-            <a:pPr marL="109535" indent="0">
+            <a:endParaRPr lang="en-US" altLang="zh-CN" sz="2000" dirty="0" smtClean="0"/>
+          </a:p>
+          <a:p>
+            <a:pPr marL="109220" indent="0">
               <a:buNone/>
             </a:pPr>
             <a:r>
@@ -15028,65 +15382,6 @@
                 </a:solidFill>
               </a:rPr>
               <a:t>, joe; </a:t>
-            </a:r>
-          </a:p>
-          <a:p>
-            <a:r>
-              <a:rPr lang="en-US" altLang="zh-CN" sz="2000" dirty="0" smtClean="0"/>
-              <a:t>2)For </a:t>
-            </a:r>
-            <a:r>
-              <a:rPr lang="en-US" altLang="zh-CN" sz="2000" dirty="0"/>
-              <a:t>the Stock class, the default constructor would look like </a:t>
-            </a:r>
-            <a:r>
-              <a:rPr lang="en-US" altLang="zh-CN" sz="2000" dirty="0" smtClean="0"/>
-              <a:t>this:</a:t>
-            </a:r>
-          </a:p>
-          <a:p>
-            <a:pPr marL="109535" indent="0">
-              <a:buNone/>
-            </a:pPr>
-            <a:r>
-              <a:rPr lang="en-US" altLang="zh-CN" sz="2000" dirty="0"/>
-              <a:t> </a:t>
-            </a:r>
-            <a:r>
-              <a:rPr lang="en-US" altLang="zh-CN" sz="2000" dirty="0" smtClean="0"/>
-              <a:t>            		 </a:t>
-            </a:r>
-            <a:r>
-              <a:rPr lang="en-US" altLang="zh-CN" sz="2000" dirty="0" smtClean="0">
-                <a:solidFill>
-                  <a:srgbClr val="FF0000"/>
-                </a:solidFill>
-              </a:rPr>
-              <a:t>Stock</a:t>
-            </a:r>
-            <a:r>
-              <a:rPr lang="en-US" altLang="zh-CN" sz="2000" dirty="0">
-                <a:solidFill>
-                  <a:srgbClr val="FF0000"/>
-                </a:solidFill>
-              </a:rPr>
-              <a:t>::Stock</a:t>
-            </a:r>
-            <a:r>
-              <a:rPr lang="en-US" altLang="zh-CN" sz="2000" dirty="0" smtClean="0">
-                <a:solidFill>
-                  <a:srgbClr val="FF0000"/>
-                </a:solidFill>
-              </a:rPr>
-              <a:t>(  ) {    </a:t>
-            </a:r>
-            <a:r>
-              <a:rPr lang="en-US" altLang="zh-CN" sz="2000" dirty="0">
-                <a:solidFill>
-                  <a:srgbClr val="FF0000"/>
-                </a:solidFill>
-              </a:rPr>
-              <a:t>}</a:t>
             </a:r>
             <a:endParaRPr lang="en-US" altLang="zh-CN" sz="2000" dirty="0" smtClean="0">
               <a:solidFill>
@@ -15094,14 +15389,74 @@
               </a:solidFill>
             </a:endParaRPr>
           </a:p>
+          <a:p>
+            <a:r>
+              <a:rPr lang="en-US" altLang="zh-CN" sz="2000" dirty="0" smtClean="0"/>
+              <a:t>2)For </a:t>
+            </a:r>
+            <a:r>
+              <a:rPr lang="en-US" altLang="zh-CN" sz="2000" dirty="0"/>
+              <a:t>the Stock class, the default constructor would look like </a:t>
+            </a:r>
+            <a:r>
+              <a:rPr lang="en-US" altLang="zh-CN" sz="2000" dirty="0" smtClean="0"/>
+              <a:t>this:</a:t>
+            </a:r>
+            <a:endParaRPr lang="en-US" altLang="zh-CN" sz="2000" dirty="0" smtClean="0"/>
+          </a:p>
+          <a:p>
+            <a:pPr marL="109220" indent="0">
+              <a:buNone/>
+            </a:pPr>
+            <a:r>
+              <a:rPr lang="en-US" altLang="zh-CN" sz="2000" dirty="0"/>
+              <a:t> </a:t>
+            </a:r>
+            <a:r>
+              <a:rPr lang="en-US" altLang="zh-CN" sz="2000" dirty="0" smtClean="0"/>
+              <a:t>            		 </a:t>
+            </a:r>
+            <a:r>
+              <a:rPr lang="en-US" altLang="zh-CN" sz="2000" dirty="0" smtClean="0">
+                <a:solidFill>
+                  <a:srgbClr val="FF0000"/>
+                </a:solidFill>
+              </a:rPr>
+              <a:t>Stock</a:t>
+            </a:r>
+            <a:r>
+              <a:rPr lang="en-US" altLang="zh-CN" sz="2000" dirty="0">
+                <a:solidFill>
+                  <a:srgbClr val="FF0000"/>
+                </a:solidFill>
+              </a:rPr>
+              <a:t>::Stock</a:t>
+            </a:r>
+            <a:r>
+              <a:rPr lang="en-US" altLang="zh-CN" sz="2000" dirty="0" smtClean="0">
+                <a:solidFill>
+                  <a:srgbClr val="FF0000"/>
+                </a:solidFill>
+              </a:rPr>
+              <a:t>(  ) {    </a:t>
+            </a:r>
+            <a:r>
+              <a:rPr lang="en-US" altLang="zh-CN" sz="2000" dirty="0">
+                <a:solidFill>
+                  <a:srgbClr val="FF0000"/>
+                </a:solidFill>
+              </a:rPr>
+              <a:t>}</a:t>
+            </a:r>
+            <a:endParaRPr lang="en-US" altLang="zh-CN" sz="2000" dirty="0" smtClean="0">
+              <a:solidFill>
+                <a:srgbClr val="FF0000"/>
+              </a:solidFill>
+            </a:endParaRPr>
+          </a:p>
         </p:txBody>
       </p:sp>
     </p:spTree>
-    <p:extLst>
-      <p:ext uri="{BB962C8B-B14F-4D97-AF65-F5344CB8AC3E}">
-        <p14:creationId xmlns:p14="http://schemas.microsoft.com/office/powerpoint/2010/main" val="1287470661"/>
-      </p:ext>
-    </p:extLst>
   </p:cSld>
   <p:clrMapOvr>
     <a:masterClrMapping/>
@@ -15214,6 +15569,7 @@
               <a:rPr lang="en-US" altLang="zh-CN" sz="2000" dirty="0" smtClean="0"/>
               <a:t>.</a:t>
             </a:r>
+            <a:endParaRPr lang="en-US" altLang="zh-CN" sz="2000" dirty="0" smtClean="0"/>
           </a:p>
           <a:p>
             <a:r>
@@ -15229,11 +15585,6 @@
         </p:txBody>
       </p:sp>
     </p:spTree>
-    <p:extLst>
-      <p:ext uri="{BB962C8B-B14F-4D97-AF65-F5344CB8AC3E}">
-        <p14:creationId xmlns:p14="http://schemas.microsoft.com/office/powerpoint/2010/main" val="2867251093"/>
-      </p:ext>
-    </p:extLst>
   </p:cSld>
   <p:clrMapOvr>
     <a:masterClrMapping/>
@@ -15334,6 +15685,11 @@
               </a:rPr>
               <a:t>For example:</a:t>
             </a:r>
+            <a:endParaRPr lang="en-US" altLang="zh-CN" sz="2000" dirty="0" smtClean="0">
+              <a:solidFill>
+                <a:schemeClr val="bg1"/>
+              </a:solidFill>
+            </a:endParaRPr>
           </a:p>
           <a:p>
             <a:r>
@@ -15360,9 +15716,14 @@
               </a:rPr>
               <a:t> constructor, such as </a:t>
             </a:r>
-          </a:p>
-          <a:p>
-            <a:pPr marL="109535" indent="0" algn="ctr">
+            <a:endParaRPr lang="en-US" altLang="zh-CN" sz="2000" dirty="0" smtClean="0">
+              <a:solidFill>
+                <a:schemeClr val="bg1"/>
+              </a:solidFill>
+            </a:endParaRPr>
+          </a:p>
+          <a:p>
+            <a:pPr marL="109220" indent="0" algn="ctr">
               <a:spcBef>
                 <a:spcPts val="1200"/>
               </a:spcBef>
@@ -15424,9 +15785,14 @@
               </a:rPr>
               <a:t>)</a:t>
             </a:r>
-          </a:p>
-          <a:p>
-            <a:pPr marL="109535" indent="0">
+            <a:endParaRPr lang="en-US" altLang="zh-CN" sz="2000" dirty="0" smtClean="0">
+              <a:solidFill>
+                <a:srgbClr val="FF0000"/>
+              </a:solidFill>
+            </a:endParaRPr>
+          </a:p>
+          <a:p>
+            <a:pPr marL="109220" indent="0">
               <a:buNone/>
             </a:pPr>
             <a:endParaRPr lang="en-US" altLang="zh-CN" sz="2000" dirty="0" smtClean="0">
@@ -15436,7 +15802,7 @@
             </a:endParaRPr>
           </a:p>
           <a:p>
-            <a:pPr marL="109535" indent="0">
+            <a:pPr marL="109220" indent="0">
               <a:buNone/>
             </a:pPr>
             <a:r>
@@ -15463,9 +15829,14 @@
               </a:rPr>
               <a:t>like:</a:t>
             </a:r>
-          </a:p>
-          <a:p>
-            <a:pPr marL="109535" indent="0" algn="ctr">
+            <a:endParaRPr lang="en-US" altLang="zh-CN" sz="2000" dirty="0" smtClean="0">
+              <a:solidFill>
+                <a:schemeClr val="bg1"/>
+              </a:solidFill>
+            </a:endParaRPr>
+          </a:p>
+          <a:p>
+            <a:pPr marL="109220" indent="0" algn="ctr">
               <a:buNone/>
             </a:pPr>
             <a:r>
@@ -15586,11 +15957,6 @@
         </p:cxnSp>
       </p:grpSp>
     </p:spTree>
-    <p:extLst>
-      <p:ext uri="{BB962C8B-B14F-4D97-AF65-F5344CB8AC3E}">
-        <p14:creationId xmlns:p14="http://schemas.microsoft.com/office/powerpoint/2010/main" val="4050390525"/>
-      </p:ext>
-    </p:extLst>
   </p:cSld>
   <p:clrMapOvr>
     <a:masterClrMapping/>
@@ -15783,37 +16149,6 @@
               </a:rPr>
               <a:t>constructor.</a:t>
             </a:r>
-          </a:p>
-          <a:p>
-            <a:r>
-              <a:rPr lang="en-US" altLang="zh-CN" sz="2000" dirty="0" smtClean="0">
-                <a:solidFill>
-                  <a:schemeClr val="bg1"/>
-                </a:solidFill>
-              </a:rPr>
-              <a:t>A user-provided </a:t>
-            </a:r>
-            <a:r>
-              <a:rPr lang="en-US" altLang="zh-CN" sz="2000" dirty="0">
-                <a:solidFill>
-                  <a:schemeClr val="bg1"/>
-                </a:solidFill>
-              </a:rPr>
-              <a:t>default constructor typically provides</a:t>
-            </a:r>
-          </a:p>
-          <a:p>
-            <a:pPr marL="109535" indent="0">
-              <a:buNone/>
-            </a:pPr>
-            <a:r>
-              <a:rPr lang="en-US" altLang="zh-CN" sz="2000" dirty="0">
-                <a:solidFill>
-                  <a:schemeClr val="bg1"/>
-                </a:solidFill>
-              </a:rPr>
-              <a:t>implicit initialization for all member values. </a:t>
-            </a:r>
             <a:endParaRPr lang="en-US" altLang="zh-CN" sz="2000" dirty="0" smtClean="0">
               <a:solidFill>
                 <a:schemeClr val="bg1"/>
@@ -15827,8 +16162,54 @@
                   <a:schemeClr val="bg1"/>
                 </a:solidFill>
               </a:rPr>
+              <a:t>A user-provided </a:t>
+            </a:r>
+            <a:r>
+              <a:rPr lang="en-US" altLang="zh-CN" sz="2000" dirty="0">
+                <a:solidFill>
+                  <a:schemeClr val="bg1"/>
+                </a:solidFill>
+              </a:rPr>
+              <a:t>default constructor typically provides</a:t>
+            </a:r>
+            <a:endParaRPr lang="en-US" altLang="zh-CN" sz="2000" dirty="0">
+              <a:solidFill>
+                <a:schemeClr val="bg1"/>
+              </a:solidFill>
+            </a:endParaRPr>
+          </a:p>
+          <a:p>
+            <a:pPr marL="109220" indent="0">
+              <a:buNone/>
+            </a:pPr>
+            <a:r>
+              <a:rPr lang="en-US" altLang="zh-CN" sz="2000" dirty="0">
+                <a:solidFill>
+                  <a:schemeClr val="bg1"/>
+                </a:solidFill>
+              </a:rPr>
+              <a:t>implicit initialization for all member values. </a:t>
+            </a:r>
+            <a:endParaRPr lang="en-US" altLang="zh-CN" sz="2000" dirty="0" smtClean="0">
+              <a:solidFill>
+                <a:schemeClr val="bg1"/>
+              </a:solidFill>
+            </a:endParaRPr>
+          </a:p>
+          <a:p>
+            <a:r>
+              <a:rPr lang="en-US" altLang="zh-CN" sz="2000" dirty="0" smtClean="0">
+                <a:solidFill>
+                  <a:schemeClr val="bg1"/>
+                </a:solidFill>
+              </a:rPr>
               <a:t>For example:</a:t>
             </a:r>
+            <a:endParaRPr lang="en-US" altLang="zh-CN" sz="2000" dirty="0" smtClean="0">
+              <a:solidFill>
+                <a:schemeClr val="bg1"/>
+              </a:solidFill>
+            </a:endParaRPr>
           </a:p>
         </p:txBody>
       </p:sp>
@@ -15841,7 +16222,7 @@
           <p:nvPr/>
         </p:nvPicPr>
         <p:blipFill>
-          <a:blip r:embed="rId2"/>
+          <a:blip r:embed="rId1"/>
           <a:stretch>
             <a:fillRect/>
           </a:stretch>
@@ -15857,11 +16238,6 @@
         </p:spPr>
       </p:pic>
     </p:spTree>
-    <p:extLst>
-      <p:ext uri="{BB962C8B-B14F-4D97-AF65-F5344CB8AC3E}">
-        <p14:creationId xmlns:p14="http://schemas.microsoft.com/office/powerpoint/2010/main" val="2294426217"/>
-      </p:ext>
-    </p:extLst>
   </p:cSld>
   <p:clrMapOvr>
     <a:masterClrMapping/>
@@ -15971,7 +16347,7 @@
           <p:nvPr/>
         </p:nvPicPr>
         <p:blipFill>
-          <a:blip r:embed="rId2"/>
+          <a:blip r:embed="rId1"/>
           <a:stretch>
             <a:fillRect/>
           </a:stretch>
@@ -15987,11 +16363,6 @@
         </p:spPr>
       </p:pic>
     </p:spTree>
-    <p:extLst>
-      <p:ext uri="{BB962C8B-B14F-4D97-AF65-F5344CB8AC3E}">
-        <p14:creationId xmlns:p14="http://schemas.microsoft.com/office/powerpoint/2010/main" val="4218841811"/>
-      </p:ext>
-    </p:extLst>
   </p:cSld>
   <p:clrMapOvr>
     <a:masterClrMapping/>
@@ -16096,6 +16467,11 @@
               </a:rPr>
               <a:t>// calls default constructor implicitly</a:t>
             </a:r>
+            <a:endParaRPr lang="en-US" altLang="zh-CN" sz="2000" dirty="0">
+              <a:solidFill>
+                <a:srgbClr val="00B050"/>
+              </a:solidFill>
+            </a:endParaRPr>
           </a:p>
           <a:p>
             <a:r>
@@ -16110,6 +16486,11 @@
               </a:rPr>
               <a:t>// calls it explicitly</a:t>
             </a:r>
+            <a:endParaRPr lang="en-US" altLang="zh-CN" sz="2000" dirty="0">
+              <a:solidFill>
+                <a:srgbClr val="00B050"/>
+              </a:solidFill>
+            </a:endParaRPr>
           </a:p>
           <a:p>
             <a:r>
@@ -16140,6 +16521,11 @@
               </a:rPr>
               <a:t>implicitly</a:t>
             </a:r>
+            <a:endParaRPr lang="en-US" altLang="zh-CN" sz="2000" dirty="0" smtClean="0">
+              <a:solidFill>
+                <a:srgbClr val="00B050"/>
+              </a:solidFill>
+            </a:endParaRPr>
           </a:p>
           <a:p>
             <a:r>
@@ -16154,6 +16540,11 @@
               </a:rPr>
               <a:t>// calls constructor</a:t>
             </a:r>
+            <a:endParaRPr lang="en-US" altLang="zh-CN" sz="2000" dirty="0">
+              <a:solidFill>
+                <a:srgbClr val="00B050"/>
+              </a:solidFill>
+            </a:endParaRPr>
           </a:p>
           <a:p>
             <a:r>
@@ -16610,11 +17001,6 @@
         </p:cxnSp>
       </p:grpSp>
     </p:spTree>
-    <p:extLst>
-      <p:ext uri="{BB962C8B-B14F-4D97-AF65-F5344CB8AC3E}">
-        <p14:creationId xmlns:p14="http://schemas.microsoft.com/office/powerpoint/2010/main" val="2740718953"/>
-      </p:ext>
-    </p:extLst>
   </p:cSld>
   <p:clrMapOvr>
     <a:masterClrMapping/>
@@ -16958,12 +17344,9 @@
               <a:rPr lang="en-US" altLang="zh-CN" sz="2000" u="sng" dirty="0"/>
               <a:t>Object</a:t>
             </a:r>
-          </a:p>
-          <a:p>
-            <a:r>
-              <a:rPr lang="en-US" altLang="zh-CN" sz="2000" dirty="0"/>
-              <a:t/>
-            </a:r>
+            <a:endParaRPr lang="en-US" altLang="zh-CN" sz="2000" u="sng" dirty="0"/>
+          </a:p>
+          <a:p>
             <a:br>
               <a:rPr lang="en-US" altLang="zh-CN" sz="2000" dirty="0"/>
             </a:br>
@@ -17001,6 +17384,7 @@
               <a:rPr lang="en-US" altLang="zh-CN" sz="2000" dirty="0"/>
               <a:t>etc. </a:t>
             </a:r>
+            <a:endParaRPr lang="en-US" altLang="zh-CN" sz="2000" dirty="0"/>
           </a:p>
           <a:p>
             <a:endParaRPr lang="zh-CN" altLang="en-US" sz="2000" dirty="0"/>
@@ -17036,15 +17420,11 @@
               <a:rPr lang="en-US" altLang="zh-CN" sz="2400" dirty="0"/>
               <a:t>OOP (Object-Oriented Programming)</a:t>
             </a:r>
+            <a:endParaRPr lang="en-US" altLang="zh-CN" sz="2400" dirty="0"/>
           </a:p>
         </p:txBody>
       </p:sp>
     </p:spTree>
-    <p:extLst>
-      <p:ext uri="{BB962C8B-B14F-4D97-AF65-F5344CB8AC3E}">
-        <p14:creationId xmlns:p14="http://schemas.microsoft.com/office/powerpoint/2010/main" val="707625980"/>
-      </p:ext>
-    </p:extLst>
   </p:cSld>
   <p:clrMapOvr>
     <a:masterClrMapping/>
@@ -17154,7 +17534,7 @@
           <p:nvPr/>
         </p:nvPicPr>
         <p:blipFill>
-          <a:blip r:embed="rId2"/>
+          <a:blip r:embed="rId1"/>
           <a:stretch>
             <a:fillRect/>
           </a:stretch>
@@ -17536,11 +17916,6 @@
         </p:style>
       </p:cxnSp>
     </p:spTree>
-    <p:extLst>
-      <p:ext uri="{BB962C8B-B14F-4D97-AF65-F5344CB8AC3E}">
-        <p14:creationId xmlns:p14="http://schemas.microsoft.com/office/powerpoint/2010/main" val="2578243977"/>
-      </p:ext>
-    </p:extLst>
   </p:cSld>
   <p:clrMapOvr>
     <a:masterClrMapping/>
@@ -17972,6 +18347,11 @@
               </a:rPr>
               <a:t>.</a:t>
             </a:r>
+            <a:endParaRPr lang="en-US" altLang="zh-CN" sz="2000" dirty="0" smtClean="0">
+              <a:solidFill>
+                <a:schemeClr val="bg1"/>
+              </a:solidFill>
+            </a:endParaRPr>
           </a:p>
           <a:p>
             <a:r>
@@ -17998,15 +18378,15 @@
               </a:rPr>
               <a:t>‘destructor’.</a:t>
             </a:r>
+            <a:endParaRPr lang="en-US" altLang="zh-CN" sz="2000" dirty="0" smtClean="0">
+              <a:solidFill>
+                <a:schemeClr val="bg1"/>
+              </a:solidFill>
+            </a:endParaRPr>
           </a:p>
         </p:txBody>
       </p:sp>
     </p:spTree>
-    <p:extLst>
-      <p:ext uri="{BB962C8B-B14F-4D97-AF65-F5344CB8AC3E}">
-        <p14:creationId xmlns:p14="http://schemas.microsoft.com/office/powerpoint/2010/main" val="1533094384"/>
-      </p:ext>
-    </p:extLst>
   </p:cSld>
   <p:clrMapOvr>
     <a:masterClrMapping/>
@@ -18142,9 +18522,14 @@
               </a:rPr>
               <a:t>For example:</a:t>
             </a:r>
-          </a:p>
-          <a:p>
-            <a:pPr marL="109535" indent="0">
+            <a:endParaRPr lang="en-US" altLang="zh-CN" sz="2000" dirty="0" smtClean="0">
+              <a:solidFill>
+                <a:schemeClr val="bg1"/>
+              </a:solidFill>
+            </a:endParaRPr>
+          </a:p>
+          <a:p>
+            <a:pPr marL="109220" indent="0">
               <a:buNone/>
             </a:pPr>
             <a:r>
@@ -18219,15 +18604,15 @@
               </a:rPr>
               <a:t> to free that memory.</a:t>
             </a:r>
+            <a:endParaRPr lang="en-US" altLang="zh-CN" sz="2000" dirty="0">
+              <a:solidFill>
+                <a:schemeClr val="bg1"/>
+              </a:solidFill>
+            </a:endParaRPr>
           </a:p>
         </p:txBody>
       </p:sp>
     </p:spTree>
-    <p:extLst>
-      <p:ext uri="{BB962C8B-B14F-4D97-AF65-F5344CB8AC3E}">
-        <p14:creationId xmlns:p14="http://schemas.microsoft.com/office/powerpoint/2010/main" val="1555067857"/>
-      </p:ext>
-    </p:extLst>
   </p:cSld>
   <p:clrMapOvr>
     <a:masterClrMapping/>
@@ -18328,6 +18713,7 @@
               <a:rPr lang="en-US" altLang="zh-CN" sz="2000" dirty="0" smtClean="0"/>
               <a:t>~</a:t>
             </a:r>
+            <a:endParaRPr lang="en-US" altLang="zh-CN" sz="2000" dirty="0" smtClean="0"/>
           </a:p>
           <a:p>
             <a:r>
@@ -18342,15 +18728,17 @@
               <a:rPr lang="en-US" altLang="zh-CN" sz="2000" dirty="0" smtClean="0"/>
               <a:t>.</a:t>
             </a:r>
+            <a:endParaRPr lang="en-US" altLang="zh-CN" sz="2000" dirty="0" smtClean="0"/>
           </a:p>
           <a:p>
             <a:r>
               <a:rPr lang="en-US" altLang="zh-CN" sz="2000" dirty="0" smtClean="0"/>
               <a:t>Example: </a:t>
             </a:r>
-          </a:p>
-          <a:p>
-            <a:pPr marL="109535" indent="0" algn="ctr">
+            <a:endParaRPr lang="en-US" altLang="zh-CN" sz="2000" dirty="0" smtClean="0"/>
+          </a:p>
+          <a:p>
+            <a:pPr marL="109220" indent="0" algn="ctr">
               <a:buNone/>
             </a:pPr>
             <a:r>
@@ -18386,11 +18774,6 @@
         </p:txBody>
       </p:sp>
     </p:spTree>
-    <p:extLst>
-      <p:ext uri="{BB962C8B-B14F-4D97-AF65-F5344CB8AC3E}">
-        <p14:creationId xmlns:p14="http://schemas.microsoft.com/office/powerpoint/2010/main" val="2811572410"/>
-      </p:ext>
-    </p:extLst>
   </p:cSld>
   <p:clrMapOvr>
     <a:masterClrMapping/>
@@ -18510,7 +18893,7 @@
             </a:endParaRPr>
           </a:p>
           <a:p>
-            <a:pPr marL="109535" indent="0">
+            <a:pPr marL="109220" indent="0">
               <a:buNone/>
             </a:pPr>
             <a:r>
@@ -18520,16 +18903,17 @@
             <a:endParaRPr lang="en-US" altLang="zh-CN" sz="2000" dirty="0"/>
           </a:p>
           <a:p>
-            <a:pPr marL="109535" indent="0">
+            <a:pPr marL="109220" indent="0">
               <a:buNone/>
             </a:pPr>
             <a:r>
               <a:rPr lang="en-US" altLang="zh-CN" sz="2000" dirty="0"/>
               <a:t>     }</a:t>
             </a:r>
-          </a:p>
-          <a:p>
-            <a:pPr marL="109535" indent="0">
+            <a:endParaRPr lang="en-US" altLang="zh-CN" sz="2000" dirty="0"/>
+          </a:p>
+          <a:p>
+            <a:pPr marL="109220" indent="0">
               <a:buNone/>
             </a:pPr>
             <a:endParaRPr lang="en-US" altLang="zh-CN" sz="2000" dirty="0"/>
@@ -18563,9 +18947,14 @@
               </a:rPr>
               <a:t>destructor</a:t>
             </a:r>
-          </a:p>
-          <a:p>
-            <a:pPr marL="109535" indent="0">
+            <a:endParaRPr lang="en-US" altLang="zh-CN" sz="2000" dirty="0">
+              <a:solidFill>
+                <a:srgbClr val="00B050"/>
+              </a:solidFill>
+            </a:endParaRPr>
+          </a:p>
+          <a:p>
+            <a:pPr marL="109220" indent="0">
               <a:buNone/>
             </a:pPr>
             <a:r>
@@ -18575,7 +18964,7 @@
             <a:endParaRPr lang="en-US" altLang="zh-CN" sz="2000" dirty="0"/>
           </a:p>
           <a:p>
-            <a:pPr marL="109535" indent="0">
+            <a:pPr marL="109220" indent="0">
               <a:buNone/>
             </a:pPr>
             <a:r>
@@ -18594,21 +18983,23 @@
               <a:rPr lang="en-US" altLang="zh-CN" sz="2000" dirty="0"/>
               <a:t>&lt;&lt; "Bye, " &lt;&lt; company &lt;&lt; "!\n";</a:t>
             </a:r>
-          </a:p>
-          <a:p>
-            <a:pPr marL="109535" indent="0">
+            <a:endParaRPr lang="en-US" altLang="zh-CN" sz="2000" dirty="0"/>
+          </a:p>
+          <a:p>
+            <a:pPr marL="109220" indent="0">
               <a:buNone/>
             </a:pPr>
             <a:r>
               <a:rPr lang="en-US" altLang="zh-CN" sz="2000" dirty="0" smtClean="0"/>
               <a:t>     }</a:t>
             </a:r>
+            <a:endParaRPr lang="en-US" altLang="zh-CN" sz="2000" dirty="0" smtClean="0"/>
           </a:p>
           <a:p>
             <a:endParaRPr lang="en-US" altLang="zh-CN" sz="2000" dirty="0"/>
           </a:p>
           <a:p>
-            <a:pPr marL="109535" indent="0">
+            <a:pPr marL="109220" indent="0">
               <a:buNone/>
             </a:pPr>
             <a:r>
@@ -18620,11 +19011,6 @@
         </p:txBody>
       </p:sp>
     </p:spTree>
-    <p:extLst>
-      <p:ext uri="{BB962C8B-B14F-4D97-AF65-F5344CB8AC3E}">
-        <p14:creationId xmlns:p14="http://schemas.microsoft.com/office/powerpoint/2010/main" val="316930066"/>
-      </p:ext>
-    </p:extLst>
   </p:cSld>
   <p:clrMapOvr>
     <a:masterClrMapping/>
@@ -18744,7 +19130,7 @@
             <a:endParaRPr lang="en-US" altLang="zh-CN" sz="2000" dirty="0" smtClean="0"/>
           </a:p>
           <a:p>
-            <a:pPr marL="109535" indent="0">
+            <a:pPr marL="109220" indent="0">
               <a:buNone/>
             </a:pPr>
             <a:r>
@@ -18759,9 +19145,10 @@
               <a:rPr lang="en-US" altLang="zh-CN" sz="2000" dirty="0" smtClean="0"/>
               <a:t>codes:</a:t>
             </a:r>
-          </a:p>
-          <a:p>
-            <a:pPr marL="109535" indent="0">
+            <a:endParaRPr lang="en-US" altLang="zh-CN" sz="2000" dirty="0" smtClean="0"/>
+          </a:p>
+          <a:p>
+            <a:pPr marL="109220" indent="0">
               <a:buNone/>
             </a:pPr>
             <a:r>
@@ -18812,9 +19199,10 @@
               <a:rPr lang="en-US" altLang="zh-CN" sz="2000" dirty="0"/>
               <a:t> Properties");</a:t>
             </a:r>
-          </a:p>
-          <a:p>
-            <a:pPr marL="109535" indent="0">
+            <a:endParaRPr lang="en-US" altLang="zh-CN" sz="2000" dirty="0"/>
+          </a:p>
+          <a:p>
+            <a:pPr marL="109220" indent="0">
               <a:buNone/>
             </a:pPr>
             <a:r>
@@ -18829,6 +19217,7 @@
               <a:rPr lang="en-US" altLang="zh-CN" sz="2000" dirty="0" smtClean="0"/>
               <a:t>();</a:t>
             </a:r>
+            <a:endParaRPr lang="en-US" altLang="zh-CN" sz="2000" dirty="0" smtClean="0"/>
           </a:p>
           <a:p>
             <a:r>
@@ -18851,6 +19240,7 @@
               <a:rPr lang="en-US" altLang="zh-CN" sz="2000" dirty="0"/>
               <a:t> Member Functions</a:t>
             </a:r>
+            <a:endParaRPr lang="en-US" altLang="zh-CN" sz="2000" dirty="0"/>
           </a:p>
           <a:p>
             <a:r>
@@ -18873,9 +19263,10 @@
               <a:rPr lang="en-US" altLang="zh-CN" sz="2000" dirty="0" smtClean="0"/>
               <a:t>and Definition:</a:t>
             </a:r>
-          </a:p>
-          <a:p>
-            <a:pPr marL="109535" indent="0" algn="ctr">
+            <a:endParaRPr lang="en-US" altLang="zh-CN" sz="2000" dirty="0" smtClean="0"/>
+          </a:p>
+          <a:p>
+            <a:pPr marL="109220" indent="0" algn="ctr">
               <a:buNone/>
             </a:pPr>
             <a:r>
@@ -18898,18 +19289,20 @@
               <a:rPr lang="en-US" altLang="zh-CN" sz="2000" dirty="0" smtClean="0"/>
               <a:t>; //Declaration</a:t>
             </a:r>
-          </a:p>
-          <a:p>
-            <a:pPr marL="109535" indent="0">
+            <a:endParaRPr lang="en-US" altLang="zh-CN" sz="2000" dirty="0" smtClean="0"/>
+          </a:p>
+          <a:p>
+            <a:pPr marL="109220" indent="0">
               <a:buNone/>
             </a:pPr>
             <a:r>
               <a:rPr lang="en-US" altLang="zh-CN" sz="2000" dirty="0" smtClean="0"/>
               <a:t>and                         </a:t>
             </a:r>
-          </a:p>
-          <a:p>
-            <a:pPr marL="109535" indent="0">
+            <a:endParaRPr lang="en-US" altLang="zh-CN" sz="2000" dirty="0" smtClean="0"/>
+          </a:p>
+          <a:p>
+            <a:pPr marL="109220" indent="0">
               <a:buNone/>
             </a:pPr>
             <a:r>
@@ -18948,9 +19341,10 @@
               <a:rPr lang="en-US" altLang="zh-CN" sz="2000" dirty="0" smtClean="0"/>
               <a:t>{   //Definition</a:t>
             </a:r>
-          </a:p>
-          <a:p>
-            <a:pPr marL="109535" indent="0">
+            <a:endParaRPr lang="en-US" altLang="zh-CN" sz="2000" dirty="0" smtClean="0"/>
+          </a:p>
+          <a:p>
+            <a:pPr marL="109220" indent="0">
               <a:buNone/>
             </a:pPr>
             <a:r>
@@ -18981,9 +19375,10 @@
               <a:rPr lang="en-US" altLang="zh-CN" sz="2000" dirty="0" smtClean="0"/>
               <a:t>“…….</a:t>
             </a:r>
-          </a:p>
-          <a:p>
-            <a:pPr marL="109535" indent="0">
+            <a:endParaRPr lang="en-US" altLang="zh-CN" sz="2000" dirty="0" smtClean="0"/>
+          </a:p>
+          <a:p>
+            <a:pPr marL="109220" indent="0">
               <a:buNone/>
             </a:pPr>
             <a:r>
@@ -18997,7 +19392,7 @@
             <a:endParaRPr lang="en-US" altLang="zh-CN" sz="2000" dirty="0"/>
           </a:p>
           <a:p>
-            <a:pPr marL="109535" indent="0">
+            <a:pPr marL="109220" indent="0">
               <a:buNone/>
             </a:pPr>
             <a:endParaRPr lang="zh-CN" altLang="en-US" sz="2000" dirty="0"/>
@@ -19090,11 +19485,6 @@
         </p:cxnSp>
       </p:grpSp>
     </p:spTree>
-    <p:extLst>
-      <p:ext uri="{BB962C8B-B14F-4D97-AF65-F5344CB8AC3E}">
-        <p14:creationId xmlns:p14="http://schemas.microsoft.com/office/powerpoint/2010/main" val="1497060962"/>
-      </p:ext>
-    </p:extLst>
   </p:cSld>
   <p:clrMapOvr>
     <a:masterClrMapping/>
@@ -19865,7 +20255,7 @@
           <a:bodyPr/>
           <a:lstStyle/>
           <a:p>
-            <a:pPr marL="109535" indent="0">
+            <a:pPr marL="109220" indent="0">
               <a:buNone/>
             </a:pPr>
             <a:r>
@@ -19932,6 +20322,11 @@
               </a:rPr>
               <a:t>? </a:t>
             </a:r>
+            <a:endParaRPr lang="en-US" altLang="zh-CN" sz="2000" dirty="0" smtClean="0">
+              <a:solidFill>
+                <a:srgbClr val="00B050"/>
+              </a:solidFill>
+            </a:endParaRPr>
           </a:p>
         </p:txBody>
       </p:sp>
@@ -19981,7 +20376,7 @@
           <p:nvPr/>
         </p:nvPicPr>
         <p:blipFill>
-          <a:blip r:embed="rId2"/>
+          <a:blip r:embed="rId1"/>
           <a:stretch>
             <a:fillRect/>
           </a:stretch>
@@ -19997,11 +20392,6 @@
         </p:spPr>
       </p:pic>
     </p:spTree>
-    <p:extLst>
-      <p:ext uri="{BB962C8B-B14F-4D97-AF65-F5344CB8AC3E}">
-        <p14:creationId xmlns:p14="http://schemas.microsoft.com/office/powerpoint/2010/main" val="822534447"/>
-      </p:ext>
-    </p:extLst>
   </p:cSld>
   <p:clrMapOvr>
     <a:masterClrMapping/>
@@ -20239,7 +20629,7 @@
           <a:bodyPr rtlCol="0" anchor="ctr"/>
           <a:lstStyle/>
           <a:p>
-            <a:pPr marL="109535" indent="0">
+            <a:pPr marL="109220" indent="0">
               <a:buNone/>
             </a:pPr>
             <a:r>
@@ -20314,14 +20704,6 @@
               </a:rPr>
               <a:t>const</a:t>
             </a:r>
-            <a:r>
-              <a:rPr lang="en-US" altLang="zh-CN" sz="1600" dirty="0">
-                <a:solidFill>
-                  <a:schemeClr val="tx1"/>
-                </a:solidFill>
-              </a:rPr>
-              <a:t/>
-            </a:r>
             <a:br>
               <a:rPr lang="en-US" altLang="zh-CN" sz="1600" dirty="0">
                 <a:solidFill>
@@ -20352,9 +20734,14 @@
               </a:rPr>
               <a:t>	</a:t>
             </a:r>
-          </a:p>
-          <a:p>
-            <a:pPr marL="109535" indent="0">
+            <a:endParaRPr lang="en-US" altLang="zh-CN" sz="1600" dirty="0" smtClean="0">
+              <a:solidFill>
+                <a:schemeClr val="tx1"/>
+              </a:solidFill>
+            </a:endParaRPr>
+          </a:p>
+          <a:p>
+            <a:pPr marL="109220" indent="0">
               <a:buNone/>
             </a:pPr>
             <a:endParaRPr lang="en-US" altLang="zh-CN" sz="1600" dirty="0" smtClean="0">
@@ -20364,7 +20751,7 @@
             </a:endParaRPr>
           </a:p>
           <a:p>
-            <a:pPr marL="109535" indent="0">
+            <a:pPr marL="109220" indent="0">
               <a:buNone/>
             </a:pPr>
             <a:endParaRPr lang="en-US" altLang="zh-CN" dirty="0" smtClean="0">
@@ -20374,7 +20761,7 @@
             </a:endParaRPr>
           </a:p>
           <a:p>
-            <a:pPr marL="109535" indent="0">
+            <a:pPr marL="109220" indent="0">
               <a:buNone/>
             </a:pPr>
             <a:endParaRPr lang="en-US" altLang="zh-CN" sz="1100" dirty="0" smtClean="0">
@@ -20384,7 +20771,7 @@
             </a:endParaRPr>
           </a:p>
           <a:p>
-            <a:pPr marL="109535" indent="0">
+            <a:pPr marL="109220" indent="0">
               <a:buNone/>
             </a:pPr>
             <a:endParaRPr lang="en-US" altLang="zh-CN" sz="1600" dirty="0" smtClean="0">
@@ -20394,7 +20781,7 @@
             </a:endParaRPr>
           </a:p>
           <a:p>
-            <a:pPr marL="109535" indent="0">
+            <a:pPr marL="109220" indent="0">
               <a:buNone/>
             </a:pPr>
             <a:r>
@@ -20414,11 +20801,6 @@
         </p:txBody>
       </p:sp>
     </p:spTree>
-    <p:extLst>
-      <p:ext uri="{BB962C8B-B14F-4D97-AF65-F5344CB8AC3E}">
-        <p14:creationId xmlns:p14="http://schemas.microsoft.com/office/powerpoint/2010/main" val="3744473447"/>
-      </p:ext>
-    </p:extLst>
   </p:cSld>
   <p:clrMapOvr>
     <a:masterClrMapping/>
@@ -20569,7 +20951,7 @@
           <a:bodyPr rtlCol="0" anchor="ctr"/>
           <a:lstStyle/>
           <a:p>
-            <a:pPr marL="109535" indent="0">
+            <a:pPr marL="109220" indent="0">
               <a:buNone/>
             </a:pPr>
             <a:r>
@@ -20644,14 +21026,6 @@
               </a:rPr>
               <a:t>const</a:t>
             </a:r>
-            <a:r>
-              <a:rPr lang="en-US" altLang="zh-CN" sz="1600" dirty="0">
-                <a:solidFill>
-                  <a:schemeClr val="tx1"/>
-                </a:solidFill>
-              </a:rPr>
-              <a:t/>
-            </a:r>
             <a:br>
               <a:rPr lang="en-US" altLang="zh-CN" sz="1600" dirty="0">
                 <a:solidFill>
@@ -20769,9 +21143,14 @@
               </a:rPr>
               <a:t>// argument object</a:t>
             </a:r>
-          </a:p>
-          <a:p>
-            <a:pPr marL="109535" indent="0">
+            <a:endParaRPr lang="en-US" altLang="zh-CN" sz="1800" dirty="0">
+              <a:solidFill>
+                <a:schemeClr val="tx1"/>
+              </a:solidFill>
+            </a:endParaRPr>
+          </a:p>
+          <a:p>
+            <a:pPr marL="109220" indent="0">
               <a:buNone/>
             </a:pPr>
             <a:endParaRPr lang="en-US" altLang="zh-CN" sz="1800" dirty="0" smtClean="0">
@@ -20781,7 +21160,7 @@
             </a:endParaRPr>
           </a:p>
           <a:p>
-            <a:pPr marL="109535" indent="0">
+            <a:pPr marL="109220" indent="0">
               <a:buNone/>
             </a:pPr>
             <a:endParaRPr lang="en-US" altLang="zh-CN" sz="1800" dirty="0" smtClean="0">
@@ -20791,7 +21170,7 @@
             </a:endParaRPr>
           </a:p>
           <a:p>
-            <a:pPr marL="109535" indent="0">
+            <a:pPr marL="109220" indent="0">
               <a:buNone/>
             </a:pPr>
             <a:r>
@@ -20811,11 +21190,6 @@
         </p:txBody>
       </p:sp>
     </p:spTree>
-    <p:extLst>
-      <p:ext uri="{BB962C8B-B14F-4D97-AF65-F5344CB8AC3E}">
-        <p14:creationId xmlns:p14="http://schemas.microsoft.com/office/powerpoint/2010/main" val="1727018681"/>
-      </p:ext>
-    </p:extLst>
   </p:cSld>
   <p:clrMapOvr>
     <a:masterClrMapping/>
@@ -20966,7 +21340,7 @@
           <a:bodyPr rtlCol="0" anchor="ctr"/>
           <a:lstStyle/>
           <a:p>
-            <a:pPr marL="109535" indent="0">
+            <a:pPr marL="109220" indent="0">
               <a:buNone/>
             </a:pPr>
             <a:r>
@@ -21041,14 +21415,6 @@
               </a:rPr>
               <a:t>const</a:t>
             </a:r>
-            <a:r>
-              <a:rPr lang="en-US" altLang="zh-CN" sz="1600" dirty="0">
-                <a:solidFill>
-                  <a:schemeClr val="tx1"/>
-                </a:solidFill>
-              </a:rPr>
-              <a:t/>
-            </a:r>
             <a:br>
               <a:rPr lang="en-US" altLang="zh-CN" sz="1600" dirty="0">
                 <a:solidFill>
@@ -21165,19 +21531,6 @@
                 </a:solidFill>
               </a:rPr>
               <a:t>// argument object</a:t>
-            </a:r>
-          </a:p>
-          <a:p>
-            <a:pPr marL="109535" indent="0">
-              <a:buNone/>
-            </a:pPr>
-            <a:r>
-              <a:rPr lang="en-US" altLang="zh-CN" sz="1800" dirty="0" smtClean="0">
-                <a:solidFill>
-                  <a:schemeClr val="tx1"/>
-                </a:solidFill>
-              </a:rPr>
-              <a:t>	else</a:t>
             </a:r>
             <a:endParaRPr lang="en-US" altLang="zh-CN" sz="1800" dirty="0">
               <a:solidFill>
@@ -21186,7 +21539,7 @@
             </a:endParaRPr>
           </a:p>
           <a:p>
-            <a:pPr marL="109535" indent="0">
+            <a:pPr marL="109220" indent="0">
               <a:buNone/>
             </a:pPr>
             <a:r>
@@ -21195,62 +21548,85 @@
                   <a:schemeClr val="tx1"/>
                 </a:solidFill>
               </a:rPr>
-              <a:t>		return </a:t>
-            </a:r>
-            <a:r>
-              <a:rPr lang="en-US" altLang="zh-CN" sz="1800" dirty="0">
-                <a:solidFill>
-                  <a:srgbClr val="FF0000"/>
-                </a:solidFill>
-              </a:rPr>
-              <a:t>?????;</a:t>
-            </a:r>
-            <a:r>
-              <a:rPr lang="en-US" altLang="zh-CN" sz="1800" dirty="0">
-                <a:solidFill>
-                  <a:schemeClr val="tx1"/>
-                </a:solidFill>
-              </a:rPr>
-              <a:t> </a:t>
-            </a:r>
-            <a:r>
-              <a:rPr lang="en-US" altLang="zh-CN" sz="1800" dirty="0" smtClean="0">
-                <a:solidFill>
-                  <a:schemeClr val="tx1"/>
-                </a:solidFill>
-              </a:rPr>
-              <a:t>    // </a:t>
-            </a:r>
-            <a:r>
-              <a:rPr lang="en-US" altLang="zh-CN" sz="1800" dirty="0">
-                <a:solidFill>
-                  <a:schemeClr val="tx1"/>
-                </a:solidFill>
-              </a:rPr>
-              <a:t>invoking object</a:t>
-            </a:r>
-          </a:p>
-          <a:p>
-            <a:pPr marL="109535" indent="0">
+              <a:t>	else</a:t>
+            </a:r>
+            <a:endParaRPr lang="en-US" altLang="zh-CN" sz="1800" dirty="0">
+              <a:solidFill>
+                <a:schemeClr val="tx1"/>
+              </a:solidFill>
+            </a:endParaRPr>
+          </a:p>
+          <a:p>
+            <a:pPr marL="109220" indent="0">
               <a:buNone/>
             </a:pPr>
             <a:r>
+              <a:rPr lang="en-US" altLang="zh-CN" sz="1800" dirty="0" smtClean="0">
+                <a:solidFill>
+                  <a:schemeClr val="tx1"/>
+                </a:solidFill>
+              </a:rPr>
+              <a:t>		return </a:t>
+            </a:r>
+            <a:r>
               <a:rPr lang="en-US" altLang="zh-CN" sz="1800" dirty="0">
                 <a:solidFill>
+                  <a:srgbClr val="FF0000"/>
+                </a:solidFill>
+              </a:rPr>
+              <a:t>?????;</a:t>
+            </a:r>
+            <a:r>
+              <a:rPr lang="en-US" altLang="zh-CN" sz="1800" dirty="0">
+                <a:solidFill>
+                  <a:schemeClr val="tx1"/>
+                </a:solidFill>
+              </a:rPr>
+              <a:t> </a:t>
+            </a:r>
+            <a:r>
+              <a:rPr lang="en-US" altLang="zh-CN" sz="1800" dirty="0" smtClean="0">
+                <a:solidFill>
+                  <a:schemeClr val="tx1"/>
+                </a:solidFill>
+              </a:rPr>
+              <a:t>    // </a:t>
+            </a:r>
+            <a:r>
+              <a:rPr lang="en-US" altLang="zh-CN" sz="1800" dirty="0">
+                <a:solidFill>
+                  <a:schemeClr val="tx1"/>
+                </a:solidFill>
+              </a:rPr>
+              <a:t>invoking object</a:t>
+            </a:r>
+            <a:endParaRPr lang="en-US" altLang="zh-CN" sz="1800" dirty="0">
+              <a:solidFill>
+                <a:schemeClr val="tx1"/>
+              </a:solidFill>
+            </a:endParaRPr>
+          </a:p>
+          <a:p>
+            <a:pPr marL="109220" indent="0">
+              <a:buNone/>
+            </a:pPr>
+            <a:r>
+              <a:rPr lang="en-US" altLang="zh-CN" sz="1800" dirty="0">
+                <a:solidFill>
                   <a:schemeClr val="tx1"/>
                 </a:solidFill>
               </a:rPr>
               <a:t>}</a:t>
             </a:r>
+            <a:endParaRPr lang="en-US" altLang="zh-CN" sz="1800" dirty="0">
+              <a:solidFill>
+                <a:schemeClr val="tx1"/>
+              </a:solidFill>
+            </a:endParaRPr>
           </a:p>
         </p:txBody>
       </p:sp>
     </p:spTree>
-    <p:extLst>
-      <p:ext uri="{BB962C8B-B14F-4D97-AF65-F5344CB8AC3E}">
-        <p14:creationId xmlns:p14="http://schemas.microsoft.com/office/powerpoint/2010/main" val="386249397"/>
-      </p:ext>
-    </p:extLst>
   </p:cSld>
   <p:clrMapOvr>
     <a:masterClrMapping/>
@@ -21306,6 +21682,7 @@
               <a:rPr lang="en-US" altLang="zh-CN" sz="2000" u="sng" dirty="0" smtClean="0"/>
               <a:t>Class</a:t>
             </a:r>
+            <a:endParaRPr lang="en-US" altLang="zh-CN" sz="2000" u="sng" dirty="0" smtClean="0"/>
           </a:p>
           <a:p>
             <a:endParaRPr lang="en-US" altLang="zh-CN" sz="2000" u="sng" dirty="0"/>
@@ -21329,6 +21706,7 @@
               <a:rPr lang="en-US" altLang="zh-CN" sz="2000" dirty="0"/>
               <a:t>class is like a blueprint for an object.</a:t>
             </a:r>
+            <a:endParaRPr lang="en-US" altLang="zh-CN" sz="2000" dirty="0"/>
           </a:p>
         </p:txBody>
       </p:sp>
@@ -21361,15 +21739,11 @@
               <a:rPr lang="en-US" altLang="zh-CN" sz="2400" dirty="0"/>
               <a:t>OOP (Object-Oriented Programming)</a:t>
             </a:r>
+            <a:endParaRPr lang="en-US" altLang="zh-CN" sz="2400" dirty="0"/>
           </a:p>
         </p:txBody>
       </p:sp>
     </p:spTree>
-    <p:extLst>
-      <p:ext uri="{BB962C8B-B14F-4D97-AF65-F5344CB8AC3E}">
-        <p14:creationId xmlns:p14="http://schemas.microsoft.com/office/powerpoint/2010/main" val="1071768382"/>
-      </p:ext>
-    </p:extLst>
   </p:cSld>
   <p:clrMapOvr>
     <a:masterClrMapping/>
@@ -21434,7 +21808,7 @@
           <p:nvPr/>
         </p:nvPicPr>
         <p:blipFill>
-          <a:blip r:embed="rId2"/>
+          <a:blip r:embed="rId1"/>
           <a:stretch>
             <a:fillRect/>
           </a:stretch>
@@ -21625,11 +21999,6 @@
         </p:txBody>
       </p:sp>
     </p:spTree>
-    <p:extLst>
-      <p:ext uri="{BB962C8B-B14F-4D97-AF65-F5344CB8AC3E}">
-        <p14:creationId xmlns:p14="http://schemas.microsoft.com/office/powerpoint/2010/main" val="3088075810"/>
-      </p:ext>
-    </p:extLst>
   </p:cSld>
   <p:clrMapOvr>
     <a:masterClrMapping/>
@@ -21697,6 +22066,7 @@
               <a:rPr lang="en-US" altLang="zh-CN" sz="2000" dirty="0" smtClean="0"/>
               <a:t> pointer. </a:t>
             </a:r>
+            <a:endParaRPr lang="en-US" altLang="zh-CN" sz="2000" dirty="0" smtClean="0"/>
           </a:p>
           <a:p>
             <a:r>
@@ -21723,6 +22093,7 @@
               <a:rPr lang="en-US" altLang="zh-CN" sz="2000" dirty="0" smtClean="0"/>
               <a:t>.</a:t>
             </a:r>
+            <a:endParaRPr lang="en-US" altLang="zh-CN" sz="2000" dirty="0" smtClean="0"/>
           </a:p>
           <a:p>
             <a:r>
@@ -21795,11 +22166,6 @@
         </p:txBody>
       </p:sp>
     </p:spTree>
-    <p:extLst>
-      <p:ext uri="{BB962C8B-B14F-4D97-AF65-F5344CB8AC3E}">
-        <p14:creationId xmlns:p14="http://schemas.microsoft.com/office/powerpoint/2010/main" val="3106805474"/>
-      </p:ext>
-    </p:extLst>
   </p:cSld>
   <p:clrMapOvr>
     <a:masterClrMapping/>
@@ -21855,9 +22221,10 @@
               <a:rPr lang="en-US" altLang="zh-CN" sz="2000" dirty="0" smtClean="0"/>
               <a:t>For example, the following function prototypes:</a:t>
             </a:r>
-          </a:p>
-          <a:p>
-            <a:pPr marL="109535" indent="0">
+            <a:endParaRPr lang="en-US" altLang="zh-CN" sz="2000" dirty="0" smtClean="0"/>
+          </a:p>
+          <a:p>
+            <a:pPr marL="109220" indent="0">
               <a:buNone/>
             </a:pPr>
             <a:r>
@@ -21899,7 +22266,7 @@
             <a:endParaRPr lang="en-US" altLang="zh-CN" sz="1800" dirty="0" smtClean="0"/>
           </a:p>
           <a:p>
-            <a:pPr marL="109535" indent="0">
+            <a:pPr marL="109220" indent="0">
               <a:buNone/>
             </a:pPr>
             <a:endParaRPr lang="en-US" altLang="zh-CN" sz="2800" b="1" dirty="0" smtClean="0">
@@ -21909,7 +22276,7 @@
             </a:endParaRPr>
           </a:p>
           <a:p>
-            <a:pPr marL="109535" indent="0">
+            <a:pPr marL="109220" indent="0">
               <a:buNone/>
             </a:pPr>
             <a:r>
@@ -21959,22 +22326,23 @@
             <a:endParaRPr lang="en-US" altLang="zh-CN" sz="1800" dirty="0" smtClean="0"/>
           </a:p>
           <a:p>
-            <a:pPr marL="109535" indent="0">
+            <a:pPr marL="109220" indent="0">
               <a:buNone/>
             </a:pPr>
             <a:endParaRPr lang="en-US" altLang="zh-CN" sz="2000" dirty="0" smtClean="0"/>
           </a:p>
           <a:p>
-            <a:pPr marL="109535" indent="0">
+            <a:pPr marL="109220" indent="0">
               <a:buNone/>
             </a:pPr>
             <a:r>
               <a:rPr lang="en-US" altLang="zh-CN" sz="2000" dirty="0" smtClean="0"/>
               <a:t>AND when function callings:</a:t>
             </a:r>
-          </a:p>
-          <a:p>
-            <a:pPr marL="109535" indent="0">
+            <a:endParaRPr lang="en-US" altLang="zh-CN" sz="2000" dirty="0" smtClean="0"/>
+          </a:p>
+          <a:p>
+            <a:pPr marL="109220" indent="0">
               <a:spcAft>
                 <a:spcPts val="1200"/>
               </a:spcAft>
@@ -21992,18 +22360,20 @@
               <a:rPr lang="en-US" altLang="zh-CN" sz="2000" dirty="0" smtClean="0"/>
               <a:t>(jinx);</a:t>
             </a:r>
-          </a:p>
-          <a:p>
-            <a:pPr marL="109535" indent="0">
+            <a:endParaRPr lang="en-US" altLang="zh-CN" sz="2000" dirty="0" smtClean="0"/>
+          </a:p>
+          <a:p>
+            <a:pPr marL="109220" indent="0">
               <a:buNone/>
             </a:pPr>
             <a:r>
               <a:rPr lang="en-US" altLang="zh-CN" sz="2000" dirty="0" smtClean="0"/>
               <a:t>		 </a:t>
             </a:r>
-          </a:p>
-          <a:p>
-            <a:pPr marL="109535" indent="0">
+            <a:endParaRPr lang="en-US" altLang="zh-CN" sz="2000" dirty="0" smtClean="0"/>
+          </a:p>
+          <a:p>
+            <a:pPr marL="109220" indent="0">
               <a:buNone/>
             </a:pPr>
             <a:r>
@@ -22213,11 +22583,6 @@
         </p:txBody>
       </p:sp>
     </p:spTree>
-    <p:extLst>
-      <p:ext uri="{BB962C8B-B14F-4D97-AF65-F5344CB8AC3E}">
-        <p14:creationId xmlns:p14="http://schemas.microsoft.com/office/powerpoint/2010/main" val="3014620393"/>
-      </p:ext>
-    </p:extLst>
   </p:cSld>
   <p:clrMapOvr>
     <a:masterClrMapping/>
@@ -22319,7 +22684,7 @@
           <p:nvPr/>
         </p:nvPicPr>
         <p:blipFill>
-          <a:blip r:embed="rId2"/>
+          <a:blip r:embed="rId1"/>
           <a:stretch>
             <a:fillRect/>
           </a:stretch>
@@ -23051,11 +23416,6 @@
         </p:txBody>
       </p:sp>
     </p:spTree>
-    <p:extLst>
-      <p:ext uri="{BB962C8B-B14F-4D97-AF65-F5344CB8AC3E}">
-        <p14:creationId xmlns:p14="http://schemas.microsoft.com/office/powerpoint/2010/main" val="2569249417"/>
-      </p:ext>
-    </p:extLst>
   </p:cSld>
   <p:clrMapOvr>
     <a:masterClrMapping/>
@@ -23551,26 +23911,6 @@
               </a:rPr>
               <a:t>class Stock</a:t>
             </a:r>
-          </a:p>
-          <a:p>
-            <a:r>
-              <a:rPr lang="en-US" altLang="zh-CN" sz="1600" dirty="0" smtClean="0">
-                <a:solidFill>
-                  <a:schemeClr val="tx1"/>
-                </a:solidFill>
-              </a:rPr>
-              <a:t>{</a:t>
-            </a:r>
-          </a:p>
-          <a:p>
-            <a:r>
-              <a:rPr lang="en-US" altLang="zh-CN" sz="1600" dirty="0" smtClean="0">
-                <a:solidFill>
-                  <a:schemeClr val="tx1"/>
-                </a:solidFill>
-              </a:rPr>
-              <a:t>private:</a:t>
-            </a:r>
             <a:endParaRPr lang="en-US" altLang="zh-CN" sz="1600" dirty="0">
               <a:solidFill>
                 <a:schemeClr val="tx1"/>
@@ -23584,8 +23924,43 @@
                   <a:schemeClr val="tx1"/>
                 </a:solidFill>
               </a:rPr>
+              <a:t>{</a:t>
+            </a:r>
+            <a:endParaRPr lang="en-US" altLang="zh-CN" sz="1600" dirty="0" smtClean="0">
+              <a:solidFill>
+                <a:schemeClr val="tx1"/>
+              </a:solidFill>
+            </a:endParaRPr>
+          </a:p>
+          <a:p>
+            <a:r>
+              <a:rPr lang="en-US" altLang="zh-CN" sz="1600" dirty="0" smtClean="0">
+                <a:solidFill>
+                  <a:schemeClr val="tx1"/>
+                </a:solidFill>
+              </a:rPr>
+              <a:t>private:</a:t>
+            </a:r>
+            <a:endParaRPr lang="en-US" altLang="zh-CN" sz="1600" dirty="0">
+              <a:solidFill>
+                <a:schemeClr val="tx1"/>
+              </a:solidFill>
+            </a:endParaRPr>
+          </a:p>
+          <a:p>
+            <a:r>
+              <a:rPr lang="en-US" altLang="zh-CN" sz="1600" dirty="0" smtClean="0">
+                <a:solidFill>
+                  <a:schemeClr val="tx1"/>
+                </a:solidFill>
+              </a:rPr>
               <a:t>      char company[30];</a:t>
             </a:r>
+            <a:endParaRPr lang="en-US" altLang="zh-CN" sz="1600" dirty="0" smtClean="0">
+              <a:solidFill>
+                <a:schemeClr val="tx1"/>
+              </a:solidFill>
+            </a:endParaRPr>
           </a:p>
           <a:p>
             <a:pPr lvl="3"/>
@@ -23613,6 +23988,11 @@
               </a:rPr>
               <a:t> shares;</a:t>
             </a:r>
+            <a:endParaRPr lang="en-US" altLang="zh-CN" sz="1600" dirty="0" smtClean="0">
+              <a:solidFill>
+                <a:schemeClr val="tx1"/>
+              </a:solidFill>
+            </a:endParaRPr>
           </a:p>
           <a:p>
             <a:pPr lvl="3"/>
@@ -23640,6 +24020,11 @@
               </a:rPr>
               <a:t>;</a:t>
             </a:r>
+            <a:endParaRPr lang="en-US" altLang="zh-CN" sz="1600" dirty="0" smtClean="0">
+              <a:solidFill>
+                <a:srgbClr val="00B050"/>
+              </a:solidFill>
+            </a:endParaRPr>
           </a:p>
           <a:p>
             <a:pPr lvl="3"/>
@@ -23667,6 +24052,11 @@
               </a:rPr>
               <a:t>;</a:t>
             </a:r>
+            <a:endParaRPr lang="en-US" altLang="zh-CN" sz="1600" dirty="0" smtClean="0">
+              <a:solidFill>
+                <a:schemeClr val="tx1"/>
+              </a:solidFill>
+            </a:endParaRPr>
           </a:p>
           <a:p>
             <a:pPr lvl="3"/>
@@ -23726,6 +24116,11 @@
               </a:rPr>
               <a:t>; }</a:t>
             </a:r>
+            <a:endParaRPr lang="en-US" altLang="zh-CN" sz="1600" dirty="0" smtClean="0">
+              <a:solidFill>
+                <a:schemeClr val="tx1"/>
+              </a:solidFill>
+            </a:endParaRPr>
           </a:p>
           <a:p>
             <a:r>
@@ -23744,6 +24139,11 @@
               </a:rPr>
               <a:t>:</a:t>
             </a:r>
+            <a:endParaRPr lang="en-US" altLang="zh-CN" sz="1600" dirty="0">
+              <a:solidFill>
+                <a:schemeClr val="tx1"/>
+              </a:solidFill>
+            </a:endParaRPr>
           </a:p>
           <a:p>
             <a:r>
@@ -23810,6 +24210,11 @@
               </a:rPr>
               <a:t>);</a:t>
             </a:r>
+            <a:endParaRPr lang="en-US" altLang="zh-CN" sz="1600" dirty="0">
+              <a:solidFill>
+                <a:schemeClr val="tx1"/>
+              </a:solidFill>
+            </a:endParaRPr>
           </a:p>
           <a:p>
             <a:r>
@@ -23860,6 +24265,11 @@
               </a:rPr>
               <a:t>, double price);</a:t>
             </a:r>
+            <a:endParaRPr lang="en-US" altLang="zh-CN" sz="1600" dirty="0">
+              <a:solidFill>
+                <a:schemeClr val="tx1"/>
+              </a:solidFill>
+            </a:endParaRPr>
           </a:p>
           <a:p>
             <a:r>
@@ -23910,6 +24320,11 @@
               </a:rPr>
               <a:t>, double price);</a:t>
             </a:r>
+            <a:endParaRPr lang="en-US" altLang="zh-CN" sz="1600" dirty="0">
+              <a:solidFill>
+                <a:schemeClr val="tx1"/>
+              </a:solidFill>
+            </a:endParaRPr>
           </a:p>
           <a:p>
             <a:r>
@@ -23928,6 +24343,11 @@
               </a:rPr>
               <a:t>update(double price);</a:t>
             </a:r>
+            <a:endParaRPr lang="en-US" altLang="zh-CN" sz="1600" dirty="0">
+              <a:solidFill>
+                <a:srgbClr val="00B050"/>
+              </a:solidFill>
+            </a:endParaRPr>
           </a:p>
           <a:p>
             <a:r>
@@ -23946,6 +24366,11 @@
               </a:rPr>
               <a:t>show();</a:t>
             </a:r>
+            <a:endParaRPr lang="en-US" altLang="zh-CN" sz="1600" dirty="0">
+              <a:solidFill>
+                <a:schemeClr val="tx1"/>
+              </a:solidFill>
+            </a:endParaRPr>
           </a:p>
           <a:p>
             <a:r>
@@ -24010,12 +24435,14 @@
               <a:rPr lang="en-US" altLang="zh-CN" dirty="0"/>
               <a:t>)</a:t>
             </a:r>
+            <a:endParaRPr lang="en-US" altLang="zh-CN" dirty="0"/>
           </a:p>
           <a:p>
             <a:r>
               <a:rPr lang="en-US" altLang="zh-CN" dirty="0"/>
               <a:t>{</a:t>
             </a:r>
+            <a:endParaRPr lang="en-US" altLang="zh-CN" dirty="0"/>
           </a:p>
           <a:p>
             <a:r>
@@ -24050,6 +24477,7 @@
               <a:rPr lang="en-US" altLang="zh-CN" dirty="0"/>
               <a:t>;</a:t>
             </a:r>
+            <a:endParaRPr lang="en-US" altLang="zh-CN" dirty="0"/>
           </a:p>
           <a:p>
             <a:r>
@@ -24064,21 +24492,18 @@
               <a:rPr lang="en-US" altLang="zh-CN" dirty="0"/>
               <a:t>();</a:t>
             </a:r>
+            <a:endParaRPr lang="en-US" altLang="zh-CN" dirty="0"/>
           </a:p>
           <a:p>
             <a:r>
               <a:rPr lang="en-US" altLang="zh-CN" dirty="0" smtClean="0"/>
               <a:t>}</a:t>
             </a:r>
+            <a:endParaRPr lang="en-US" altLang="zh-CN" dirty="0" smtClean="0"/>
           </a:p>
         </p:txBody>
       </p:sp>
     </p:spTree>
-    <p:extLst>
-      <p:ext uri="{BB962C8B-B14F-4D97-AF65-F5344CB8AC3E}">
-        <p14:creationId xmlns:p14="http://schemas.microsoft.com/office/powerpoint/2010/main" val="3542013249"/>
-      </p:ext>
-    </p:extLst>
   </p:cSld>
   <p:clrMapOvr>
     <a:masterClrMapping/>
@@ -24189,26 +24614,6 @@
               </a:rPr>
               <a:t>class Stock</a:t>
             </a:r>
-          </a:p>
-          <a:p>
-            <a:r>
-              <a:rPr lang="en-US" altLang="zh-CN" sz="1600" dirty="0" smtClean="0">
-                <a:solidFill>
-                  <a:schemeClr val="tx1"/>
-                </a:solidFill>
-              </a:rPr>
-              <a:t>{</a:t>
-            </a:r>
-          </a:p>
-          <a:p>
-            <a:r>
-              <a:rPr lang="en-US" altLang="zh-CN" sz="1600" dirty="0" smtClean="0">
-                <a:solidFill>
-                  <a:schemeClr val="tx1"/>
-                </a:solidFill>
-              </a:rPr>
-              <a:t>private:</a:t>
-            </a:r>
             <a:endParaRPr lang="en-US" altLang="zh-CN" sz="1600" dirty="0">
               <a:solidFill>
                 <a:schemeClr val="tx1"/>
@@ -24222,8 +24627,43 @@
                   <a:schemeClr val="tx1"/>
                 </a:solidFill>
               </a:rPr>
+              <a:t>{</a:t>
+            </a:r>
+            <a:endParaRPr lang="en-US" altLang="zh-CN" sz="1600" dirty="0" smtClean="0">
+              <a:solidFill>
+                <a:schemeClr val="tx1"/>
+              </a:solidFill>
+            </a:endParaRPr>
+          </a:p>
+          <a:p>
+            <a:r>
+              <a:rPr lang="en-US" altLang="zh-CN" sz="1600" dirty="0" smtClean="0">
+                <a:solidFill>
+                  <a:schemeClr val="tx1"/>
+                </a:solidFill>
+              </a:rPr>
+              <a:t>private:</a:t>
+            </a:r>
+            <a:endParaRPr lang="en-US" altLang="zh-CN" sz="1600" dirty="0">
+              <a:solidFill>
+                <a:schemeClr val="tx1"/>
+              </a:solidFill>
+            </a:endParaRPr>
+          </a:p>
+          <a:p>
+            <a:r>
+              <a:rPr lang="en-US" altLang="zh-CN" sz="1600" dirty="0" smtClean="0">
+                <a:solidFill>
+                  <a:schemeClr val="tx1"/>
+                </a:solidFill>
+              </a:rPr>
               <a:t>      char company[30];</a:t>
             </a:r>
+            <a:endParaRPr lang="en-US" altLang="zh-CN" sz="1600" dirty="0" smtClean="0">
+              <a:solidFill>
+                <a:schemeClr val="tx1"/>
+              </a:solidFill>
+            </a:endParaRPr>
           </a:p>
           <a:p>
             <a:pPr lvl="3"/>
@@ -24251,6 +24691,11 @@
               </a:rPr>
               <a:t> shares;</a:t>
             </a:r>
+            <a:endParaRPr lang="en-US" altLang="zh-CN" sz="1600" dirty="0" smtClean="0">
+              <a:solidFill>
+                <a:schemeClr val="tx1"/>
+              </a:solidFill>
+            </a:endParaRPr>
           </a:p>
           <a:p>
             <a:pPr lvl="3"/>
@@ -24294,6 +24739,11 @@
               </a:rPr>
               <a:t>;</a:t>
             </a:r>
+            <a:endParaRPr lang="en-US" altLang="zh-CN" sz="1600" dirty="0" smtClean="0">
+              <a:solidFill>
+                <a:schemeClr val="tx1"/>
+              </a:solidFill>
+            </a:endParaRPr>
           </a:p>
           <a:p>
             <a:pPr lvl="3"/>
@@ -24321,6 +24771,11 @@
               </a:rPr>
               <a:t>;</a:t>
             </a:r>
+            <a:endParaRPr lang="en-US" altLang="zh-CN" sz="1600" dirty="0" smtClean="0">
+              <a:solidFill>
+                <a:schemeClr val="tx1"/>
+              </a:solidFill>
+            </a:endParaRPr>
           </a:p>
           <a:p>
             <a:pPr lvl="3"/>
@@ -24380,6 +24835,11 @@
               </a:rPr>
               <a:t>; }</a:t>
             </a:r>
+            <a:endParaRPr lang="en-US" altLang="zh-CN" sz="1600" dirty="0" smtClean="0">
+              <a:solidFill>
+                <a:schemeClr val="tx1"/>
+              </a:solidFill>
+            </a:endParaRPr>
           </a:p>
           <a:p>
             <a:r>
@@ -24398,6 +24858,11 @@
               </a:rPr>
               <a:t>:</a:t>
             </a:r>
+            <a:endParaRPr lang="en-US" altLang="zh-CN" sz="1600" dirty="0">
+              <a:solidFill>
+                <a:schemeClr val="tx1"/>
+              </a:solidFill>
+            </a:endParaRPr>
           </a:p>
           <a:p>
             <a:r>
@@ -24464,6 +24929,11 @@
               </a:rPr>
               <a:t>);</a:t>
             </a:r>
+            <a:endParaRPr lang="en-US" altLang="zh-CN" sz="1600" dirty="0">
+              <a:solidFill>
+                <a:schemeClr val="tx1"/>
+              </a:solidFill>
+            </a:endParaRPr>
           </a:p>
           <a:p>
             <a:r>
@@ -24514,6 +24984,11 @@
               </a:rPr>
               <a:t>, double price);</a:t>
             </a:r>
+            <a:endParaRPr lang="en-US" altLang="zh-CN" sz="1600" dirty="0">
+              <a:solidFill>
+                <a:schemeClr val="tx1"/>
+              </a:solidFill>
+            </a:endParaRPr>
           </a:p>
           <a:p>
             <a:r>
@@ -24564,6 +25039,11 @@
               </a:rPr>
               <a:t>, double price);</a:t>
             </a:r>
+            <a:endParaRPr lang="en-US" altLang="zh-CN" sz="1600" dirty="0">
+              <a:solidFill>
+                <a:schemeClr val="tx1"/>
+              </a:solidFill>
+            </a:endParaRPr>
           </a:p>
           <a:p>
             <a:r>
@@ -24606,6 +25086,11 @@
               </a:rPr>
               <a:t>);</a:t>
             </a:r>
+            <a:endParaRPr lang="en-US" altLang="zh-CN" sz="1600" dirty="0">
+              <a:solidFill>
+                <a:srgbClr val="00B050"/>
+              </a:solidFill>
+            </a:endParaRPr>
           </a:p>
           <a:p>
             <a:r>
@@ -24624,6 +25109,11 @@
               </a:rPr>
               <a:t>show();</a:t>
             </a:r>
+            <a:endParaRPr lang="en-US" altLang="zh-CN" sz="1600" dirty="0">
+              <a:solidFill>
+                <a:schemeClr val="tx1"/>
+              </a:solidFill>
+            </a:endParaRPr>
           </a:p>
           <a:p>
             <a:r>
@@ -24695,6 +25185,7 @@
               <a:rPr lang="en-US" altLang="zh-CN" dirty="0"/>
               <a:t>{</a:t>
             </a:r>
+            <a:endParaRPr lang="en-US" altLang="zh-CN" dirty="0"/>
           </a:p>
           <a:p>
             <a:r>
@@ -24748,21 +25239,18 @@
               <a:rPr lang="en-US" altLang="zh-CN" dirty="0"/>
               <a:t>();</a:t>
             </a:r>
+            <a:endParaRPr lang="en-US" altLang="zh-CN" dirty="0"/>
           </a:p>
           <a:p>
             <a:r>
               <a:rPr lang="en-US" altLang="zh-CN" dirty="0" smtClean="0"/>
               <a:t>}</a:t>
             </a:r>
+            <a:endParaRPr lang="en-US" altLang="zh-CN" dirty="0" smtClean="0"/>
           </a:p>
         </p:txBody>
       </p:sp>
     </p:spTree>
-    <p:extLst>
-      <p:ext uri="{BB962C8B-B14F-4D97-AF65-F5344CB8AC3E}">
-        <p14:creationId xmlns:p14="http://schemas.microsoft.com/office/powerpoint/2010/main" val="1336994054"/>
-      </p:ext>
-    </p:extLst>
   </p:cSld>
   <p:clrMapOvr>
     <a:masterClrMapping/>
@@ -24873,26 +25361,6 @@
               </a:rPr>
               <a:t>class Stock</a:t>
             </a:r>
-          </a:p>
-          <a:p>
-            <a:r>
-              <a:rPr lang="en-US" altLang="zh-CN" sz="1600" dirty="0" smtClean="0">
-                <a:solidFill>
-                  <a:schemeClr val="tx1"/>
-                </a:solidFill>
-              </a:rPr>
-              <a:t>{</a:t>
-            </a:r>
-          </a:p>
-          <a:p>
-            <a:r>
-              <a:rPr lang="en-US" altLang="zh-CN" sz="1600" dirty="0" smtClean="0">
-                <a:solidFill>
-                  <a:schemeClr val="tx1"/>
-                </a:solidFill>
-              </a:rPr>
-              <a:t>private:</a:t>
-            </a:r>
             <a:endParaRPr lang="en-US" altLang="zh-CN" sz="1600" dirty="0">
               <a:solidFill>
                 <a:schemeClr val="tx1"/>
@@ -24906,8 +25374,43 @@
                   <a:schemeClr val="tx1"/>
                 </a:solidFill>
               </a:rPr>
+              <a:t>{</a:t>
+            </a:r>
+            <a:endParaRPr lang="en-US" altLang="zh-CN" sz="1600" dirty="0" smtClean="0">
+              <a:solidFill>
+                <a:schemeClr val="tx1"/>
+              </a:solidFill>
+            </a:endParaRPr>
+          </a:p>
+          <a:p>
+            <a:r>
+              <a:rPr lang="en-US" altLang="zh-CN" sz="1600" dirty="0" smtClean="0">
+                <a:solidFill>
+                  <a:schemeClr val="tx1"/>
+                </a:solidFill>
+              </a:rPr>
+              <a:t>private:</a:t>
+            </a:r>
+            <a:endParaRPr lang="en-US" altLang="zh-CN" sz="1600" dirty="0">
+              <a:solidFill>
+                <a:schemeClr val="tx1"/>
+              </a:solidFill>
+            </a:endParaRPr>
+          </a:p>
+          <a:p>
+            <a:r>
+              <a:rPr lang="en-US" altLang="zh-CN" sz="1600" dirty="0" smtClean="0">
+                <a:solidFill>
+                  <a:schemeClr val="tx1"/>
+                </a:solidFill>
+              </a:rPr>
               <a:t>      char company[30];</a:t>
             </a:r>
+            <a:endParaRPr lang="en-US" altLang="zh-CN" sz="1600" dirty="0" smtClean="0">
+              <a:solidFill>
+                <a:schemeClr val="tx1"/>
+              </a:solidFill>
+            </a:endParaRPr>
           </a:p>
           <a:p>
             <a:pPr lvl="3"/>
@@ -24935,6 +25438,11 @@
               </a:rPr>
               <a:t> shares;</a:t>
             </a:r>
+            <a:endParaRPr lang="en-US" altLang="zh-CN" sz="1600" dirty="0" smtClean="0">
+              <a:solidFill>
+                <a:schemeClr val="tx1"/>
+              </a:solidFill>
+            </a:endParaRPr>
           </a:p>
           <a:p>
             <a:pPr lvl="3"/>
@@ -24978,6 +25486,11 @@
               </a:rPr>
               <a:t>;</a:t>
             </a:r>
+            <a:endParaRPr lang="en-US" altLang="zh-CN" sz="1600" dirty="0" smtClean="0">
+              <a:solidFill>
+                <a:schemeClr val="tx1"/>
+              </a:solidFill>
+            </a:endParaRPr>
           </a:p>
           <a:p>
             <a:pPr lvl="3"/>
@@ -25005,6 +25518,11 @@
               </a:rPr>
               <a:t>;</a:t>
             </a:r>
+            <a:endParaRPr lang="en-US" altLang="zh-CN" sz="1600" dirty="0" smtClean="0">
+              <a:solidFill>
+                <a:schemeClr val="tx1"/>
+              </a:solidFill>
+            </a:endParaRPr>
           </a:p>
           <a:p>
             <a:pPr lvl="3"/>
@@ -25064,6 +25582,11 @@
               </a:rPr>
               <a:t>; }</a:t>
             </a:r>
+            <a:endParaRPr lang="en-US" altLang="zh-CN" sz="1600" dirty="0" smtClean="0">
+              <a:solidFill>
+                <a:schemeClr val="tx1"/>
+              </a:solidFill>
+            </a:endParaRPr>
           </a:p>
           <a:p>
             <a:r>
@@ -25082,6 +25605,11 @@
               </a:rPr>
               <a:t>:</a:t>
             </a:r>
+            <a:endParaRPr lang="en-US" altLang="zh-CN" sz="1600" dirty="0">
+              <a:solidFill>
+                <a:schemeClr val="tx1"/>
+              </a:solidFill>
+            </a:endParaRPr>
           </a:p>
           <a:p>
             <a:r>
@@ -25148,6 +25676,11 @@
               </a:rPr>
               <a:t>);</a:t>
             </a:r>
+            <a:endParaRPr lang="en-US" altLang="zh-CN" sz="1600" dirty="0">
+              <a:solidFill>
+                <a:schemeClr val="tx1"/>
+              </a:solidFill>
+            </a:endParaRPr>
           </a:p>
           <a:p>
             <a:r>
@@ -25198,6 +25731,11 @@
               </a:rPr>
               <a:t>, double price);</a:t>
             </a:r>
+            <a:endParaRPr lang="en-US" altLang="zh-CN" sz="1600" dirty="0">
+              <a:solidFill>
+                <a:schemeClr val="tx1"/>
+              </a:solidFill>
+            </a:endParaRPr>
           </a:p>
           <a:p>
             <a:r>
@@ -25248,6 +25786,11 @@
               </a:rPr>
               <a:t>, double price);</a:t>
             </a:r>
+            <a:endParaRPr lang="en-US" altLang="zh-CN" sz="1600" dirty="0">
+              <a:solidFill>
+                <a:schemeClr val="tx1"/>
+              </a:solidFill>
+            </a:endParaRPr>
           </a:p>
           <a:p>
             <a:r>
@@ -25290,6 +25833,11 @@
               </a:rPr>
               <a:t>);</a:t>
             </a:r>
+            <a:endParaRPr lang="en-US" altLang="zh-CN" sz="1600" dirty="0">
+              <a:solidFill>
+                <a:srgbClr val="00B050"/>
+              </a:solidFill>
+            </a:endParaRPr>
           </a:p>
           <a:p>
             <a:r>
@@ -25308,6 +25856,11 @@
               </a:rPr>
               <a:t>show();</a:t>
             </a:r>
+            <a:endParaRPr lang="en-US" altLang="zh-CN" sz="1600" dirty="0">
+              <a:solidFill>
+                <a:schemeClr val="tx1"/>
+              </a:solidFill>
+            </a:endParaRPr>
           </a:p>
           <a:p>
             <a:r>
@@ -25379,6 +25932,7 @@
               <a:rPr lang="en-US" altLang="zh-CN" dirty="0"/>
               <a:t>{</a:t>
             </a:r>
+            <a:endParaRPr lang="en-US" altLang="zh-CN" dirty="0"/>
           </a:p>
           <a:p>
             <a:r>
@@ -25440,21 +25994,18 @@
               <a:rPr lang="en-US" altLang="zh-CN" dirty="0"/>
               <a:t>();</a:t>
             </a:r>
+            <a:endParaRPr lang="en-US" altLang="zh-CN" dirty="0"/>
           </a:p>
           <a:p>
             <a:r>
               <a:rPr lang="en-US" altLang="zh-CN" dirty="0" smtClean="0"/>
               <a:t>}</a:t>
             </a:r>
+            <a:endParaRPr lang="en-US" altLang="zh-CN" dirty="0" smtClean="0"/>
           </a:p>
         </p:txBody>
       </p:sp>
     </p:spTree>
-    <p:extLst>
-      <p:ext uri="{BB962C8B-B14F-4D97-AF65-F5344CB8AC3E}">
-        <p14:creationId xmlns:p14="http://schemas.microsoft.com/office/powerpoint/2010/main" val="3437790267"/>
-      </p:ext>
-    </p:extLst>
   </p:cSld>
   <p:clrMapOvr>
     <a:masterClrMapping/>
@@ -25514,9 +26065,14 @@
               </a:rPr>
               <a:t>(1) Define an array of objects:</a:t>
             </a:r>
-          </a:p>
-          <a:p>
-            <a:pPr marL="109535" indent="0" algn="ctr">
+            <a:endParaRPr lang="en-US" altLang="zh-CN" sz="2000" dirty="0" smtClean="0">
+              <a:solidFill>
+                <a:schemeClr val="bg1"/>
+              </a:solidFill>
+            </a:endParaRPr>
+          </a:p>
+          <a:p>
+            <a:pPr marL="109220" indent="0" algn="ctr">
               <a:buNone/>
             </a:pPr>
             <a:r>
@@ -25573,7 +26129,7 @@
             </a:endParaRPr>
           </a:p>
           <a:p>
-            <a:pPr marL="109535" indent="0" algn="ctr">
+            <a:pPr marL="109220" indent="0" algn="ctr">
               <a:buNone/>
             </a:pPr>
             <a:r>
@@ -25615,9 +26171,14 @@
               </a:rPr>
               <a:t>(3)Initialize array of objects by calling constructors:</a:t>
             </a:r>
-          </a:p>
-          <a:p>
-            <a:pPr marL="109535" indent="0">
+            <a:endParaRPr lang="en-US" altLang="zh-CN" sz="2000" dirty="0" smtClean="0">
+              <a:solidFill>
+                <a:schemeClr val="bg1"/>
+              </a:solidFill>
+            </a:endParaRPr>
+          </a:p>
+          <a:p>
+            <a:pPr marL="109220" indent="0">
               <a:buNone/>
             </a:pPr>
             <a:r>
@@ -25644,9 +26205,14 @@
               </a:rPr>
               <a:t>= {</a:t>
             </a:r>
-          </a:p>
-          <a:p>
-            <a:pPr marL="109535" indent="0">
+            <a:endParaRPr lang="en-US" altLang="zh-CN" sz="2000" dirty="0">
+              <a:solidFill>
+                <a:srgbClr val="00B050"/>
+              </a:solidFill>
+            </a:endParaRPr>
+          </a:p>
+          <a:p>
+            <a:pPr marL="109220" indent="0">
               <a:buNone/>
             </a:pPr>
             <a:r>
@@ -25681,9 +26247,14 @@
               </a:rPr>
               <a:t>", 12.5, 20),</a:t>
             </a:r>
-          </a:p>
-          <a:p>
-            <a:pPr marL="109535" indent="0">
+            <a:endParaRPr lang="en-US" altLang="zh-CN" sz="2000" dirty="0">
+              <a:solidFill>
+                <a:srgbClr val="00B050"/>
+              </a:solidFill>
+            </a:endParaRPr>
+          </a:p>
+          <a:p>
+            <a:pPr marL="109220" indent="0">
               <a:buNone/>
             </a:pPr>
             <a:r>
@@ -25702,9 +26273,14 @@
               </a:rPr>
               <a:t>(),</a:t>
             </a:r>
-          </a:p>
-          <a:p>
-            <a:pPr marL="109535" indent="0">
+            <a:endParaRPr lang="en-US" altLang="zh-CN" sz="2000" dirty="0">
+              <a:solidFill>
+                <a:srgbClr val="00B050"/>
+              </a:solidFill>
+            </a:endParaRPr>
+          </a:p>
+          <a:p>
+            <a:pPr marL="109220" indent="0">
               <a:buNone/>
             </a:pPr>
             <a:r>
@@ -25723,9 +26299,14 @@
               </a:rPr>
               <a:t>("Monolithic Obelisks", 130, 3.25),</a:t>
             </a:r>
-          </a:p>
-          <a:p>
-            <a:pPr marL="109535" indent="0">
+            <a:endParaRPr lang="en-US" altLang="zh-CN" sz="2000" dirty="0">
+              <a:solidFill>
+                <a:srgbClr val="00B050"/>
+              </a:solidFill>
+            </a:endParaRPr>
+          </a:p>
+          <a:p>
+            <a:pPr marL="109220" indent="0">
               <a:buNone/>
             </a:pPr>
             <a:r>
@@ -25778,11 +26359,6 @@
         </p:txBody>
       </p:sp>
     </p:spTree>
-    <p:extLst>
-      <p:ext uri="{BB962C8B-B14F-4D97-AF65-F5344CB8AC3E}">
-        <p14:creationId xmlns:p14="http://schemas.microsoft.com/office/powerpoint/2010/main" val="717849321"/>
-      </p:ext>
-    </p:extLst>
   </p:cSld>
   <p:clrMapOvr>
     <a:masterClrMapping/>
@@ -25842,6 +26418,7 @@
               <a:rPr lang="en-US" altLang="zh-CN" sz="2000" dirty="0" smtClean="0"/>
               <a:t>class.</a:t>
             </a:r>
+            <a:endParaRPr lang="en-US" altLang="zh-CN" sz="2000" dirty="0" smtClean="0"/>
           </a:p>
           <a:p>
             <a:r>
@@ -25864,6 +26441,7 @@
               <a:rPr lang="en-US" altLang="zh-CN" sz="2000" dirty="0" smtClean="0"/>
               <a:t>.</a:t>
             </a:r>
+            <a:endParaRPr lang="en-US" altLang="zh-CN" sz="2000" dirty="0" smtClean="0"/>
           </a:p>
           <a:p>
             <a:r>
@@ -25924,11 +26502,6 @@
         </p:txBody>
       </p:sp>
     </p:spTree>
-    <p:extLst>
-      <p:ext uri="{BB962C8B-B14F-4D97-AF65-F5344CB8AC3E}">
-        <p14:creationId xmlns:p14="http://schemas.microsoft.com/office/powerpoint/2010/main" val="3095503369"/>
-      </p:ext>
-    </p:extLst>
   </p:cSld>
   <p:clrMapOvr>
     <a:masterClrMapping/>
@@ -26070,7 +26643,7 @@
           <p:nvPr/>
         </p:nvPicPr>
         <p:blipFill>
-          <a:blip r:embed="rId2"/>
+          <a:blip r:embed="rId1"/>
           <a:stretch>
             <a:fillRect/>
           </a:stretch>
@@ -26086,11 +26659,6 @@
         </p:spPr>
       </p:pic>
     </p:spTree>
-    <p:extLst>
-      <p:ext uri="{BB962C8B-B14F-4D97-AF65-F5344CB8AC3E}">
-        <p14:creationId xmlns:p14="http://schemas.microsoft.com/office/powerpoint/2010/main" val="549424000"/>
-      </p:ext>
-    </p:extLst>
   </p:cSld>
   <p:clrMapOvr>
     <a:masterClrMapping/>
@@ -26154,7 +26722,7 @@
                 <a:latin typeface="Arial" panose="020B0604020202020204" pitchFamily="34" charset="0"/>
               </a:defRPr>
             </a:lvl1pPr>
-            <a:lvl2pPr marL="557213" indent="-214313">
+            <a:lvl2pPr marL="557530" indent="-214630">
               <a:spcBef>
                 <a:spcPct val="20000"/>
               </a:spcBef>
@@ -26290,15 +26858,6 @@
               <a:rPr lang="zh-CN" altLang="en-US" sz="1050">
                 <a:latin typeface="Arial Black" panose="020B0A04020102020204" pitchFamily="34" charset="0"/>
               </a:rPr>
-              <a:pPr>
-                <a:spcBef>
-                  <a:spcPct val="0"/>
-                </a:spcBef>
-                <a:buClrTx/>
-                <a:buFontTx/>
-                <a:buNone/>
-              </a:pPr>
-              <a:t>5</a:t>
             </a:fld>
             <a:endParaRPr lang="en-US" altLang="zh-CN" sz="1050">
               <a:latin typeface="Arial Black" panose="020B0A04020102020204" pitchFamily="34" charset="0"/>
@@ -26312,9 +26871,7 @@
           <p:cNvGraphicFramePr>
             <a:graphicFrameLocks noGrp="1"/>
           </p:cNvGraphicFramePr>
-          <p:nvPr>
-            <p:extLst/>
-          </p:nvPr>
+          <p:nvPr/>
         </p:nvGraphicFramePr>
         <p:xfrm>
           <a:off x="5153025" y="1328976"/>
@@ -26327,13 +26884,7 @@
                 <a:tableStyleId>{5C22544A-7EE6-4342-B048-85BDC9FD1C3A}</a:tableStyleId>
               </a:tblPr>
               <a:tblGrid>
-                <a:gridCol w="1704975">
-                  <a:extLst>
-                    <a:ext uri="{9D8B030D-6E8A-4147-A177-3AD203B41FA5}">
-                      <a16:colId xmlns:a16="http://schemas.microsoft.com/office/drawing/2014/main" val="20000"/>
-                    </a:ext>
-                  </a:extLst>
-                </a:gridCol>
+                <a:gridCol w="1704975"/>
               </a:tblGrid>
               <a:tr h="2815828">
                 <a:tc>
@@ -26389,11 +26940,6 @@
                     </a:solidFill>
                   </a:tcPr>
                 </a:tc>
-                <a:extLst>
-                  <a:ext uri="{0D108BD9-81ED-4DB2-BD59-A6C34878D82A}">
-                    <a16:rowId xmlns:a16="http://schemas.microsoft.com/office/drawing/2014/main" val="10000"/>
-                  </a:ext>
-                </a:extLst>
               </a:tr>
             </a:tbl>
           </a:graphicData>
@@ -26408,7 +26954,7 @@
           <p:nvPr/>
         </p:nvPicPr>
         <p:blipFill>
-          <a:blip r:embed="rId2">
+          <a:blip r:embed="rId1">
             <a:extLst>
               <a:ext uri="{28A0092B-C50C-407E-A947-70E740481C1C}">
                 <a14:useLocalDpi xmlns:a14="http://schemas.microsoft.com/office/drawing/2010/main" val="0"/>
@@ -26734,7 +27280,7 @@
           <p:nvPr/>
         </p:nvPicPr>
         <p:blipFill>
-          <a:blip r:embed="rId3">
+          <a:blip r:embed="rId2">
             <a:extLst>
               <a:ext uri="{28A0092B-C50C-407E-A947-70E740481C1C}">
                 <a14:useLocalDpi xmlns:a14="http://schemas.microsoft.com/office/drawing/2010/main" val="0"/>
@@ -26788,7 +27334,7 @@
           <p:nvPr/>
         </p:nvPicPr>
         <p:blipFill>
-          <a:blip r:embed="rId4">
+          <a:blip r:embed="rId3">
             <a:extLst>
               <a:ext uri="{28A0092B-C50C-407E-A947-70E740481C1C}">
                 <a14:useLocalDpi xmlns:a14="http://schemas.microsoft.com/office/drawing/2010/main" val="0"/>
@@ -26842,7 +27388,7 @@
           <p:nvPr/>
         </p:nvPicPr>
         <p:blipFill>
-          <a:blip r:embed="rId5">
+          <a:blip r:embed="rId4">
             <a:extLst>
               <a:ext uri="{28A0092B-C50C-407E-A947-70E740481C1C}">
                 <a14:useLocalDpi xmlns:a14="http://schemas.microsoft.com/office/drawing/2010/main" val="0"/>
@@ -27374,6 +27920,13 @@
               </a:rPr>
               <a:t>Name;</a:t>
             </a:r>
+            <a:endParaRPr lang="en-US" altLang="zh-CN" sz="1050" dirty="0">
+              <a:solidFill>
+                <a:srgbClr val="C00000"/>
+              </a:solidFill>
+              <a:latin typeface="Times New Roman" panose="02020603050405020304" pitchFamily="18" charset="0"/>
+              <a:cs typeface="Times New Roman" panose="02020603050405020304" pitchFamily="18" charset="0"/>
+            </a:endParaRPr>
           </a:p>
           <a:p>
             <a:pPr>
@@ -27399,6 +27952,13 @@
               </a:rPr>
               <a:t>;</a:t>
             </a:r>
+            <a:endParaRPr lang="en-US" altLang="zh-CN" sz="1050" dirty="0">
+              <a:solidFill>
+                <a:srgbClr val="C00000"/>
+              </a:solidFill>
+              <a:latin typeface="Times New Roman" panose="02020603050405020304" pitchFamily="18" charset="0"/>
+              <a:cs typeface="Times New Roman" panose="02020603050405020304" pitchFamily="18" charset="0"/>
+            </a:endParaRPr>
           </a:p>
           <a:p>
             <a:pPr>
@@ -27424,6 +27984,13 @@
               </a:rPr>
               <a:t>;</a:t>
             </a:r>
+            <a:endParaRPr lang="en-US" altLang="zh-CN" sz="1050" dirty="0">
+              <a:solidFill>
+                <a:srgbClr val="C00000"/>
+              </a:solidFill>
+              <a:latin typeface="Times New Roman" panose="02020603050405020304" pitchFamily="18" charset="0"/>
+              <a:cs typeface="Times New Roman" panose="02020603050405020304" pitchFamily="18" charset="0"/>
+            </a:endParaRPr>
           </a:p>
           <a:p>
             <a:pPr>
@@ -27439,6 +28006,13 @@
               </a:rPr>
               <a:t>……</a:t>
             </a:r>
+            <a:endParaRPr lang="en-US" altLang="zh-CN" sz="1050" dirty="0">
+              <a:solidFill>
+                <a:srgbClr val="C00000"/>
+              </a:solidFill>
+              <a:latin typeface="Times New Roman" panose="02020603050405020304" pitchFamily="18" charset="0"/>
+              <a:cs typeface="Times New Roman" panose="02020603050405020304" pitchFamily="18" charset="0"/>
+            </a:endParaRPr>
           </a:p>
         </p:txBody>
       </p:sp>
@@ -27506,6 +28080,13 @@
               </a:rPr>
               <a:t>();</a:t>
             </a:r>
+            <a:endParaRPr lang="en-US" altLang="zh-CN" sz="1050" dirty="0">
+              <a:solidFill>
+                <a:srgbClr val="C00000"/>
+              </a:solidFill>
+              <a:latin typeface="Times New Roman" panose="02020603050405020304" pitchFamily="18" charset="0"/>
+              <a:cs typeface="Times New Roman" panose="02020603050405020304" pitchFamily="18" charset="0"/>
+            </a:endParaRPr>
           </a:p>
           <a:p>
             <a:pPr>
@@ -27531,6 +28112,13 @@
               </a:rPr>
               <a:t>();</a:t>
             </a:r>
+            <a:endParaRPr lang="en-US" altLang="zh-CN" sz="1050" dirty="0">
+              <a:solidFill>
+                <a:srgbClr val="C00000"/>
+              </a:solidFill>
+              <a:latin typeface="Times New Roman" panose="02020603050405020304" pitchFamily="18" charset="0"/>
+              <a:cs typeface="Times New Roman" panose="02020603050405020304" pitchFamily="18" charset="0"/>
+            </a:endParaRPr>
           </a:p>
           <a:p>
             <a:pPr>
@@ -27556,6 +28144,13 @@
               </a:rPr>
               <a:t>();</a:t>
             </a:r>
+            <a:endParaRPr lang="en-US" altLang="zh-CN" sz="1050" dirty="0">
+              <a:solidFill>
+                <a:srgbClr val="C00000"/>
+              </a:solidFill>
+              <a:latin typeface="Times New Roman" panose="02020603050405020304" pitchFamily="18" charset="0"/>
+              <a:cs typeface="Times New Roman" panose="02020603050405020304" pitchFamily="18" charset="0"/>
+            </a:endParaRPr>
           </a:p>
           <a:p>
             <a:pPr>
@@ -27571,6 +28166,13 @@
               </a:rPr>
               <a:t>……</a:t>
             </a:r>
+            <a:endParaRPr lang="en-US" altLang="zh-CN" sz="1050" dirty="0">
+              <a:solidFill>
+                <a:srgbClr val="C00000"/>
+              </a:solidFill>
+              <a:latin typeface="Times New Roman" panose="02020603050405020304" pitchFamily="18" charset="0"/>
+              <a:cs typeface="Times New Roman" panose="02020603050405020304" pitchFamily="18" charset="0"/>
+            </a:endParaRPr>
           </a:p>
         </p:txBody>
       </p:sp>
@@ -27855,9 +28457,7 @@
           <p:cNvGraphicFramePr>
             <a:graphicFrameLocks noGrp="1"/>
           </p:cNvGraphicFramePr>
-          <p:nvPr>
-            <p:extLst/>
-          </p:nvPr>
+          <p:nvPr/>
         </p:nvGraphicFramePr>
         <p:xfrm>
           <a:off x="5153025" y="1025366"/>
@@ -27870,13 +28470,7 @@
                 <a:tableStyleId>{5C22544A-7EE6-4342-B048-85BDC9FD1C3A}</a:tableStyleId>
               </a:tblPr>
               <a:tblGrid>
-                <a:gridCol w="1704975">
-                  <a:extLst>
-                    <a:ext uri="{9D8B030D-6E8A-4147-A177-3AD203B41FA5}">
-                      <a16:colId xmlns:a16="http://schemas.microsoft.com/office/drawing/2014/main" val="20000"/>
-                    </a:ext>
-                  </a:extLst>
-                </a:gridCol>
+                <a:gridCol w="1704975"/>
               </a:tblGrid>
               <a:tr h="296480">
                 <a:tc>
@@ -27931,11 +28525,6 @@
                     </a:lnB>
                   </a:tcPr>
                 </a:tc>
-                <a:extLst>
-                  <a:ext uri="{0D108BD9-81ED-4DB2-BD59-A6C34878D82A}">
-                    <a16:rowId xmlns:a16="http://schemas.microsoft.com/office/drawing/2014/main" val="10000"/>
-                  </a:ext>
-                </a:extLst>
               </a:tr>
             </a:tbl>
           </a:graphicData>
@@ -28064,9 +28653,7 @@
       <p:sp>
         <p:nvSpPr>
           <p:cNvPr id="22" name="Google Shape;146;p15"/>
-          <p:cNvSpPr txBox="1">
-            <a:spLocks/>
-          </p:cNvSpPr>
+          <p:cNvSpPr txBox="1"/>
           <p:nvPr/>
         </p:nvSpPr>
         <p:spPr>
@@ -28112,16 +28699,16 @@
                 <a:schemeClr val="lt1"/>
               </a:buClr>
               <a:buSzPts val="2400"/>
-              <a:buFont typeface="Montserrat"/>
+              <a:buFont typeface="Montserrat" panose="00000500000000000000"/>
               <a:buNone/>
               <a:defRPr sz="1800" b="0" i="0" u="none" strike="noStrike" cap="none">
                 <a:solidFill>
                   <a:schemeClr val="lt1"/>
                 </a:solidFill>
-                <a:latin typeface="Montserrat"/>
-                <a:ea typeface="Montserrat"/>
-                <a:cs typeface="Montserrat"/>
-                <a:sym typeface="Montserrat"/>
+                <a:latin typeface="Montserrat" panose="00000500000000000000"/>
+                <a:ea typeface="Montserrat" panose="00000500000000000000"/>
+                <a:cs typeface="Montserrat" panose="00000500000000000000"/>
+                <a:sym typeface="Montserrat" panose="00000500000000000000"/>
               </a:defRPr>
             </a:lvl1pPr>
             <a:lvl2pPr marR="0" lvl="1" algn="l" rtl="0">
@@ -28138,16 +28725,16 @@
                 <a:schemeClr val="lt1"/>
               </a:buClr>
               <a:buSzPts val="2400"/>
-              <a:buFont typeface="Montserrat"/>
+              <a:buFont typeface="Montserrat" panose="00000500000000000000"/>
               <a:buNone/>
               <a:defRPr sz="1800" b="0" i="0" u="none" strike="noStrike" cap="none">
                 <a:solidFill>
                   <a:schemeClr val="lt1"/>
                 </a:solidFill>
-                <a:latin typeface="Montserrat"/>
-                <a:ea typeface="Montserrat"/>
-                <a:cs typeface="Montserrat"/>
-                <a:sym typeface="Montserrat"/>
+                <a:latin typeface="Montserrat" panose="00000500000000000000"/>
+                <a:ea typeface="Montserrat" panose="00000500000000000000"/>
+                <a:cs typeface="Montserrat" panose="00000500000000000000"/>
+                <a:sym typeface="Montserrat" panose="00000500000000000000"/>
               </a:defRPr>
             </a:lvl2pPr>
             <a:lvl3pPr marR="0" lvl="2" algn="l" rtl="0">
@@ -28164,16 +28751,16 @@
                 <a:schemeClr val="lt1"/>
               </a:buClr>
               <a:buSzPts val="2400"/>
-              <a:buFont typeface="Montserrat"/>
+              <a:buFont typeface="Montserrat" panose="00000500000000000000"/>
               <a:buNone/>
               <a:defRPr sz="1800" b="0" i="0" u="none" strike="noStrike" cap="none">
                 <a:solidFill>
                   <a:schemeClr val="lt1"/>
                 </a:solidFill>
-                <a:latin typeface="Montserrat"/>
-                <a:ea typeface="Montserrat"/>
-                <a:cs typeface="Montserrat"/>
-                <a:sym typeface="Montserrat"/>
+                <a:latin typeface="Montserrat" panose="00000500000000000000"/>
+                <a:ea typeface="Montserrat" panose="00000500000000000000"/>
+                <a:cs typeface="Montserrat" panose="00000500000000000000"/>
+                <a:sym typeface="Montserrat" panose="00000500000000000000"/>
               </a:defRPr>
             </a:lvl3pPr>
             <a:lvl4pPr marR="0" lvl="3" algn="l" rtl="0">
@@ -28190,16 +28777,16 @@
                 <a:schemeClr val="lt1"/>
               </a:buClr>
               <a:buSzPts val="2400"/>
-              <a:buFont typeface="Montserrat"/>
+              <a:buFont typeface="Montserrat" panose="00000500000000000000"/>
               <a:buNone/>
               <a:defRPr sz="1800" b="0" i="0" u="none" strike="noStrike" cap="none">
                 <a:solidFill>
                   <a:schemeClr val="lt1"/>
                 </a:solidFill>
-                <a:latin typeface="Montserrat"/>
-                <a:ea typeface="Montserrat"/>
-                <a:cs typeface="Montserrat"/>
-                <a:sym typeface="Montserrat"/>
+                <a:latin typeface="Montserrat" panose="00000500000000000000"/>
+                <a:ea typeface="Montserrat" panose="00000500000000000000"/>
+                <a:cs typeface="Montserrat" panose="00000500000000000000"/>
+                <a:sym typeface="Montserrat" panose="00000500000000000000"/>
               </a:defRPr>
             </a:lvl4pPr>
             <a:lvl5pPr marR="0" lvl="4" algn="l" rtl="0">
@@ -28216,16 +28803,16 @@
                 <a:schemeClr val="lt1"/>
               </a:buClr>
               <a:buSzPts val="2400"/>
-              <a:buFont typeface="Montserrat"/>
+              <a:buFont typeface="Montserrat" panose="00000500000000000000"/>
               <a:buNone/>
               <a:defRPr sz="1800" b="0" i="0" u="none" strike="noStrike" cap="none">
                 <a:solidFill>
                   <a:schemeClr val="lt1"/>
                 </a:solidFill>
-                <a:latin typeface="Montserrat"/>
-                <a:ea typeface="Montserrat"/>
-                <a:cs typeface="Montserrat"/>
-                <a:sym typeface="Montserrat"/>
+                <a:latin typeface="Montserrat" panose="00000500000000000000"/>
+                <a:ea typeface="Montserrat" panose="00000500000000000000"/>
+                <a:cs typeface="Montserrat" panose="00000500000000000000"/>
+                <a:sym typeface="Montserrat" panose="00000500000000000000"/>
               </a:defRPr>
             </a:lvl5pPr>
             <a:lvl6pPr marR="0" lvl="5" algn="l" rtl="0">
@@ -28242,16 +28829,16 @@
                 <a:schemeClr val="lt1"/>
               </a:buClr>
               <a:buSzPts val="2400"/>
-              <a:buFont typeface="Montserrat"/>
+              <a:buFont typeface="Montserrat" panose="00000500000000000000"/>
               <a:buNone/>
               <a:defRPr sz="1800" b="0" i="0" u="none" strike="noStrike" cap="none">
                 <a:solidFill>
                   <a:schemeClr val="lt1"/>
                 </a:solidFill>
-                <a:latin typeface="Montserrat"/>
-                <a:ea typeface="Montserrat"/>
-                <a:cs typeface="Montserrat"/>
-                <a:sym typeface="Montserrat"/>
+                <a:latin typeface="Montserrat" panose="00000500000000000000"/>
+                <a:ea typeface="Montserrat" panose="00000500000000000000"/>
+                <a:cs typeface="Montserrat" panose="00000500000000000000"/>
+                <a:sym typeface="Montserrat" panose="00000500000000000000"/>
               </a:defRPr>
             </a:lvl6pPr>
             <a:lvl7pPr marR="0" lvl="6" algn="l" rtl="0">
@@ -28268,16 +28855,16 @@
                 <a:schemeClr val="lt1"/>
               </a:buClr>
               <a:buSzPts val="2400"/>
-              <a:buFont typeface="Montserrat"/>
+              <a:buFont typeface="Montserrat" panose="00000500000000000000"/>
               <a:buNone/>
               <a:defRPr sz="1800" b="0" i="0" u="none" strike="noStrike" cap="none">
                 <a:solidFill>
                   <a:schemeClr val="lt1"/>
                 </a:solidFill>
-                <a:latin typeface="Montserrat"/>
-                <a:ea typeface="Montserrat"/>
-                <a:cs typeface="Montserrat"/>
-                <a:sym typeface="Montserrat"/>
+                <a:latin typeface="Montserrat" panose="00000500000000000000"/>
+                <a:ea typeface="Montserrat" panose="00000500000000000000"/>
+                <a:cs typeface="Montserrat" panose="00000500000000000000"/>
+                <a:sym typeface="Montserrat" panose="00000500000000000000"/>
               </a:defRPr>
             </a:lvl7pPr>
             <a:lvl8pPr marR="0" lvl="7" algn="l" rtl="0">
@@ -28294,16 +28881,16 @@
                 <a:schemeClr val="lt1"/>
               </a:buClr>
               <a:buSzPts val="2400"/>
-              <a:buFont typeface="Montserrat"/>
+              <a:buFont typeface="Montserrat" panose="00000500000000000000"/>
               <a:buNone/>
               <a:defRPr sz="1800" b="0" i="0" u="none" strike="noStrike" cap="none">
                 <a:solidFill>
                   <a:schemeClr val="lt1"/>
                 </a:solidFill>
-                <a:latin typeface="Montserrat"/>
-                <a:ea typeface="Montserrat"/>
-                <a:cs typeface="Montserrat"/>
-                <a:sym typeface="Montserrat"/>
+                <a:latin typeface="Montserrat" panose="00000500000000000000"/>
+                <a:ea typeface="Montserrat" panose="00000500000000000000"/>
+                <a:cs typeface="Montserrat" panose="00000500000000000000"/>
+                <a:sym typeface="Montserrat" panose="00000500000000000000"/>
               </a:defRPr>
             </a:lvl8pPr>
             <a:lvl9pPr marR="0" lvl="8" algn="l" rtl="0">
@@ -28320,16 +28907,16 @@
                 <a:schemeClr val="lt1"/>
               </a:buClr>
               <a:buSzPts val="2400"/>
-              <a:buFont typeface="Montserrat"/>
+              <a:buFont typeface="Montserrat" panose="00000500000000000000"/>
               <a:buNone/>
               <a:defRPr sz="1800" b="0" i="0" u="none" strike="noStrike" cap="none">
                 <a:solidFill>
                   <a:schemeClr val="lt1"/>
                 </a:solidFill>
-                <a:latin typeface="Montserrat"/>
-                <a:ea typeface="Montserrat"/>
-                <a:cs typeface="Montserrat"/>
-                <a:sym typeface="Montserrat"/>
+                <a:latin typeface="Montserrat" panose="00000500000000000000"/>
+                <a:ea typeface="Montserrat" panose="00000500000000000000"/>
+                <a:cs typeface="Montserrat" panose="00000500000000000000"/>
+                <a:sym typeface="Montserrat" panose="00000500000000000000"/>
               </a:defRPr>
             </a:lvl9pPr>
           </a:lstStyle>
@@ -28343,11 +28930,6 @@
         </p:txBody>
       </p:sp>
     </p:spTree>
-    <p:extLst>
-      <p:ext uri="{BB962C8B-B14F-4D97-AF65-F5344CB8AC3E}">
-        <p14:creationId xmlns:p14="http://schemas.microsoft.com/office/powerpoint/2010/main" val="1001455172"/>
-      </p:ext>
-    </p:extLst>
   </p:cSld>
   <p:clrMapOvr>
     <a:masterClrMapping/>
@@ -28361,13 +28943,13 @@
               <p:cTn id="2" dur="indefinite" nodeType="mainSeq">
                 <p:childTnLst>
                   <p:par>
-                    <p:cTn id="3" fill="hold" nodeType="clickPar">
+                    <p:cTn id="3" fill="hold">
                       <p:stCondLst>
                         <p:cond delay="indefinite"/>
                       </p:stCondLst>
                       <p:childTnLst>
                         <p:par>
-                          <p:cTn id="4" fill="hold" nodeType="withGroup">
+                          <p:cTn id="4" fill="hold">
                             <p:stCondLst>
                               <p:cond delay="0"/>
                             </p:stCondLst>
@@ -28487,13 +29069,13 @@
                     </p:cTn>
                   </p:par>
                   <p:par>
-                    <p:cTn id="13" fill="hold" nodeType="clickPar">
+                    <p:cTn id="13" fill="hold">
                       <p:stCondLst>
                         <p:cond delay="indefinite"/>
                       </p:stCondLst>
                       <p:childTnLst>
                         <p:par>
-                          <p:cTn id="14" fill="hold" nodeType="withGroup">
+                          <p:cTn id="14" fill="hold">
                             <p:stCondLst>
                               <p:cond delay="0"/>
                             </p:stCondLst>
@@ -28575,13 +29157,13 @@
                     </p:cTn>
                   </p:par>
                   <p:par>
-                    <p:cTn id="21" fill="hold" nodeType="clickPar">
+                    <p:cTn id="21" fill="hold">
                       <p:stCondLst>
                         <p:cond delay="indefinite"/>
                       </p:stCondLst>
                       <p:childTnLst>
                         <p:par>
-                          <p:cTn id="22" fill="hold" nodeType="withGroup">
+                          <p:cTn id="22" fill="hold">
                             <p:stCondLst>
                               <p:cond delay="0"/>
                             </p:stCondLst>
@@ -28663,13 +29245,13 @@
                     </p:cTn>
                   </p:par>
                   <p:par>
-                    <p:cTn id="29" fill="hold" nodeType="clickPar">
+                    <p:cTn id="29" fill="hold">
                       <p:stCondLst>
                         <p:cond delay="indefinite"/>
                       </p:stCondLst>
                       <p:childTnLst>
                         <p:par>
-                          <p:cTn id="30" fill="hold" nodeType="withGroup">
+                          <p:cTn id="30" fill="hold">
                             <p:stCondLst>
                               <p:cond delay="0"/>
                             </p:stCondLst>
@@ -28751,13 +29333,13 @@
                     </p:cTn>
                   </p:par>
                   <p:par>
-                    <p:cTn id="37" fill="hold" nodeType="clickPar">
+                    <p:cTn id="37" fill="hold">
                       <p:stCondLst>
                         <p:cond delay="indefinite"/>
                       </p:stCondLst>
                       <p:childTnLst>
                         <p:par>
-                          <p:cTn id="38" fill="hold" nodeType="withGroup">
+                          <p:cTn id="38" fill="hold">
                             <p:stCondLst>
                               <p:cond delay="0"/>
                             </p:stCondLst>
@@ -28839,13 +29421,13 @@
                     </p:cTn>
                   </p:par>
                   <p:par>
-                    <p:cTn id="45" fill="hold" nodeType="clickPar">
+                    <p:cTn id="45" fill="hold">
                       <p:stCondLst>
                         <p:cond delay="indefinite"/>
                       </p:stCondLst>
                       <p:childTnLst>
                         <p:par>
-                          <p:cTn id="46" fill="hold" nodeType="withGroup">
+                          <p:cTn id="46" fill="hold">
                             <p:stCondLst>
                               <p:cond delay="0"/>
                             </p:stCondLst>
@@ -28892,13 +29474,13 @@
                     </p:cTn>
                   </p:par>
                   <p:par>
-                    <p:cTn id="50" fill="hold" nodeType="clickPar">
+                    <p:cTn id="50" fill="hold">
                       <p:stCondLst>
                         <p:cond delay="indefinite"/>
                       </p:stCondLst>
                       <p:childTnLst>
                         <p:par>
-                          <p:cTn id="51" fill="hold" nodeType="withGroup">
+                          <p:cTn id="51" fill="hold">
                             <p:stCondLst>
                               <p:cond delay="0"/>
                             </p:stCondLst>
@@ -28980,13 +29562,13 @@
                     </p:cTn>
                   </p:par>
                   <p:par>
-                    <p:cTn id="58" fill="hold" nodeType="clickPar">
+                    <p:cTn id="58" fill="hold">
                       <p:stCondLst>
                         <p:cond delay="indefinite"/>
                       </p:stCondLst>
                       <p:childTnLst>
                         <p:par>
-                          <p:cTn id="59" fill="hold" nodeType="withGroup">
+                          <p:cTn id="59" fill="hold">
                             <p:stCondLst>
                               <p:cond delay="0"/>
                             </p:stCondLst>
@@ -29151,7 +29733,7 @@
           <a:bodyPr rtlCol="0" anchor="ctr"/>
           <a:lstStyle/>
           <a:p>
-            <a:pPr marL="109535" indent="0">
+            <a:pPr marL="109220" indent="0">
               <a:buNone/>
             </a:pPr>
             <a:r>
@@ -29162,9 +29744,14 @@
               </a:rPr>
               <a:t>class Bakery</a:t>
             </a:r>
-          </a:p>
-          <a:p>
-            <a:pPr marL="109535" indent="0">
+            <a:endParaRPr lang="en-US" altLang="zh-CN" sz="1800" dirty="0">
+              <a:solidFill>
+                <a:schemeClr val="tx1"/>
+              </a:solidFill>
+            </a:endParaRPr>
+          </a:p>
+          <a:p>
+            <a:pPr marL="109220" indent="0">
               <a:buNone/>
             </a:pPr>
             <a:r>
@@ -29175,9 +29762,14 @@
               </a:rPr>
               <a:t>{</a:t>
             </a:r>
-          </a:p>
-          <a:p>
-            <a:pPr marL="109535" indent="0">
+            <a:endParaRPr lang="en-US" altLang="zh-CN" sz="1800" dirty="0">
+              <a:solidFill>
+                <a:schemeClr val="tx1"/>
+              </a:solidFill>
+            </a:endParaRPr>
+          </a:p>
+          <a:p>
+            <a:pPr marL="109220" indent="0">
               <a:buNone/>
             </a:pPr>
             <a:r>
@@ -29188,9 +29780,14 @@
               </a:rPr>
               <a:t>private:</a:t>
             </a:r>
-          </a:p>
-          <a:p>
-            <a:pPr marL="109535" indent="0">
+            <a:endParaRPr lang="en-US" altLang="zh-CN" sz="1800" dirty="0">
+              <a:solidFill>
+                <a:schemeClr val="tx1"/>
+              </a:solidFill>
+            </a:endParaRPr>
+          </a:p>
+          <a:p>
+            <a:pPr marL="109220" indent="0">
               <a:buNone/>
             </a:pPr>
             <a:r>
@@ -29240,7 +29837,7 @@
             </a:endParaRPr>
           </a:p>
           <a:p>
-            <a:pPr marL="109535" indent="0">
+            <a:pPr marL="109220" indent="0">
               <a:buNone/>
             </a:pPr>
             <a:endParaRPr lang="en-US" altLang="zh-CN" sz="1800" dirty="0" smtClean="0">
@@ -29250,7 +29847,7 @@
             </a:endParaRPr>
           </a:p>
           <a:p>
-            <a:pPr marL="109535" indent="0">
+            <a:pPr marL="109220" indent="0">
               <a:buNone/>
             </a:pPr>
             <a:r>
@@ -29269,9 +29866,14 @@
               </a:rPr>
               <a:t>costs[Months];</a:t>
             </a:r>
-          </a:p>
-          <a:p>
-            <a:pPr marL="109535" indent="0">
+            <a:endParaRPr lang="en-US" altLang="zh-CN" sz="1800" dirty="0">
+              <a:solidFill>
+                <a:schemeClr val="tx1"/>
+              </a:solidFill>
+            </a:endParaRPr>
+          </a:p>
+          <a:p>
+            <a:pPr marL="109220" indent="0">
               <a:buNone/>
             </a:pPr>
             <a:r>
@@ -29282,9 +29884,14 @@
               </a:rPr>
               <a:t>...</a:t>
             </a:r>
-          </a:p>
-          <a:p>
-            <a:pPr marL="109535" indent="0">
+            <a:endParaRPr lang="en-US" altLang="zh-CN" sz="1800" dirty="0" smtClean="0">
+              <a:solidFill>
+                <a:schemeClr val="tx1"/>
+              </a:solidFill>
+            </a:endParaRPr>
+          </a:p>
+          <a:p>
+            <a:pPr marL="109220" indent="0">
               <a:buNone/>
             </a:pPr>
             <a:r>
@@ -29295,6 +29902,11 @@
               </a:rPr>
               <a:t>}</a:t>
             </a:r>
+            <a:endParaRPr lang="en-US" altLang="zh-CN" sz="2000" dirty="0">
+              <a:solidFill>
+                <a:schemeClr val="tx1"/>
+              </a:solidFill>
+            </a:endParaRPr>
           </a:p>
         </p:txBody>
       </p:sp>
@@ -29417,11 +30029,6 @@
         </p:cxnSp>
       </p:grpSp>
     </p:spTree>
-    <p:extLst>
-      <p:ext uri="{BB962C8B-B14F-4D97-AF65-F5344CB8AC3E}">
-        <p14:creationId xmlns:p14="http://schemas.microsoft.com/office/powerpoint/2010/main" val="4273458739"/>
-      </p:ext>
-    </p:extLst>
   </p:cSld>
   <p:clrMapOvr>
     <a:masterClrMapping/>
@@ -29518,7 +30125,7 @@
           <a:bodyPr rtlCol="0" anchor="ctr"/>
           <a:lstStyle/>
           <a:p>
-            <a:pPr marL="109535" indent="0">
+            <a:pPr marL="109220" indent="0">
               <a:buNone/>
             </a:pPr>
             <a:r>
@@ -29529,9 +30136,14 @@
               </a:rPr>
               <a:t>class Bakery</a:t>
             </a:r>
-          </a:p>
-          <a:p>
-            <a:pPr marL="109535" indent="0">
+            <a:endParaRPr lang="en-US" altLang="zh-CN" sz="1800" dirty="0" smtClean="0">
+              <a:solidFill>
+                <a:schemeClr val="tx1"/>
+              </a:solidFill>
+            </a:endParaRPr>
+          </a:p>
+          <a:p>
+            <a:pPr marL="109220" indent="0">
               <a:buNone/>
             </a:pPr>
             <a:r>
@@ -29542,9 +30154,14 @@
               </a:rPr>
               <a:t>{</a:t>
             </a:r>
-          </a:p>
-          <a:p>
-            <a:pPr marL="109535" indent="0">
+            <a:endParaRPr lang="en-US" altLang="zh-CN" sz="1800" dirty="0" smtClean="0">
+              <a:solidFill>
+                <a:schemeClr val="tx1"/>
+              </a:solidFill>
+            </a:endParaRPr>
+          </a:p>
+          <a:p>
+            <a:pPr marL="109220" indent="0">
               <a:buNone/>
             </a:pPr>
             <a:r>
@@ -29555,9 +30172,14 @@
               </a:rPr>
               <a:t>private:</a:t>
             </a:r>
-          </a:p>
-          <a:p>
-            <a:pPr marL="109535" indent="0">
+            <a:endParaRPr lang="en-US" altLang="zh-CN" sz="1800" dirty="0" smtClean="0">
+              <a:solidFill>
+                <a:schemeClr val="tx1"/>
+              </a:solidFill>
+            </a:endParaRPr>
+          </a:p>
+          <a:p>
+            <a:pPr marL="109220" indent="0">
               <a:buNone/>
             </a:pPr>
             <a:r>
@@ -29592,9 +30214,14 @@
               </a:rPr>
               <a:t>};</a:t>
             </a:r>
-          </a:p>
-          <a:p>
-            <a:pPr marL="109535" indent="0">
+            <a:endParaRPr lang="en-US" altLang="zh-CN" sz="1800" dirty="0" smtClean="0">
+              <a:solidFill>
+                <a:schemeClr val="tx1"/>
+              </a:solidFill>
+            </a:endParaRPr>
+          </a:p>
+          <a:p>
+            <a:pPr marL="109220" indent="0">
               <a:buNone/>
             </a:pPr>
             <a:endParaRPr lang="en-US" altLang="zh-CN" sz="1800" dirty="0" smtClean="0">
@@ -29604,7 +30231,7 @@
             </a:endParaRPr>
           </a:p>
           <a:p>
-            <a:pPr marL="109535" indent="0">
+            <a:pPr marL="109220" indent="0">
               <a:buNone/>
             </a:pPr>
             <a:r>
@@ -29615,9 +30242,14 @@
               </a:rPr>
               <a:t>	double costs[Months];</a:t>
             </a:r>
-          </a:p>
-          <a:p>
-            <a:pPr marL="109535" indent="0">
+            <a:endParaRPr lang="en-US" altLang="zh-CN" sz="1800" dirty="0" smtClean="0">
+              <a:solidFill>
+                <a:schemeClr val="tx1"/>
+              </a:solidFill>
+            </a:endParaRPr>
+          </a:p>
+          <a:p>
+            <a:pPr marL="109220" indent="0">
               <a:buNone/>
             </a:pPr>
             <a:r>
@@ -29628,9 +30260,14 @@
               </a:rPr>
               <a:t>...</a:t>
             </a:r>
-          </a:p>
-          <a:p>
-            <a:pPr marL="109535" indent="0">
+            <a:endParaRPr lang="en-US" altLang="zh-CN" sz="1800" dirty="0" smtClean="0">
+              <a:solidFill>
+                <a:schemeClr val="tx1"/>
+              </a:solidFill>
+            </a:endParaRPr>
+          </a:p>
+          <a:p>
+            <a:pPr marL="109220" indent="0">
               <a:buNone/>
             </a:pPr>
             <a:r>
@@ -29768,11 +30405,6 @@
         </p:cxnSp>
       </p:grpSp>
     </p:spTree>
-    <p:extLst>
-      <p:ext uri="{BB962C8B-B14F-4D97-AF65-F5344CB8AC3E}">
-        <p14:creationId xmlns:p14="http://schemas.microsoft.com/office/powerpoint/2010/main" val="1745358852"/>
-      </p:ext>
-    </p:extLst>
   </p:cSld>
   <p:clrMapOvr>
     <a:masterClrMapping/>
@@ -29945,7 +30577,7 @@
           <a:bodyPr rtlCol="0" anchor="ctr"/>
           <a:lstStyle/>
           <a:p>
-            <a:pPr marL="109535" indent="0">
+            <a:pPr marL="109220" indent="0">
               <a:buNone/>
             </a:pPr>
             <a:r>
@@ -29956,9 +30588,14 @@
               </a:rPr>
               <a:t>class Bakery</a:t>
             </a:r>
-          </a:p>
-          <a:p>
-            <a:pPr marL="109535" indent="0">
+            <a:endParaRPr lang="en-US" altLang="zh-CN" sz="1800" dirty="0" smtClean="0">
+              <a:solidFill>
+                <a:schemeClr val="tx1"/>
+              </a:solidFill>
+            </a:endParaRPr>
+          </a:p>
+          <a:p>
+            <a:pPr marL="109220" indent="0">
               <a:buNone/>
             </a:pPr>
             <a:r>
@@ -29969,9 +30606,14 @@
               </a:rPr>
               <a:t>{</a:t>
             </a:r>
-          </a:p>
-          <a:p>
-            <a:pPr marL="109535" indent="0">
+            <a:endParaRPr lang="en-US" altLang="zh-CN" sz="1800" dirty="0" smtClean="0">
+              <a:solidFill>
+                <a:schemeClr val="tx1"/>
+              </a:solidFill>
+            </a:endParaRPr>
+          </a:p>
+          <a:p>
+            <a:pPr marL="109220" indent="0">
               <a:buNone/>
             </a:pPr>
             <a:r>
@@ -29982,9 +30624,14 @@
               </a:rPr>
               <a:t>private:</a:t>
             </a:r>
-          </a:p>
-          <a:p>
-            <a:pPr marL="109535" indent="0">
+            <a:endParaRPr lang="en-US" altLang="zh-CN" sz="1800" dirty="0" smtClean="0">
+              <a:solidFill>
+                <a:schemeClr val="tx1"/>
+              </a:solidFill>
+            </a:endParaRPr>
+          </a:p>
+          <a:p>
+            <a:pPr marL="109220" indent="0">
               <a:buNone/>
             </a:pPr>
             <a:r>
@@ -30051,9 +30698,14 @@
               </a:rPr>
               <a:t>;</a:t>
             </a:r>
-          </a:p>
-          <a:p>
-            <a:pPr marL="109535" indent="0">
+            <a:endParaRPr lang="en-US" altLang="zh-CN" sz="1800" dirty="0" smtClean="0">
+              <a:solidFill>
+                <a:schemeClr val="tx1"/>
+              </a:solidFill>
+            </a:endParaRPr>
+          </a:p>
+          <a:p>
+            <a:pPr marL="109220" indent="0">
               <a:buNone/>
             </a:pPr>
             <a:endParaRPr lang="en-US" altLang="zh-CN" sz="1800" dirty="0" smtClean="0">
@@ -30063,7 +30715,7 @@
             </a:endParaRPr>
           </a:p>
           <a:p>
-            <a:pPr marL="109535" indent="0">
+            <a:pPr marL="109220" indent="0">
               <a:buNone/>
             </a:pPr>
             <a:r>
@@ -30074,9 +30726,14 @@
               </a:rPr>
               <a:t>	double costs[Months];</a:t>
             </a:r>
-          </a:p>
-          <a:p>
-            <a:pPr marL="109535" indent="0">
+            <a:endParaRPr lang="en-US" altLang="zh-CN" sz="1800" dirty="0" smtClean="0">
+              <a:solidFill>
+                <a:schemeClr val="tx1"/>
+              </a:solidFill>
+            </a:endParaRPr>
+          </a:p>
+          <a:p>
+            <a:pPr marL="109220" indent="0">
               <a:buNone/>
             </a:pPr>
             <a:r>
@@ -30087,9 +30744,14 @@
               </a:rPr>
               <a:t>...</a:t>
             </a:r>
-          </a:p>
-          <a:p>
-            <a:pPr marL="109535" indent="0">
+            <a:endParaRPr lang="en-US" altLang="zh-CN" sz="1800" dirty="0" smtClean="0">
+              <a:solidFill>
+                <a:schemeClr val="tx1"/>
+              </a:solidFill>
+            </a:endParaRPr>
+          </a:p>
+          <a:p>
+            <a:pPr marL="109220" indent="0">
               <a:buNone/>
             </a:pPr>
             <a:r>
@@ -30227,11 +30889,6 @@
         </p:cxnSp>
       </p:grpSp>
     </p:spTree>
-    <p:extLst>
-      <p:ext uri="{BB962C8B-B14F-4D97-AF65-F5344CB8AC3E}">
-        <p14:creationId xmlns:p14="http://schemas.microsoft.com/office/powerpoint/2010/main" val="3251089320"/>
-      </p:ext>
-    </p:extLst>
   </p:cSld>
   <p:clrMapOvr>
     <a:masterClrMapping/>
@@ -30371,7 +31028,7 @@
                 <a:latin typeface="Arial" panose="020B0604020202020204" pitchFamily="34" charset="0"/>
               </a:defRPr>
             </a:lvl1pPr>
-            <a:lvl2pPr marL="557213" indent="-214313">
+            <a:lvl2pPr marL="557530" indent="-214630">
               <a:spcBef>
                 <a:spcPct val="20000"/>
               </a:spcBef>
@@ -30507,15 +31164,6 @@
               <a:rPr lang="zh-CN" altLang="en-US" sz="1050">
                 <a:latin typeface="Arial Black" panose="020B0A04020102020204" pitchFamily="34" charset="0"/>
               </a:rPr>
-              <a:pPr>
-                <a:spcBef>
-                  <a:spcPct val="0"/>
-                </a:spcBef>
-                <a:buClrTx/>
-                <a:buFontTx/>
-                <a:buNone/>
-              </a:pPr>
-              <a:t>6</a:t>
             </a:fld>
             <a:endParaRPr lang="en-US" altLang="zh-CN" sz="1050">
               <a:latin typeface="Arial Black" panose="020B0A04020102020204" pitchFamily="34" charset="0"/>
@@ -30532,7 +31180,7 @@
           <p:nvPr/>
         </p:nvPicPr>
         <p:blipFill>
-          <a:blip r:embed="rId2">
+          <a:blip r:embed="rId1">
             <a:extLst>
               <a:ext uri="{28A0092B-C50C-407E-A947-70E740481C1C}">
                 <a14:useLocalDpi xmlns:a14="http://schemas.microsoft.com/office/drawing/2010/main" val="0"/>
@@ -30643,7 +31291,7 @@
           <p:nvPr/>
         </p:nvPicPr>
         <p:blipFill>
-          <a:blip r:embed="rId3">
+          <a:blip r:embed="rId2">
             <a:extLst>
               <a:ext uri="{28A0092B-C50C-407E-A947-70E740481C1C}">
                 <a14:useLocalDpi xmlns:a14="http://schemas.microsoft.com/office/drawing/2010/main" val="0"/>
@@ -30697,7 +31345,7 @@
           <p:nvPr/>
         </p:nvPicPr>
         <p:blipFill>
-          <a:blip r:embed="rId4">
+          <a:blip r:embed="rId3">
             <a:extLst>
               <a:ext uri="{28A0092B-C50C-407E-A947-70E740481C1C}">
                 <a14:useLocalDpi xmlns:a14="http://schemas.microsoft.com/office/drawing/2010/main" val="0"/>
@@ -30751,7 +31399,7 @@
           <p:nvPr/>
         </p:nvPicPr>
         <p:blipFill>
-          <a:blip r:embed="rId5">
+          <a:blip r:embed="rId4">
             <a:extLst>
               <a:ext uri="{28A0092B-C50C-407E-A947-70E740481C1C}">
                 <a14:useLocalDpi xmlns:a14="http://schemas.microsoft.com/office/drawing/2010/main" val="0"/>
@@ -31292,9 +31940,7 @@
       <p:sp>
         <p:nvSpPr>
           <p:cNvPr id="22" name="Google Shape;146;p15"/>
-          <p:cNvSpPr txBox="1">
-            <a:spLocks/>
-          </p:cNvSpPr>
+          <p:cNvSpPr txBox="1"/>
           <p:nvPr/>
         </p:nvSpPr>
         <p:spPr>
@@ -31340,16 +31986,16 @@
                 <a:schemeClr val="lt1"/>
               </a:buClr>
               <a:buSzPts val="2400"/>
-              <a:buFont typeface="Montserrat"/>
+              <a:buFont typeface="Montserrat" panose="00000500000000000000"/>
               <a:buNone/>
               <a:defRPr sz="1800" b="0" i="0" u="none" strike="noStrike" cap="none">
                 <a:solidFill>
                   <a:schemeClr val="lt1"/>
                 </a:solidFill>
-                <a:latin typeface="Montserrat"/>
-                <a:ea typeface="Montserrat"/>
-                <a:cs typeface="Montserrat"/>
-                <a:sym typeface="Montserrat"/>
+                <a:latin typeface="Montserrat" panose="00000500000000000000"/>
+                <a:ea typeface="Montserrat" panose="00000500000000000000"/>
+                <a:cs typeface="Montserrat" panose="00000500000000000000"/>
+                <a:sym typeface="Montserrat" panose="00000500000000000000"/>
               </a:defRPr>
             </a:lvl1pPr>
             <a:lvl2pPr marR="0" lvl="1" algn="l" rtl="0">
@@ -31366,16 +32012,16 @@
                 <a:schemeClr val="lt1"/>
               </a:buClr>
               <a:buSzPts val="2400"/>
-              <a:buFont typeface="Montserrat"/>
+              <a:buFont typeface="Montserrat" panose="00000500000000000000"/>
               <a:buNone/>
               <a:defRPr sz="1800" b="0" i="0" u="none" strike="noStrike" cap="none">
                 <a:solidFill>
                   <a:schemeClr val="lt1"/>
                 </a:solidFill>
-                <a:latin typeface="Montserrat"/>
-                <a:ea typeface="Montserrat"/>
-                <a:cs typeface="Montserrat"/>
-                <a:sym typeface="Montserrat"/>
+                <a:latin typeface="Montserrat" panose="00000500000000000000"/>
+                <a:ea typeface="Montserrat" panose="00000500000000000000"/>
+                <a:cs typeface="Montserrat" panose="00000500000000000000"/>
+                <a:sym typeface="Montserrat" panose="00000500000000000000"/>
               </a:defRPr>
             </a:lvl2pPr>
             <a:lvl3pPr marR="0" lvl="2" algn="l" rtl="0">
@@ -31392,16 +32038,16 @@
                 <a:schemeClr val="lt1"/>
               </a:buClr>
               <a:buSzPts val="2400"/>
-              <a:buFont typeface="Montserrat"/>
+              <a:buFont typeface="Montserrat" panose="00000500000000000000"/>
               <a:buNone/>
               <a:defRPr sz="1800" b="0" i="0" u="none" strike="noStrike" cap="none">
                 <a:solidFill>
                   <a:schemeClr val="lt1"/>
                 </a:solidFill>
-                <a:latin typeface="Montserrat"/>
-                <a:ea typeface="Montserrat"/>
-                <a:cs typeface="Montserrat"/>
-                <a:sym typeface="Montserrat"/>
+                <a:latin typeface="Montserrat" panose="00000500000000000000"/>
+                <a:ea typeface="Montserrat" panose="00000500000000000000"/>
+                <a:cs typeface="Montserrat" panose="00000500000000000000"/>
+                <a:sym typeface="Montserrat" panose="00000500000000000000"/>
               </a:defRPr>
             </a:lvl3pPr>
             <a:lvl4pPr marR="0" lvl="3" algn="l" rtl="0">
@@ -31418,16 +32064,16 @@
                 <a:schemeClr val="lt1"/>
               </a:buClr>
               <a:buSzPts val="2400"/>
-              <a:buFont typeface="Montserrat"/>
+              <a:buFont typeface="Montserrat" panose="00000500000000000000"/>
               <a:buNone/>
               <a:defRPr sz="1800" b="0" i="0" u="none" strike="noStrike" cap="none">
                 <a:solidFill>
                   <a:schemeClr val="lt1"/>
                 </a:solidFill>
-                <a:latin typeface="Montserrat"/>
-                <a:ea typeface="Montserrat"/>
-                <a:cs typeface="Montserrat"/>
-                <a:sym typeface="Montserrat"/>
+                <a:latin typeface="Montserrat" panose="00000500000000000000"/>
+                <a:ea typeface="Montserrat" panose="00000500000000000000"/>
+                <a:cs typeface="Montserrat" panose="00000500000000000000"/>
+                <a:sym typeface="Montserrat" panose="00000500000000000000"/>
               </a:defRPr>
             </a:lvl4pPr>
             <a:lvl5pPr marR="0" lvl="4" algn="l" rtl="0">
@@ -31444,16 +32090,16 @@
                 <a:schemeClr val="lt1"/>
               </a:buClr>
               <a:buSzPts val="2400"/>
-              <a:buFont typeface="Montserrat"/>
+              <a:buFont typeface="Montserrat" panose="00000500000000000000"/>
               <a:buNone/>
               <a:defRPr sz="1800" b="0" i="0" u="none" strike="noStrike" cap="none">
                 <a:solidFill>
                   <a:schemeClr val="lt1"/>
                 </a:solidFill>
-                <a:latin typeface="Montserrat"/>
-                <a:ea typeface="Montserrat"/>
-                <a:cs typeface="Montserrat"/>
-                <a:sym typeface="Montserrat"/>
+                <a:latin typeface="Montserrat" panose="00000500000000000000"/>
+                <a:ea typeface="Montserrat" panose="00000500000000000000"/>
+                <a:cs typeface="Montserrat" panose="00000500000000000000"/>
+                <a:sym typeface="Montserrat" panose="00000500000000000000"/>
               </a:defRPr>
             </a:lvl5pPr>
             <a:lvl6pPr marR="0" lvl="5" algn="l" rtl="0">
@@ -31470,16 +32116,16 @@
                 <a:schemeClr val="lt1"/>
               </a:buClr>
               <a:buSzPts val="2400"/>
-              <a:buFont typeface="Montserrat"/>
+              <a:buFont typeface="Montserrat" panose="00000500000000000000"/>
               <a:buNone/>
               <a:defRPr sz="1800" b="0" i="0" u="none" strike="noStrike" cap="none">
                 <a:solidFill>
                   <a:schemeClr val="lt1"/>
                 </a:solidFill>
-                <a:latin typeface="Montserrat"/>
-                <a:ea typeface="Montserrat"/>
-                <a:cs typeface="Montserrat"/>
-                <a:sym typeface="Montserrat"/>
+                <a:latin typeface="Montserrat" panose="00000500000000000000"/>
+                <a:ea typeface="Montserrat" panose="00000500000000000000"/>
+                <a:cs typeface="Montserrat" panose="00000500000000000000"/>
+                <a:sym typeface="Montserrat" panose="00000500000000000000"/>
               </a:defRPr>
             </a:lvl6pPr>
             <a:lvl7pPr marR="0" lvl="6" algn="l" rtl="0">
@@ -31496,16 +32142,16 @@
                 <a:schemeClr val="lt1"/>
               </a:buClr>
               <a:buSzPts val="2400"/>
-              <a:buFont typeface="Montserrat"/>
+              <a:buFont typeface="Montserrat" panose="00000500000000000000"/>
               <a:buNone/>
               <a:defRPr sz="1800" b="0" i="0" u="none" strike="noStrike" cap="none">
                 <a:solidFill>
                   <a:schemeClr val="lt1"/>
                 </a:solidFill>
-                <a:latin typeface="Montserrat"/>
-                <a:ea typeface="Montserrat"/>
-                <a:cs typeface="Montserrat"/>
-                <a:sym typeface="Montserrat"/>
+                <a:latin typeface="Montserrat" panose="00000500000000000000"/>
+                <a:ea typeface="Montserrat" panose="00000500000000000000"/>
+                <a:cs typeface="Montserrat" panose="00000500000000000000"/>
+                <a:sym typeface="Montserrat" panose="00000500000000000000"/>
               </a:defRPr>
             </a:lvl7pPr>
             <a:lvl8pPr marR="0" lvl="7" algn="l" rtl="0">
@@ -31522,16 +32168,16 @@
                 <a:schemeClr val="lt1"/>
               </a:buClr>
               <a:buSzPts val="2400"/>
-              <a:buFont typeface="Montserrat"/>
+              <a:buFont typeface="Montserrat" panose="00000500000000000000"/>
               <a:buNone/>
               <a:defRPr sz="1800" b="0" i="0" u="none" strike="noStrike" cap="none">
                 <a:solidFill>
                   <a:schemeClr val="lt1"/>
                 </a:solidFill>
-                <a:latin typeface="Montserrat"/>
-                <a:ea typeface="Montserrat"/>
-                <a:cs typeface="Montserrat"/>
-                <a:sym typeface="Montserrat"/>
+                <a:latin typeface="Montserrat" panose="00000500000000000000"/>
+                <a:ea typeface="Montserrat" panose="00000500000000000000"/>
+                <a:cs typeface="Montserrat" panose="00000500000000000000"/>
+                <a:sym typeface="Montserrat" panose="00000500000000000000"/>
               </a:defRPr>
             </a:lvl8pPr>
             <a:lvl9pPr marR="0" lvl="8" algn="l" rtl="0">
@@ -31548,16 +32194,16 @@
                 <a:schemeClr val="lt1"/>
               </a:buClr>
               <a:buSzPts val="2400"/>
-              <a:buFont typeface="Montserrat"/>
+              <a:buFont typeface="Montserrat" panose="00000500000000000000"/>
               <a:buNone/>
               <a:defRPr sz="1800" b="0" i="0" u="none" strike="noStrike" cap="none">
                 <a:solidFill>
                   <a:schemeClr val="lt1"/>
                 </a:solidFill>
-                <a:latin typeface="Montserrat"/>
-                <a:ea typeface="Montserrat"/>
-                <a:cs typeface="Montserrat"/>
-                <a:sym typeface="Montserrat"/>
+                <a:latin typeface="Montserrat" panose="00000500000000000000"/>
+                <a:ea typeface="Montserrat" panose="00000500000000000000"/>
+                <a:cs typeface="Montserrat" panose="00000500000000000000"/>
+                <a:sym typeface="Montserrat" panose="00000500000000000000"/>
               </a:defRPr>
             </a:lvl9pPr>
           </a:lstStyle>
@@ -31573,9 +32219,7 @@
       <p:grpSp>
         <p:nvGrpSpPr>
           <p:cNvPr id="23" name="组合 22"/>
-          <p:cNvGrpSpPr>
-            <a:grpSpLocks/>
-          </p:cNvGrpSpPr>
+          <p:cNvGrpSpPr/>
           <p:nvPr/>
         </p:nvGrpSpPr>
         <p:grpSpPr bwMode="auto">
@@ -31595,7 +32239,7 @@
             <p:nvPr/>
           </p:nvPicPr>
           <p:blipFill>
-            <a:blip r:embed="rId6">
+            <a:blip r:embed="rId5">
               <a:extLst>
                 <a:ext uri="{28A0092B-C50C-407E-A947-70E740481C1C}">
                   <a14:useLocalDpi xmlns:a14="http://schemas.microsoft.com/office/drawing/2010/main" val="0"/>
@@ -31649,7 +32293,7 @@
             <p:nvPr/>
           </p:nvPicPr>
           <p:blipFill>
-            <a:blip r:embed="rId7">
+            <a:blip r:embed="rId6">
               <a:extLst>
                 <a:ext uri="{28A0092B-C50C-407E-A947-70E740481C1C}">
                   <a14:useLocalDpi xmlns:a14="http://schemas.microsoft.com/office/drawing/2010/main" val="0"/>
@@ -31703,7 +32347,7 @@
             <p:nvPr/>
           </p:nvPicPr>
           <p:blipFill>
-            <a:blip r:embed="rId8">
+            <a:blip r:embed="rId7">
               <a:extLst>
                 <a:ext uri="{28A0092B-C50C-407E-A947-70E740481C1C}">
                   <a14:useLocalDpi xmlns:a14="http://schemas.microsoft.com/office/drawing/2010/main" val="0"/>
@@ -32837,11 +33481,6 @@
         </p:txBody>
       </p:sp>
     </p:spTree>
-    <p:extLst>
-      <p:ext uri="{BB962C8B-B14F-4D97-AF65-F5344CB8AC3E}">
-        <p14:creationId xmlns:p14="http://schemas.microsoft.com/office/powerpoint/2010/main" val="1580856366"/>
-      </p:ext>
-    </p:extLst>
   </p:cSld>
   <p:clrMapOvr>
     <a:masterClrMapping/>
@@ -33565,6 +34204,11 @@
               </a:rPr>
               <a:t>		{</a:t>
             </a:r>
+            <a:endParaRPr lang="en-US" altLang="zh-CN" sz="1600" dirty="0" smtClean="0">
+              <a:latin typeface="Times New Roman" panose="02020603050405020304" pitchFamily="18" charset="0"/>
+              <a:ea typeface="宋体" panose="02010600030101010101" pitchFamily="2" charset="-122"/>
+              <a:cs typeface="Times New Roman" panose="02020603050405020304" pitchFamily="18" charset="0"/>
+            </a:endParaRPr>
           </a:p>
           <a:p>
             <a:pPr eaLnBrk="1" hangingPunct="1">
@@ -33620,6 +34264,14 @@
               </a:rPr>
               <a:t>:</a:t>
             </a:r>
+            <a:endParaRPr lang="en-US" altLang="zh-CN" sz="1600" dirty="0">
+              <a:solidFill>
+                <a:srgbClr val="FF0000"/>
+              </a:solidFill>
+              <a:latin typeface="Times New Roman" panose="02020603050405020304" pitchFamily="18" charset="0"/>
+              <a:ea typeface="宋体" panose="02010600030101010101" pitchFamily="2" charset="-122"/>
+              <a:cs typeface="Times New Roman" panose="02020603050405020304" pitchFamily="18" charset="0"/>
+            </a:endParaRPr>
           </a:p>
           <a:p>
             <a:pPr eaLnBrk="1" hangingPunct="1">
@@ -33722,6 +34374,14 @@
               </a:rPr>
               <a:t>:</a:t>
             </a:r>
+            <a:endParaRPr lang="en-US" altLang="zh-CN" sz="1600" dirty="0">
+              <a:solidFill>
+                <a:srgbClr val="FF0000"/>
+              </a:solidFill>
+              <a:latin typeface="Times New Roman" panose="02020603050405020304" pitchFamily="18" charset="0"/>
+              <a:ea typeface="宋体" panose="02010600030101010101" pitchFamily="2" charset="-122"/>
+              <a:cs typeface="Times New Roman" panose="02020603050405020304" pitchFamily="18" charset="0"/>
+            </a:endParaRPr>
           </a:p>
           <a:p>
             <a:pPr eaLnBrk="1" hangingPunct="1">
@@ -33748,6 +34408,11 @@
               </a:rPr>
               <a:t>		methods / function member</a:t>
             </a:r>
+            <a:endParaRPr lang="en-US" altLang="zh-CN" sz="1600" dirty="0" smtClean="0">
+              <a:latin typeface="Times New Roman" panose="02020603050405020304" pitchFamily="18" charset="0"/>
+              <a:ea typeface="宋体" panose="02010600030101010101" pitchFamily="2" charset="-122"/>
+              <a:cs typeface="Times New Roman" panose="02020603050405020304" pitchFamily="18" charset="0"/>
+            </a:endParaRPr>
           </a:p>
           <a:p>
             <a:pPr eaLnBrk="1" hangingPunct="1">
@@ -33860,6 +34525,14 @@
               </a:rPr>
               <a:t>;</a:t>
             </a:r>
+            <a:endParaRPr lang="en-US" altLang="zh-CN" sz="1600" dirty="0" smtClean="0">
+              <a:solidFill>
+                <a:srgbClr val="FF0000"/>
+              </a:solidFill>
+              <a:latin typeface="Times New Roman" panose="02020603050405020304" pitchFamily="18" charset="0"/>
+              <a:ea typeface="宋体" panose="02010600030101010101" pitchFamily="2" charset="-122"/>
+              <a:cs typeface="Times New Roman" panose="02020603050405020304" pitchFamily="18" charset="0"/>
+            </a:endParaRPr>
           </a:p>
           <a:p>
             <a:pPr eaLnBrk="1" hangingPunct="1">
@@ -33947,11 +34620,8 @@
               <a:schemeClr val="tx1"/>
             </a:solidFill>
             <a:miter lim="800000"/>
-            <a:headEnd/>
-            <a:tailEnd/>
           </a:ln>
           <a:effectLst/>
-          <a:extLst/>
         </p:spPr>
         <p:txBody>
           <a:bodyPr/>
@@ -34016,11 +34686,8 @@
               <a:schemeClr val="tx1"/>
             </a:solidFill>
             <a:miter lim="800000"/>
-            <a:headEnd/>
-            <a:tailEnd/>
           </a:ln>
           <a:effectLst/>
-          <a:extLst/>
         </p:spPr>
         <p:txBody>
           <a:bodyPr/>
@@ -34103,11 +34770,8 @@
               <a:schemeClr val="tx1"/>
             </a:solidFill>
             <a:miter lim="800000"/>
-            <a:headEnd/>
-            <a:tailEnd/>
           </a:ln>
           <a:effectLst/>
-          <a:extLst/>
         </p:spPr>
         <p:txBody>
           <a:bodyPr/>
@@ -34200,11 +34864,8 @@
               <a:schemeClr val="tx1"/>
             </a:solidFill>
             <a:miter lim="800000"/>
-            <a:headEnd/>
-            <a:tailEnd/>
           </a:ln>
           <a:effectLst/>
-          <a:extLst/>
         </p:spPr>
         <p:txBody>
           <a:bodyPr/>
@@ -34287,11 +34948,8 @@
               <a:schemeClr val="tx1"/>
             </a:solidFill>
             <a:miter lim="800000"/>
-            <a:headEnd/>
-            <a:tailEnd/>
           </a:ln>
           <a:effectLst/>
-          <a:extLst/>
         </p:spPr>
         <p:txBody>
           <a:bodyPr/>
@@ -34366,11 +35024,8 @@
               <a:schemeClr val="tx1"/>
             </a:solidFill>
             <a:miter lim="800000"/>
-            <a:headEnd/>
-            <a:tailEnd/>
           </a:ln>
           <a:effectLst/>
-          <a:extLst/>
         </p:spPr>
         <p:txBody>
           <a:bodyPr/>
@@ -34447,11 +35102,8 @@
               <a:schemeClr val="tx1"/>
             </a:solidFill>
             <a:miter lim="800000"/>
-            <a:headEnd/>
-            <a:tailEnd/>
           </a:ln>
           <a:effectLst/>
-          <a:extLst/>
         </p:spPr>
         <p:txBody>
           <a:bodyPr/>
@@ -34530,11 +35182,8 @@
               <a:schemeClr val="tx1"/>
             </a:solidFill>
             <a:miter lim="800000"/>
-            <a:headEnd/>
-            <a:tailEnd/>
           </a:ln>
           <a:effectLst/>
-          <a:extLst/>
         </p:spPr>
         <p:txBody>
           <a:bodyPr/>
@@ -34576,11 +35225,6 @@
         </p:txBody>
       </p:sp>
     </p:spTree>
-    <p:extLst>
-      <p:ext uri="{BB962C8B-B14F-4D97-AF65-F5344CB8AC3E}">
-        <p14:creationId xmlns:p14="http://schemas.microsoft.com/office/powerpoint/2010/main" val="3631370790"/>
-      </p:ext>
-    </p:extLst>
   </p:cSld>
   <p:clrMapOvr>
     <a:masterClrMapping/>
@@ -35686,6 +36330,11 @@
               </a:rPr>
               <a:t>class Stock</a:t>
             </a:r>
+            <a:endParaRPr lang="en-US" altLang="zh-CN" sz="1600" dirty="0">
+              <a:solidFill>
+                <a:schemeClr val="tx1"/>
+              </a:solidFill>
+            </a:endParaRPr>
           </a:p>
           <a:p>
             <a:r>
@@ -35696,6 +36345,11 @@
               </a:rPr>
               <a:t>{</a:t>
             </a:r>
+            <a:endParaRPr lang="en-US" altLang="zh-CN" sz="1600" dirty="0">
+              <a:solidFill>
+                <a:schemeClr val="tx1"/>
+              </a:solidFill>
+            </a:endParaRPr>
           </a:p>
           <a:p>
             <a:r>
@@ -35706,6 +36360,11 @@
               </a:rPr>
               <a:t>private:</a:t>
             </a:r>
+            <a:endParaRPr lang="en-US" altLang="zh-CN" sz="1600" dirty="0" smtClean="0">
+              <a:solidFill>
+                <a:schemeClr val="tx1"/>
+              </a:solidFill>
+            </a:endParaRPr>
           </a:p>
           <a:p>
             <a:pPr lvl="3"/>
@@ -35717,6 +36376,11 @@
               </a:rPr>
               <a:t>      char company[30];</a:t>
             </a:r>
+            <a:endParaRPr lang="en-US" altLang="zh-CN" sz="1600" dirty="0" smtClean="0">
+              <a:solidFill>
+                <a:schemeClr val="tx1"/>
+              </a:solidFill>
+            </a:endParaRPr>
           </a:p>
           <a:p>
             <a:pPr lvl="3"/>
@@ -35752,6 +36416,11 @@
               </a:rPr>
               <a:t> shares;</a:t>
             </a:r>
+            <a:endParaRPr lang="en-US" altLang="zh-CN" sz="1600" dirty="0" smtClean="0">
+              <a:solidFill>
+                <a:schemeClr val="tx1"/>
+              </a:solidFill>
+            </a:endParaRPr>
           </a:p>
           <a:p>
             <a:pPr lvl="3"/>
@@ -35779,6 +36448,11 @@
               </a:rPr>
               <a:t>;</a:t>
             </a:r>
+            <a:endParaRPr lang="en-US" altLang="zh-CN" sz="1600" dirty="0" smtClean="0">
+              <a:solidFill>
+                <a:schemeClr val="tx1"/>
+              </a:solidFill>
+            </a:endParaRPr>
           </a:p>
           <a:p>
             <a:pPr lvl="3"/>
@@ -35806,6 +36480,11 @@
               </a:rPr>
               <a:t>;</a:t>
             </a:r>
+            <a:endParaRPr lang="en-US" altLang="zh-CN" sz="1600" dirty="0" smtClean="0">
+              <a:solidFill>
+                <a:schemeClr val="tx1"/>
+              </a:solidFill>
+            </a:endParaRPr>
           </a:p>
           <a:p>
             <a:pPr lvl="3"/>
@@ -35873,6 +36552,11 @@
               </a:rPr>
               <a:t>; }</a:t>
             </a:r>
+            <a:endParaRPr lang="en-US" altLang="zh-CN" sz="1600" dirty="0" smtClean="0">
+              <a:solidFill>
+                <a:srgbClr val="FF0000"/>
+              </a:solidFill>
+            </a:endParaRPr>
           </a:p>
           <a:p>
             <a:r>
@@ -35891,6 +36575,11 @@
               </a:rPr>
               <a:t>:</a:t>
             </a:r>
+            <a:endParaRPr lang="en-US" altLang="zh-CN" sz="1600" dirty="0">
+              <a:solidFill>
+                <a:schemeClr val="tx1"/>
+              </a:solidFill>
+            </a:endParaRPr>
           </a:p>
           <a:p>
             <a:r>
@@ -35957,6 +36646,11 @@
               </a:rPr>
               <a:t>);</a:t>
             </a:r>
+            <a:endParaRPr lang="en-US" altLang="zh-CN" sz="1600" dirty="0">
+              <a:solidFill>
+                <a:schemeClr val="tx1"/>
+              </a:solidFill>
+            </a:endParaRPr>
           </a:p>
           <a:p>
             <a:r>
@@ -36007,6 +36701,11 @@
               </a:rPr>
               <a:t>, double price);</a:t>
             </a:r>
+            <a:endParaRPr lang="en-US" altLang="zh-CN" sz="1600" dirty="0">
+              <a:solidFill>
+                <a:schemeClr val="tx1"/>
+              </a:solidFill>
+            </a:endParaRPr>
           </a:p>
           <a:p>
             <a:r>
@@ -36057,6 +36756,11 @@
               </a:rPr>
               <a:t>, double price);</a:t>
             </a:r>
+            <a:endParaRPr lang="en-US" altLang="zh-CN" sz="1600" dirty="0">
+              <a:solidFill>
+                <a:schemeClr val="tx1"/>
+              </a:solidFill>
+            </a:endParaRPr>
           </a:p>
           <a:p>
             <a:r>
@@ -36075,6 +36779,11 @@
               </a:rPr>
               <a:t>update(double price);</a:t>
             </a:r>
+            <a:endParaRPr lang="en-US" altLang="zh-CN" sz="1600" dirty="0">
+              <a:solidFill>
+                <a:schemeClr val="tx1"/>
+              </a:solidFill>
+            </a:endParaRPr>
           </a:p>
           <a:p>
             <a:r>
@@ -36093,6 +36802,11 @@
               </a:rPr>
               <a:t>show();</a:t>
             </a:r>
+            <a:endParaRPr lang="en-US" altLang="zh-CN" sz="1600" dirty="0">
+              <a:solidFill>
+                <a:schemeClr val="tx1"/>
+              </a:solidFill>
+            </a:endParaRPr>
           </a:p>
           <a:p>
             <a:r>
@@ -36162,11 +36876,6 @@
         </p:txBody>
       </p:sp>
     </p:spTree>
-    <p:extLst>
-      <p:ext uri="{BB962C8B-B14F-4D97-AF65-F5344CB8AC3E}">
-        <p14:creationId xmlns:p14="http://schemas.microsoft.com/office/powerpoint/2010/main" val="1382270464"/>
-      </p:ext>
-    </p:extLst>
   </p:cSld>
   <p:clrMapOvr>
     <a:masterClrMapping/>
@@ -36434,18 +37143,6 @@
               </a:rPr>
               <a:t>class Stock</a:t>
             </a:r>
-          </a:p>
-          <a:p>
-            <a:r>
-              <a:rPr lang="en-US" altLang="zh-CN" sz="1600" dirty="0" smtClean="0">
-                <a:solidFill>
-                  <a:schemeClr val="tx1"/>
-                </a:solidFill>
-              </a:rPr>
-              <a:t>{</a:t>
-            </a:r>
-          </a:p>
-          <a:p>
             <a:endParaRPr lang="en-US" altLang="zh-CN" sz="1600" dirty="0">
               <a:solidFill>
                 <a:schemeClr val="tx1"/>
@@ -36459,8 +37156,35 @@
                   <a:schemeClr val="tx1"/>
                 </a:solidFill>
               </a:rPr>
+              <a:t>{</a:t>
+            </a:r>
+            <a:endParaRPr lang="en-US" altLang="zh-CN" sz="1600" dirty="0" smtClean="0">
+              <a:solidFill>
+                <a:schemeClr val="tx1"/>
+              </a:solidFill>
+            </a:endParaRPr>
+          </a:p>
+          <a:p>
+            <a:endParaRPr lang="en-US" altLang="zh-CN" sz="1600" dirty="0">
+              <a:solidFill>
+                <a:schemeClr val="tx1"/>
+              </a:solidFill>
+            </a:endParaRPr>
+          </a:p>
+          <a:p>
+            <a:r>
+              <a:rPr lang="en-US" altLang="zh-CN" sz="1600" dirty="0" smtClean="0">
+                <a:solidFill>
+                  <a:schemeClr val="tx1"/>
+                </a:solidFill>
+              </a:rPr>
               <a:t>      char company[30];</a:t>
             </a:r>
+            <a:endParaRPr lang="en-US" altLang="zh-CN" sz="1600" dirty="0" smtClean="0">
+              <a:solidFill>
+                <a:schemeClr val="tx1"/>
+              </a:solidFill>
+            </a:endParaRPr>
           </a:p>
           <a:p>
             <a:pPr lvl="3"/>
@@ -36488,6 +37212,11 @@
               </a:rPr>
               <a:t> shares;</a:t>
             </a:r>
+            <a:endParaRPr lang="en-US" altLang="zh-CN" sz="1600" dirty="0" smtClean="0">
+              <a:solidFill>
+                <a:schemeClr val="tx1"/>
+              </a:solidFill>
+            </a:endParaRPr>
           </a:p>
           <a:p>
             <a:pPr lvl="3"/>
@@ -36515,6 +37244,11 @@
               </a:rPr>
               <a:t>;</a:t>
             </a:r>
+            <a:endParaRPr lang="en-US" altLang="zh-CN" sz="1600" dirty="0" smtClean="0">
+              <a:solidFill>
+                <a:schemeClr val="tx1"/>
+              </a:solidFill>
+            </a:endParaRPr>
           </a:p>
           <a:p>
             <a:pPr lvl="3"/>
@@ -36542,6 +37276,11 @@
               </a:rPr>
               <a:t>;</a:t>
             </a:r>
+            <a:endParaRPr lang="en-US" altLang="zh-CN" sz="1600" dirty="0" smtClean="0">
+              <a:solidFill>
+                <a:schemeClr val="tx1"/>
+              </a:solidFill>
+            </a:endParaRPr>
           </a:p>
           <a:p>
             <a:pPr lvl="3"/>
@@ -36609,6 +37348,11 @@
               </a:rPr>
               <a:t>; }</a:t>
             </a:r>
+            <a:endParaRPr lang="en-US" altLang="zh-CN" sz="1600" dirty="0" smtClean="0">
+              <a:solidFill>
+                <a:srgbClr val="FF0000"/>
+              </a:solidFill>
+            </a:endParaRPr>
           </a:p>
           <a:p>
             <a:r>
@@ -36627,6 +37371,11 @@
               </a:rPr>
               <a:t>:</a:t>
             </a:r>
+            <a:endParaRPr lang="en-US" altLang="zh-CN" sz="1600" dirty="0">
+              <a:solidFill>
+                <a:schemeClr val="tx1"/>
+              </a:solidFill>
+            </a:endParaRPr>
           </a:p>
           <a:p>
             <a:r>
@@ -36693,6 +37442,11 @@
               </a:rPr>
               <a:t>);</a:t>
             </a:r>
+            <a:endParaRPr lang="en-US" altLang="zh-CN" sz="1600" dirty="0">
+              <a:solidFill>
+                <a:schemeClr val="tx1"/>
+              </a:solidFill>
+            </a:endParaRPr>
           </a:p>
           <a:p>
             <a:r>
@@ -36743,6 +37497,11 @@
               </a:rPr>
               <a:t>, double price);</a:t>
             </a:r>
+            <a:endParaRPr lang="en-US" altLang="zh-CN" sz="1600" dirty="0">
+              <a:solidFill>
+                <a:schemeClr val="tx1"/>
+              </a:solidFill>
+            </a:endParaRPr>
           </a:p>
           <a:p>
             <a:r>
@@ -36793,6 +37552,11 @@
               </a:rPr>
               <a:t>, double price);</a:t>
             </a:r>
+            <a:endParaRPr lang="en-US" altLang="zh-CN" sz="1600" dirty="0">
+              <a:solidFill>
+                <a:schemeClr val="tx1"/>
+              </a:solidFill>
+            </a:endParaRPr>
           </a:p>
           <a:p>
             <a:r>
@@ -36811,6 +37575,11 @@
               </a:rPr>
               <a:t>update(double price);</a:t>
             </a:r>
+            <a:endParaRPr lang="en-US" altLang="zh-CN" sz="1600" dirty="0">
+              <a:solidFill>
+                <a:schemeClr val="tx1"/>
+              </a:solidFill>
+            </a:endParaRPr>
           </a:p>
           <a:p>
             <a:r>
@@ -36829,6 +37598,11 @@
               </a:rPr>
               <a:t>show();</a:t>
             </a:r>
+            <a:endParaRPr lang="en-US" altLang="zh-CN" sz="1600" dirty="0">
+              <a:solidFill>
+                <a:schemeClr val="tx1"/>
+              </a:solidFill>
+            </a:endParaRPr>
           </a:p>
           <a:p>
             <a:r>
@@ -36877,11 +37651,8 @@
               <a:schemeClr val="tx1"/>
             </a:solidFill>
             <a:miter lim="800000"/>
-            <a:headEnd/>
-            <a:tailEnd/>
           </a:ln>
           <a:effectLst/>
-          <a:extLst/>
         </p:spPr>
         <p:txBody>
           <a:bodyPr/>
@@ -36955,11 +37726,6 @@
         </p:txBody>
       </p:sp>
     </p:spTree>
-    <p:extLst>
-      <p:ext uri="{BB962C8B-B14F-4D97-AF65-F5344CB8AC3E}">
-        <p14:creationId xmlns:p14="http://schemas.microsoft.com/office/powerpoint/2010/main" val="2365684441"/>
-      </p:ext>
-    </p:extLst>
   </p:cSld>
   <p:clrMapOvr>
     <a:masterClrMapping/>
@@ -37097,6 +37863,13 @@
     </p:bldLst>
   </p:timing>
 </p:sld>
+</file>
+
+<file path=ppt/tags/tag1.xml><?xml version="1.0" encoding="utf-8"?>
+<p:tagLst xmlns:p="http://schemas.openxmlformats.org/presentationml/2006/main">
+  <p:tag name="KSO_WPP_MARK_KEY" val="f53d071e-6a7f-43fe-9684-2781d441c0be"/>
+  <p:tag name="COMMONDATA" val="eyJoZGlkIjoiZjAyZmU5NDM2YmNjZDE2ZTg0OWYyZGZiMmE4M2E0OWQifQ=="/>
+</p:tagLst>
 </file>
 
 <file path=ppt/theme/theme1.xml><?xml version="1.0" encoding="utf-8"?>
@@ -37375,8 +38148,11 @@
       </a:bgFillStyleLst>
     </a:fmtScheme>
   </a:themeElements>
-  <a:objectDefaults/>
-  <a:extraClrSchemeLst/>
+  <a:extLst>
+    <a:ext uri="{05A4C25C-085E-4340-85A3-A5531E510DB2}">
+      <thm15:themeFamily xmlns:thm15="http://schemas.microsoft.com/office/thememl/2012/main" name="Office Theme" id="{62F939B6-93AF-4DB8-9C6B-D6C7DFDC589F}" vid="{4A3C46E8-61CC-4603-A589-7422A47A8E4A}"/>
+    </a:ext>
+  </a:extLst>
 </a:theme>
 </file>
 
@@ -37656,7 +38432,10 @@
       </a:bgFillStyleLst>
     </a:fmtScheme>
   </a:themeElements>
-  <a:objectDefaults/>
-  <a:extraClrSchemeLst/>
+  <a:extLst>
+    <a:ext uri="{05A4C25C-085E-4340-85A3-A5531E510DB2}">
+      <thm15:themeFamily xmlns:thm15="http://schemas.microsoft.com/office/thememl/2012/main" name="Office Theme" id="{62F939B6-93AF-4DB8-9C6B-D6C7DFDC589F}" vid="{4A3C46E8-61CC-4603-A589-7422A47A8E4A}"/>
+    </a:ext>
+  </a:extLst>
 </a:theme>
 </file>